--- a/Diagrams.pptx
+++ b/Diagrams.pptx
@@ -10,7 +10,10 @@
     <p:sldId id="257" r:id="rId4"/>
     <p:sldId id="258" r:id="rId5"/>
     <p:sldId id="259" r:id="rId6"/>
-    <p:sldId id="261" r:id="rId7"/>
+    <p:sldId id="263" r:id="rId7"/>
+    <p:sldId id="262" r:id="rId8"/>
+    <p:sldId id="261" r:id="rId9"/>
+    <p:sldId id="264" r:id="rId10"/>
   </p:sldIdLst>
   <p:sldSz cx="13563600" cy="9144000"/>
   <p:notesSz cx="6858000" cy="9144000"/>
@@ -248,7 +251,7 @@
           <a:p>
             <a:fld id="{9DD38E42-97A3-4F34-8ACB-18D41CD12559}" type="datetimeFigureOut">
               <a:rPr lang="en-US" smtClean="0"/>
-              <a:t>14-Jan-21</a:t>
+              <a:t>1/22/2021</a:t>
             </a:fld>
             <a:endParaRPr lang="en-US"/>
           </a:p>
@@ -418,7 +421,7 @@
           <a:p>
             <a:fld id="{9DD38E42-97A3-4F34-8ACB-18D41CD12559}" type="datetimeFigureOut">
               <a:rPr lang="en-US" smtClean="0"/>
-              <a:t>14-Jan-21</a:t>
+              <a:t>1/22/2021</a:t>
             </a:fld>
             <a:endParaRPr lang="en-US"/>
           </a:p>
@@ -598,7 +601,7 @@
           <a:p>
             <a:fld id="{9DD38E42-97A3-4F34-8ACB-18D41CD12559}" type="datetimeFigureOut">
               <a:rPr lang="en-US" smtClean="0"/>
-              <a:t>14-Jan-21</a:t>
+              <a:t>1/22/2021</a:t>
             </a:fld>
             <a:endParaRPr lang="en-US"/>
           </a:p>
@@ -768,7 +771,7 @@
           <a:p>
             <a:fld id="{9DD38E42-97A3-4F34-8ACB-18D41CD12559}" type="datetimeFigureOut">
               <a:rPr lang="en-US" smtClean="0"/>
-              <a:t>14-Jan-21</a:t>
+              <a:t>1/22/2021</a:t>
             </a:fld>
             <a:endParaRPr lang="en-US"/>
           </a:p>
@@ -1012,7 +1015,7 @@
           <a:p>
             <a:fld id="{9DD38E42-97A3-4F34-8ACB-18D41CD12559}" type="datetimeFigureOut">
               <a:rPr lang="en-US" smtClean="0"/>
-              <a:t>14-Jan-21</a:t>
+              <a:t>1/22/2021</a:t>
             </a:fld>
             <a:endParaRPr lang="en-US"/>
           </a:p>
@@ -1244,7 +1247,7 @@
           <a:p>
             <a:fld id="{9DD38E42-97A3-4F34-8ACB-18D41CD12559}" type="datetimeFigureOut">
               <a:rPr lang="en-US" smtClean="0"/>
-              <a:t>14-Jan-21</a:t>
+              <a:t>1/22/2021</a:t>
             </a:fld>
             <a:endParaRPr lang="en-US"/>
           </a:p>
@@ -1611,7 +1614,7 @@
           <a:p>
             <a:fld id="{9DD38E42-97A3-4F34-8ACB-18D41CD12559}" type="datetimeFigureOut">
               <a:rPr lang="en-US" smtClean="0"/>
-              <a:t>14-Jan-21</a:t>
+              <a:t>1/22/2021</a:t>
             </a:fld>
             <a:endParaRPr lang="en-US"/>
           </a:p>
@@ -1729,7 +1732,7 @@
           <a:p>
             <a:fld id="{9DD38E42-97A3-4F34-8ACB-18D41CD12559}" type="datetimeFigureOut">
               <a:rPr lang="en-US" smtClean="0"/>
-              <a:t>14-Jan-21</a:t>
+              <a:t>1/22/2021</a:t>
             </a:fld>
             <a:endParaRPr lang="en-US"/>
           </a:p>
@@ -1824,7 +1827,7 @@
           <a:p>
             <a:fld id="{9DD38E42-97A3-4F34-8ACB-18D41CD12559}" type="datetimeFigureOut">
               <a:rPr lang="en-US" smtClean="0"/>
-              <a:t>14-Jan-21</a:t>
+              <a:t>1/22/2021</a:t>
             </a:fld>
             <a:endParaRPr lang="en-US"/>
           </a:p>
@@ -2101,7 +2104,7 @@
           <a:p>
             <a:fld id="{9DD38E42-97A3-4F34-8ACB-18D41CD12559}" type="datetimeFigureOut">
               <a:rPr lang="en-US" smtClean="0"/>
-              <a:t>14-Jan-21</a:t>
+              <a:t>1/22/2021</a:t>
             </a:fld>
             <a:endParaRPr lang="en-US"/>
           </a:p>
@@ -2358,7 +2361,7 @@
           <a:p>
             <a:fld id="{9DD38E42-97A3-4F34-8ACB-18D41CD12559}" type="datetimeFigureOut">
               <a:rPr lang="en-US" smtClean="0"/>
-              <a:t>14-Jan-21</a:t>
+              <a:t>1/22/2021</a:t>
             </a:fld>
             <a:endParaRPr lang="en-US"/>
           </a:p>
@@ -2571,7 +2574,7 @@
           <a:p>
             <a:fld id="{9DD38E42-97A3-4F34-8ACB-18D41CD12559}" type="datetimeFigureOut">
               <a:rPr lang="en-US" smtClean="0"/>
-              <a:t>14-Jan-21</a:t>
+              <a:t>1/22/2021</a:t>
             </a:fld>
             <a:endParaRPr lang="en-US"/>
           </a:p>
@@ -2981,7 +2984,7 @@
           <p:cNvPr id="4" name="Rectangle: Rounded Corners 3">
             <a:extLst>
               <a:ext uri="{FF2B5EF4-FFF2-40B4-BE49-F238E27FC236}">
-                <a16:creationId xmlns:a16="http://schemas.microsoft.com/office/drawing/2014/main" id="{D4042FA5-4568-47ED-9298-6517F87E5F76}"/>
+                <a16:creationId xmlns="" xmlns:a16="http://schemas.microsoft.com/office/drawing/2014/main" id="{D4042FA5-4568-47ED-9298-6517F87E5F76}"/>
               </a:ext>
             </a:extLst>
           </p:cNvPr>
@@ -3030,7 +3033,7 @@
           <p:cNvPr id="5" name="Rectangle: Rounded Corners 4">
             <a:extLst>
               <a:ext uri="{FF2B5EF4-FFF2-40B4-BE49-F238E27FC236}">
-                <a16:creationId xmlns:a16="http://schemas.microsoft.com/office/drawing/2014/main" id="{050EF83F-5FC3-459D-B312-71E26C2E66F6}"/>
+                <a16:creationId xmlns="" xmlns:a16="http://schemas.microsoft.com/office/drawing/2014/main" id="{050EF83F-5FC3-459D-B312-71E26C2E66F6}"/>
               </a:ext>
             </a:extLst>
           </p:cNvPr>
@@ -3079,7 +3082,7 @@
           <p:cNvPr id="6" name="Rectangle: Rounded Corners 5">
             <a:extLst>
               <a:ext uri="{FF2B5EF4-FFF2-40B4-BE49-F238E27FC236}">
-                <a16:creationId xmlns:a16="http://schemas.microsoft.com/office/drawing/2014/main" id="{6C46471E-1708-4495-9181-C3E0DA530AD2}"/>
+                <a16:creationId xmlns="" xmlns:a16="http://schemas.microsoft.com/office/drawing/2014/main" id="{6C46471E-1708-4495-9181-C3E0DA530AD2}"/>
               </a:ext>
             </a:extLst>
           </p:cNvPr>
@@ -3128,7 +3131,7 @@
           <p:cNvPr id="7" name="Rectangle: Rounded Corners 6">
             <a:extLst>
               <a:ext uri="{FF2B5EF4-FFF2-40B4-BE49-F238E27FC236}">
-                <a16:creationId xmlns:a16="http://schemas.microsoft.com/office/drawing/2014/main" id="{8A42D3B0-944A-48E7-B8FA-25A2BE7B000A}"/>
+                <a16:creationId xmlns="" xmlns:a16="http://schemas.microsoft.com/office/drawing/2014/main" id="{8A42D3B0-944A-48E7-B8FA-25A2BE7B000A}"/>
               </a:ext>
             </a:extLst>
           </p:cNvPr>
@@ -3177,7 +3180,7 @@
           <p:cNvPr id="9" name="Straight Connector 8">
             <a:extLst>
               <a:ext uri="{FF2B5EF4-FFF2-40B4-BE49-F238E27FC236}">
-                <a16:creationId xmlns:a16="http://schemas.microsoft.com/office/drawing/2014/main" id="{994ADE3E-602C-48B2-B722-2266E2BE3CDC}"/>
+                <a16:creationId xmlns="" xmlns:a16="http://schemas.microsoft.com/office/drawing/2014/main" id="{994ADE3E-602C-48B2-B722-2266E2BE3CDC}"/>
               </a:ext>
             </a:extLst>
           </p:cNvPr>
@@ -3219,7 +3222,7 @@
           <p:cNvPr id="10" name="Straight Connector 9">
             <a:extLst>
               <a:ext uri="{FF2B5EF4-FFF2-40B4-BE49-F238E27FC236}">
-                <a16:creationId xmlns:a16="http://schemas.microsoft.com/office/drawing/2014/main" id="{216D020A-E73F-44B4-96E0-DD24598593AC}"/>
+                <a16:creationId xmlns="" xmlns:a16="http://schemas.microsoft.com/office/drawing/2014/main" id="{216D020A-E73F-44B4-96E0-DD24598593AC}"/>
               </a:ext>
             </a:extLst>
           </p:cNvPr>
@@ -3261,7 +3264,7 @@
           <p:cNvPr id="11" name="Straight Connector 10">
             <a:extLst>
               <a:ext uri="{FF2B5EF4-FFF2-40B4-BE49-F238E27FC236}">
-                <a16:creationId xmlns:a16="http://schemas.microsoft.com/office/drawing/2014/main" id="{920B0E71-37C8-4E43-A8FB-59C2B4471FC3}"/>
+                <a16:creationId xmlns="" xmlns:a16="http://schemas.microsoft.com/office/drawing/2014/main" id="{920B0E71-37C8-4E43-A8FB-59C2B4471FC3}"/>
               </a:ext>
             </a:extLst>
           </p:cNvPr>
@@ -3303,7 +3306,7 @@
           <p:cNvPr id="12" name="Straight Connector 11">
             <a:extLst>
               <a:ext uri="{FF2B5EF4-FFF2-40B4-BE49-F238E27FC236}">
-                <a16:creationId xmlns:a16="http://schemas.microsoft.com/office/drawing/2014/main" id="{3C8D29B6-72DC-4B9B-A007-52E4972E61A4}"/>
+                <a16:creationId xmlns="" xmlns:a16="http://schemas.microsoft.com/office/drawing/2014/main" id="{3C8D29B6-72DC-4B9B-A007-52E4972E61A4}"/>
               </a:ext>
             </a:extLst>
           </p:cNvPr>
@@ -3345,7 +3348,7 @@
           <p:cNvPr id="16" name="Rectangle 15">
             <a:extLst>
               <a:ext uri="{FF2B5EF4-FFF2-40B4-BE49-F238E27FC236}">
-                <a16:creationId xmlns:a16="http://schemas.microsoft.com/office/drawing/2014/main" id="{395CF63F-6E60-4250-904A-9EE44E772218}"/>
+                <a16:creationId xmlns="" xmlns:a16="http://schemas.microsoft.com/office/drawing/2014/main" id="{395CF63F-6E60-4250-904A-9EE44E772218}"/>
               </a:ext>
             </a:extLst>
           </p:cNvPr>
@@ -3391,7 +3394,7 @@
           <p:cNvPr id="24" name="Rectangle 23">
             <a:extLst>
               <a:ext uri="{FF2B5EF4-FFF2-40B4-BE49-F238E27FC236}">
-                <a16:creationId xmlns:a16="http://schemas.microsoft.com/office/drawing/2014/main" id="{3CABA895-76F9-417D-9CCC-2F5551A760AF}"/>
+                <a16:creationId xmlns="" xmlns:a16="http://schemas.microsoft.com/office/drawing/2014/main" id="{3CABA895-76F9-417D-9CCC-2F5551A760AF}"/>
               </a:ext>
             </a:extLst>
           </p:cNvPr>
@@ -3437,7 +3440,7 @@
           <p:cNvPr id="25" name="Rectangle 24">
             <a:extLst>
               <a:ext uri="{FF2B5EF4-FFF2-40B4-BE49-F238E27FC236}">
-                <a16:creationId xmlns:a16="http://schemas.microsoft.com/office/drawing/2014/main" id="{44C147D0-2B77-4EA4-A2CF-2E0A284DA290}"/>
+                <a16:creationId xmlns="" xmlns:a16="http://schemas.microsoft.com/office/drawing/2014/main" id="{44C147D0-2B77-4EA4-A2CF-2E0A284DA290}"/>
               </a:ext>
             </a:extLst>
           </p:cNvPr>
@@ -3483,7 +3486,7 @@
           <p:cNvPr id="26" name="Rectangle 25">
             <a:extLst>
               <a:ext uri="{FF2B5EF4-FFF2-40B4-BE49-F238E27FC236}">
-                <a16:creationId xmlns:a16="http://schemas.microsoft.com/office/drawing/2014/main" id="{7BC16DC9-5EB6-490C-B601-8CAD23F095F9}"/>
+                <a16:creationId xmlns="" xmlns:a16="http://schemas.microsoft.com/office/drawing/2014/main" id="{7BC16DC9-5EB6-490C-B601-8CAD23F095F9}"/>
               </a:ext>
             </a:extLst>
           </p:cNvPr>
@@ -3529,7 +3532,7 @@
           <p:cNvPr id="27" name="Straight Arrow Connector 26">
             <a:extLst>
               <a:ext uri="{FF2B5EF4-FFF2-40B4-BE49-F238E27FC236}">
-                <a16:creationId xmlns:a16="http://schemas.microsoft.com/office/drawing/2014/main" id="{A88C8A5C-7C01-4AA3-A4C4-AC481FE3762E}"/>
+                <a16:creationId xmlns="" xmlns:a16="http://schemas.microsoft.com/office/drawing/2014/main" id="{A88C8A5C-7C01-4AA3-A4C4-AC481FE3762E}"/>
               </a:ext>
             </a:extLst>
           </p:cNvPr>
@@ -3570,7 +3573,7 @@
           <p:cNvPr id="28" name="Straight Arrow Connector 27">
             <a:extLst>
               <a:ext uri="{FF2B5EF4-FFF2-40B4-BE49-F238E27FC236}">
-                <a16:creationId xmlns:a16="http://schemas.microsoft.com/office/drawing/2014/main" id="{3EA4243F-30EF-4683-AD5E-8ABE966F8485}"/>
+                <a16:creationId xmlns="" xmlns:a16="http://schemas.microsoft.com/office/drawing/2014/main" id="{3EA4243F-30EF-4683-AD5E-8ABE966F8485}"/>
               </a:ext>
             </a:extLst>
           </p:cNvPr>
@@ -3611,7 +3614,7 @@
           <p:cNvPr id="29" name="Straight Connector 28">
             <a:extLst>
               <a:ext uri="{FF2B5EF4-FFF2-40B4-BE49-F238E27FC236}">
-                <a16:creationId xmlns:a16="http://schemas.microsoft.com/office/drawing/2014/main" id="{A14D7817-0ADB-4B7D-BE3F-5C61360F649D}"/>
+                <a16:creationId xmlns="" xmlns:a16="http://schemas.microsoft.com/office/drawing/2014/main" id="{A14D7817-0ADB-4B7D-BE3F-5C61360F649D}"/>
               </a:ext>
             </a:extLst>
           </p:cNvPr>
@@ -3682,7 +3685,7 @@
           <p:cNvPr id="4" name="Picture 2">
             <a:extLst>
               <a:ext uri="{FF2B5EF4-FFF2-40B4-BE49-F238E27FC236}">
-                <a16:creationId xmlns:a16="http://schemas.microsoft.com/office/drawing/2014/main" id="{07FF6D76-015A-4F48-8CA1-EE7602CAE462}"/>
+                <a16:creationId xmlns="" xmlns:a16="http://schemas.microsoft.com/office/drawing/2014/main" id="{07FF6D76-015A-4F48-8CA1-EE7602CAE462}"/>
               </a:ext>
             </a:extLst>
           </p:cNvPr>
@@ -3692,7 +3695,7 @@
           <p:nvPr/>
         </p:nvPicPr>
         <p:blipFill>
-          <a:blip r:embed="rId2">
+          <a:blip r:embed="rId2" cstate="print">
             <a:extLst>
               <a:ext uri="{28A0092B-C50C-407E-A947-70E740481C1C}">
                 <a14:useLocalDpi xmlns:a14="http://schemas.microsoft.com/office/drawing/2010/main" val="0"/>
@@ -3729,7 +3732,7 @@
           <p:cNvPr id="5" name="TextBox 4">
             <a:extLst>
               <a:ext uri="{FF2B5EF4-FFF2-40B4-BE49-F238E27FC236}">
-                <a16:creationId xmlns:a16="http://schemas.microsoft.com/office/drawing/2014/main" id="{3FC08495-EFCF-41A2-B44D-F6B31C2E44DA}"/>
+                <a16:creationId xmlns="" xmlns:a16="http://schemas.microsoft.com/office/drawing/2014/main" id="{3FC08495-EFCF-41A2-B44D-F6B31C2E44DA}"/>
               </a:ext>
             </a:extLst>
           </p:cNvPr>
@@ -3767,7 +3770,7 @@
           <p:cNvPr id="7" name="Rectangle: Rounded Corners 6">
             <a:extLst>
               <a:ext uri="{FF2B5EF4-FFF2-40B4-BE49-F238E27FC236}">
-                <a16:creationId xmlns:a16="http://schemas.microsoft.com/office/drawing/2014/main" id="{D7FD3B93-0FEB-42E3-84B8-8C94AF0DCD95}"/>
+                <a16:creationId xmlns="" xmlns:a16="http://schemas.microsoft.com/office/drawing/2014/main" id="{D7FD3B93-0FEB-42E3-84B8-8C94AF0DCD95}"/>
               </a:ext>
             </a:extLst>
           </p:cNvPr>
@@ -3822,7 +3825,7 @@
           <p:cNvPr id="8" name="Rectangle: Rounded Corners 7">
             <a:extLst>
               <a:ext uri="{FF2B5EF4-FFF2-40B4-BE49-F238E27FC236}">
-                <a16:creationId xmlns:a16="http://schemas.microsoft.com/office/drawing/2014/main" id="{EEB9CFFA-10ED-4FD9-8CBE-DA290AD323B9}"/>
+                <a16:creationId xmlns="" xmlns:a16="http://schemas.microsoft.com/office/drawing/2014/main" id="{EEB9CFFA-10ED-4FD9-8CBE-DA290AD323B9}"/>
               </a:ext>
             </a:extLst>
           </p:cNvPr>
@@ -3878,7 +3881,7 @@
           <p:cNvPr id="9" name="Rectangle: Rounded Corners 8">
             <a:extLst>
               <a:ext uri="{FF2B5EF4-FFF2-40B4-BE49-F238E27FC236}">
-                <a16:creationId xmlns:a16="http://schemas.microsoft.com/office/drawing/2014/main" id="{F6AE14A5-2EF3-430A-9C18-AFCB75852EE4}"/>
+                <a16:creationId xmlns="" xmlns:a16="http://schemas.microsoft.com/office/drawing/2014/main" id="{F6AE14A5-2EF3-430A-9C18-AFCB75852EE4}"/>
               </a:ext>
             </a:extLst>
           </p:cNvPr>
@@ -3930,7 +3933,7 @@
           <p:cNvPr id="10" name="Rectangle: Rounded Corners 9">
             <a:extLst>
               <a:ext uri="{FF2B5EF4-FFF2-40B4-BE49-F238E27FC236}">
-                <a16:creationId xmlns:a16="http://schemas.microsoft.com/office/drawing/2014/main" id="{8F55F8E6-C59D-47F1-B1D9-AB63FCAD4AAF}"/>
+                <a16:creationId xmlns="" xmlns:a16="http://schemas.microsoft.com/office/drawing/2014/main" id="{8F55F8E6-C59D-47F1-B1D9-AB63FCAD4AAF}"/>
               </a:ext>
             </a:extLst>
           </p:cNvPr>
@@ -3982,7 +3985,7 @@
           <p:cNvPr id="11" name="Rectangle: Rounded Corners 10">
             <a:extLst>
               <a:ext uri="{FF2B5EF4-FFF2-40B4-BE49-F238E27FC236}">
-                <a16:creationId xmlns:a16="http://schemas.microsoft.com/office/drawing/2014/main" id="{81E4629D-93B1-4621-AEB8-4C04A0674222}"/>
+                <a16:creationId xmlns="" xmlns:a16="http://schemas.microsoft.com/office/drawing/2014/main" id="{81E4629D-93B1-4621-AEB8-4C04A0674222}"/>
               </a:ext>
             </a:extLst>
           </p:cNvPr>
@@ -4034,7 +4037,7 @@
           <p:cNvPr id="13" name="Rectangle: Rounded Corners 12">
             <a:extLst>
               <a:ext uri="{FF2B5EF4-FFF2-40B4-BE49-F238E27FC236}">
-                <a16:creationId xmlns:a16="http://schemas.microsoft.com/office/drawing/2014/main" id="{8C661D34-6D86-444F-9830-1BF2AA827516}"/>
+                <a16:creationId xmlns="" xmlns:a16="http://schemas.microsoft.com/office/drawing/2014/main" id="{8C661D34-6D86-444F-9830-1BF2AA827516}"/>
               </a:ext>
             </a:extLst>
           </p:cNvPr>
@@ -4090,7 +4093,7 @@
           <p:cNvPr id="12" name="Rectangle: Rounded Corners 11">
             <a:extLst>
               <a:ext uri="{FF2B5EF4-FFF2-40B4-BE49-F238E27FC236}">
-                <a16:creationId xmlns:a16="http://schemas.microsoft.com/office/drawing/2014/main" id="{4CDB0A42-78B1-456A-A498-1F83B942EF1C}"/>
+                <a16:creationId xmlns="" xmlns:a16="http://schemas.microsoft.com/office/drawing/2014/main" id="{4CDB0A42-78B1-456A-A498-1F83B942EF1C}"/>
               </a:ext>
             </a:extLst>
           </p:cNvPr>
@@ -4146,7 +4149,7 @@
           <p:cNvPr id="14" name="Oval 13">
             <a:extLst>
               <a:ext uri="{FF2B5EF4-FFF2-40B4-BE49-F238E27FC236}">
-                <a16:creationId xmlns:a16="http://schemas.microsoft.com/office/drawing/2014/main" id="{7E70ACA7-0608-4130-9475-B99006D160C3}"/>
+                <a16:creationId xmlns="" xmlns:a16="http://schemas.microsoft.com/office/drawing/2014/main" id="{7E70ACA7-0608-4130-9475-B99006D160C3}"/>
               </a:ext>
             </a:extLst>
           </p:cNvPr>
@@ -4200,7 +4203,7 @@
           <p:cNvPr id="15" name="Rectangle: Top Corners Rounded 14">
             <a:extLst>
               <a:ext uri="{FF2B5EF4-FFF2-40B4-BE49-F238E27FC236}">
-                <a16:creationId xmlns:a16="http://schemas.microsoft.com/office/drawing/2014/main" id="{6402B5F9-B8AD-447F-8346-EB4A005F17A3}"/>
+                <a16:creationId xmlns="" xmlns:a16="http://schemas.microsoft.com/office/drawing/2014/main" id="{6402B5F9-B8AD-447F-8346-EB4A005F17A3}"/>
               </a:ext>
             </a:extLst>
           </p:cNvPr>
@@ -4254,7 +4257,7 @@
           <p:cNvPr id="16" name="Rectangle: Top Corners Rounded 15">
             <a:extLst>
               <a:ext uri="{FF2B5EF4-FFF2-40B4-BE49-F238E27FC236}">
-                <a16:creationId xmlns:a16="http://schemas.microsoft.com/office/drawing/2014/main" id="{4E4DC0F6-500D-44C8-A25F-1E4BD86C1DE9}"/>
+                <a16:creationId xmlns="" xmlns:a16="http://schemas.microsoft.com/office/drawing/2014/main" id="{4E4DC0F6-500D-44C8-A25F-1E4BD86C1DE9}"/>
               </a:ext>
             </a:extLst>
           </p:cNvPr>
@@ -4308,7 +4311,7 @@
           <p:cNvPr id="17" name="Rectangle 16">
             <a:extLst>
               <a:ext uri="{FF2B5EF4-FFF2-40B4-BE49-F238E27FC236}">
-                <a16:creationId xmlns:a16="http://schemas.microsoft.com/office/drawing/2014/main" id="{179677B1-CDC4-45E8-BC69-B26103743854}"/>
+                <a16:creationId xmlns="" xmlns:a16="http://schemas.microsoft.com/office/drawing/2014/main" id="{179677B1-CDC4-45E8-BC69-B26103743854}"/>
               </a:ext>
             </a:extLst>
           </p:cNvPr>
@@ -4362,7 +4365,7 @@
           <p:cNvPr id="18" name="Rectangle: Rounded Corners 17">
             <a:extLst>
               <a:ext uri="{FF2B5EF4-FFF2-40B4-BE49-F238E27FC236}">
-                <a16:creationId xmlns:a16="http://schemas.microsoft.com/office/drawing/2014/main" id="{A7386298-7997-4182-B6F3-ADB7B0985FF5}"/>
+                <a16:creationId xmlns="" xmlns:a16="http://schemas.microsoft.com/office/drawing/2014/main" id="{A7386298-7997-4182-B6F3-ADB7B0985FF5}"/>
               </a:ext>
             </a:extLst>
           </p:cNvPr>
@@ -4416,7 +4419,7 @@
           <p:cNvPr id="19" name="Rectangle: Rounded Corners 18">
             <a:extLst>
               <a:ext uri="{FF2B5EF4-FFF2-40B4-BE49-F238E27FC236}">
-                <a16:creationId xmlns:a16="http://schemas.microsoft.com/office/drawing/2014/main" id="{50D9E5D1-F807-4DCA-89A2-7A90400371DC}"/>
+                <a16:creationId xmlns="" xmlns:a16="http://schemas.microsoft.com/office/drawing/2014/main" id="{50D9E5D1-F807-4DCA-89A2-7A90400371DC}"/>
               </a:ext>
             </a:extLst>
           </p:cNvPr>
@@ -4470,7 +4473,7 @@
           <p:cNvPr id="20" name="Rectangle: Rounded Corners 19">
             <a:extLst>
               <a:ext uri="{FF2B5EF4-FFF2-40B4-BE49-F238E27FC236}">
-                <a16:creationId xmlns:a16="http://schemas.microsoft.com/office/drawing/2014/main" id="{FC6ED1CD-6725-46DA-8E31-68A61F93BDA2}"/>
+                <a16:creationId xmlns="" xmlns:a16="http://schemas.microsoft.com/office/drawing/2014/main" id="{FC6ED1CD-6725-46DA-8E31-68A61F93BDA2}"/>
               </a:ext>
             </a:extLst>
           </p:cNvPr>
@@ -4524,7 +4527,7 @@
           <p:cNvPr id="21" name="Rectangle: Rounded Corners 20">
             <a:extLst>
               <a:ext uri="{FF2B5EF4-FFF2-40B4-BE49-F238E27FC236}">
-                <a16:creationId xmlns:a16="http://schemas.microsoft.com/office/drawing/2014/main" id="{F92185A3-994F-486B-B93D-25B92058B27A}"/>
+                <a16:creationId xmlns="" xmlns:a16="http://schemas.microsoft.com/office/drawing/2014/main" id="{F92185A3-994F-486B-B93D-25B92058B27A}"/>
               </a:ext>
             </a:extLst>
           </p:cNvPr>
@@ -4578,7 +4581,7 @@
           <p:cNvPr id="22" name="Rectangle: Rounded Corners 21">
             <a:extLst>
               <a:ext uri="{FF2B5EF4-FFF2-40B4-BE49-F238E27FC236}">
-                <a16:creationId xmlns:a16="http://schemas.microsoft.com/office/drawing/2014/main" id="{4BED0FC5-0122-4DF0-947D-94FE23C41602}"/>
+                <a16:creationId xmlns="" xmlns:a16="http://schemas.microsoft.com/office/drawing/2014/main" id="{4BED0FC5-0122-4DF0-947D-94FE23C41602}"/>
               </a:ext>
             </a:extLst>
           </p:cNvPr>
@@ -4632,7 +4635,7 @@
           <p:cNvPr id="23" name="Rectangle: Rounded Corners 22">
             <a:extLst>
               <a:ext uri="{FF2B5EF4-FFF2-40B4-BE49-F238E27FC236}">
-                <a16:creationId xmlns:a16="http://schemas.microsoft.com/office/drawing/2014/main" id="{5B078FDA-F3AE-4525-9220-28C5B70AFC2B}"/>
+                <a16:creationId xmlns="" xmlns:a16="http://schemas.microsoft.com/office/drawing/2014/main" id="{5B078FDA-F3AE-4525-9220-28C5B70AFC2B}"/>
               </a:ext>
             </a:extLst>
           </p:cNvPr>
@@ -4686,7 +4689,7 @@
           <p:cNvPr id="24" name="Rectangle: Rounded Corners 23">
             <a:extLst>
               <a:ext uri="{FF2B5EF4-FFF2-40B4-BE49-F238E27FC236}">
-                <a16:creationId xmlns:a16="http://schemas.microsoft.com/office/drawing/2014/main" id="{AD0BA17F-3E63-4AEC-8464-88C5E09E819D}"/>
+                <a16:creationId xmlns="" xmlns:a16="http://schemas.microsoft.com/office/drawing/2014/main" id="{AD0BA17F-3E63-4AEC-8464-88C5E09E819D}"/>
               </a:ext>
             </a:extLst>
           </p:cNvPr>
@@ -4740,7 +4743,7 @@
           <p:cNvPr id="25" name="Rectangle: Rounded Corners 24">
             <a:extLst>
               <a:ext uri="{FF2B5EF4-FFF2-40B4-BE49-F238E27FC236}">
-                <a16:creationId xmlns:a16="http://schemas.microsoft.com/office/drawing/2014/main" id="{1A388922-84E6-489C-B2DC-1518BCE3C39C}"/>
+                <a16:creationId xmlns="" xmlns:a16="http://schemas.microsoft.com/office/drawing/2014/main" id="{1A388922-84E6-489C-B2DC-1518BCE3C39C}"/>
               </a:ext>
             </a:extLst>
           </p:cNvPr>
@@ -4795,7 +4798,7 @@
             <a:hlinkClick r:id="" action="ppaction://noaction" highlightClick="1"/>
             <a:extLst>
               <a:ext uri="{FF2B5EF4-FFF2-40B4-BE49-F238E27FC236}">
-                <a16:creationId xmlns:a16="http://schemas.microsoft.com/office/drawing/2014/main" id="{8FC34C31-FB6F-4FD9-A3FB-9D3A292046E5}"/>
+                <a16:creationId xmlns="" xmlns:a16="http://schemas.microsoft.com/office/drawing/2014/main" id="{8FC34C31-FB6F-4FD9-A3FB-9D3A292046E5}"/>
               </a:ext>
             </a:extLst>
           </p:cNvPr>
@@ -4849,7 +4852,7 @@
           <p:cNvPr id="27" name="Flowchart: Magnetic Disk 26">
             <a:extLst>
               <a:ext uri="{FF2B5EF4-FFF2-40B4-BE49-F238E27FC236}">
-                <a16:creationId xmlns:a16="http://schemas.microsoft.com/office/drawing/2014/main" id="{A5E14F9D-9D15-475F-BA37-985AA2DD6533}"/>
+                <a16:creationId xmlns="" xmlns:a16="http://schemas.microsoft.com/office/drawing/2014/main" id="{A5E14F9D-9D15-475F-BA37-985AA2DD6533}"/>
               </a:ext>
             </a:extLst>
           </p:cNvPr>
@@ -4898,7 +4901,7 @@
           <p:cNvPr id="28" name="Flowchart: Magnetic Disk 27">
             <a:extLst>
               <a:ext uri="{FF2B5EF4-FFF2-40B4-BE49-F238E27FC236}">
-                <a16:creationId xmlns:a16="http://schemas.microsoft.com/office/drawing/2014/main" id="{FC58ABFB-606B-4679-B951-050781065516}"/>
+                <a16:creationId xmlns="" xmlns:a16="http://schemas.microsoft.com/office/drawing/2014/main" id="{FC58ABFB-606B-4679-B951-050781065516}"/>
               </a:ext>
             </a:extLst>
           </p:cNvPr>
@@ -4947,7 +4950,7 @@
           <p:cNvPr id="29" name="Flowchart: Magnetic Disk 28">
             <a:extLst>
               <a:ext uri="{FF2B5EF4-FFF2-40B4-BE49-F238E27FC236}">
-                <a16:creationId xmlns:a16="http://schemas.microsoft.com/office/drawing/2014/main" id="{868A9B01-8FC5-4DCD-961B-16E67A5EE78F}"/>
+                <a16:creationId xmlns="" xmlns:a16="http://schemas.microsoft.com/office/drawing/2014/main" id="{868A9B01-8FC5-4DCD-961B-16E67A5EE78F}"/>
               </a:ext>
             </a:extLst>
           </p:cNvPr>
@@ -4996,7 +4999,7 @@
           <p:cNvPr id="35" name="TextBox 34">
             <a:extLst>
               <a:ext uri="{FF2B5EF4-FFF2-40B4-BE49-F238E27FC236}">
-                <a16:creationId xmlns:a16="http://schemas.microsoft.com/office/drawing/2014/main" id="{477D7ABB-F191-456F-AC99-31516FAF24D8}"/>
+                <a16:creationId xmlns="" xmlns:a16="http://schemas.microsoft.com/office/drawing/2014/main" id="{477D7ABB-F191-456F-AC99-31516FAF24D8}"/>
               </a:ext>
             </a:extLst>
           </p:cNvPr>
@@ -5035,7 +5038,7 @@
           <p:cNvPr id="40" name="Connector: Elbow 39">
             <a:extLst>
               <a:ext uri="{FF2B5EF4-FFF2-40B4-BE49-F238E27FC236}">
-                <a16:creationId xmlns:a16="http://schemas.microsoft.com/office/drawing/2014/main" id="{501515C6-BF5B-4B21-8618-BF39B2FEC42D}"/>
+                <a16:creationId xmlns="" xmlns:a16="http://schemas.microsoft.com/office/drawing/2014/main" id="{501515C6-BF5B-4B21-8618-BF39B2FEC42D}"/>
               </a:ext>
             </a:extLst>
           </p:cNvPr>
@@ -5082,7 +5085,7 @@
           <p:cNvPr id="42" name="Connector: Elbow 41">
             <a:extLst>
               <a:ext uri="{FF2B5EF4-FFF2-40B4-BE49-F238E27FC236}">
-                <a16:creationId xmlns:a16="http://schemas.microsoft.com/office/drawing/2014/main" id="{A704E974-FD30-4913-8F96-E7820B6A5668}"/>
+                <a16:creationId xmlns="" xmlns:a16="http://schemas.microsoft.com/office/drawing/2014/main" id="{A704E974-FD30-4913-8F96-E7820B6A5668}"/>
               </a:ext>
             </a:extLst>
           </p:cNvPr>
@@ -5130,7 +5133,7 @@
           <p:cNvPr id="45" name="Connector: Elbow 44">
             <a:extLst>
               <a:ext uri="{FF2B5EF4-FFF2-40B4-BE49-F238E27FC236}">
-                <a16:creationId xmlns:a16="http://schemas.microsoft.com/office/drawing/2014/main" id="{AFAAD8C4-39AD-4E9B-A46F-AEEA28A40ACB}"/>
+                <a16:creationId xmlns="" xmlns:a16="http://schemas.microsoft.com/office/drawing/2014/main" id="{AFAAD8C4-39AD-4E9B-A46F-AEEA28A40ACB}"/>
               </a:ext>
             </a:extLst>
           </p:cNvPr>
@@ -5178,7 +5181,7 @@
           <p:cNvPr id="52" name="Connector: Elbow 51">
             <a:extLst>
               <a:ext uri="{FF2B5EF4-FFF2-40B4-BE49-F238E27FC236}">
-                <a16:creationId xmlns:a16="http://schemas.microsoft.com/office/drawing/2014/main" id="{EC61A9BF-FB2C-4FFF-A39C-EA13300D1638}"/>
+                <a16:creationId xmlns="" xmlns:a16="http://schemas.microsoft.com/office/drawing/2014/main" id="{EC61A9BF-FB2C-4FFF-A39C-EA13300D1638}"/>
               </a:ext>
             </a:extLst>
           </p:cNvPr>
@@ -5226,7 +5229,7 @@
           <p:cNvPr id="67" name="TextBox 66">
             <a:extLst>
               <a:ext uri="{FF2B5EF4-FFF2-40B4-BE49-F238E27FC236}">
-                <a16:creationId xmlns:a16="http://schemas.microsoft.com/office/drawing/2014/main" id="{EA81502F-F14F-4279-BB97-3D932C2641AF}"/>
+                <a16:creationId xmlns="" xmlns:a16="http://schemas.microsoft.com/office/drawing/2014/main" id="{EA81502F-F14F-4279-BB97-3D932C2641AF}"/>
               </a:ext>
             </a:extLst>
           </p:cNvPr>
@@ -5292,7 +5295,7 @@
           <p:cNvPr id="68" name="TextBox 67">
             <a:extLst>
               <a:ext uri="{FF2B5EF4-FFF2-40B4-BE49-F238E27FC236}">
-                <a16:creationId xmlns:a16="http://schemas.microsoft.com/office/drawing/2014/main" id="{AD5A3272-3E6D-4B0F-966B-AECEFCECA9F8}"/>
+                <a16:creationId xmlns="" xmlns:a16="http://schemas.microsoft.com/office/drawing/2014/main" id="{AD5A3272-3E6D-4B0F-966B-AECEFCECA9F8}"/>
               </a:ext>
             </a:extLst>
           </p:cNvPr>
@@ -5346,7 +5349,7 @@
           <p:cNvPr id="69" name="TextBox 68">
             <a:extLst>
               <a:ext uri="{FF2B5EF4-FFF2-40B4-BE49-F238E27FC236}">
-                <a16:creationId xmlns:a16="http://schemas.microsoft.com/office/drawing/2014/main" id="{6B86FB1F-F82C-4482-A1C7-E69650DFE33C}"/>
+                <a16:creationId xmlns="" xmlns:a16="http://schemas.microsoft.com/office/drawing/2014/main" id="{6B86FB1F-F82C-4482-A1C7-E69650DFE33C}"/>
               </a:ext>
             </a:extLst>
           </p:cNvPr>
@@ -5412,7 +5415,7 @@
           <p:cNvPr id="70" name="TextBox 69">
             <a:extLst>
               <a:ext uri="{FF2B5EF4-FFF2-40B4-BE49-F238E27FC236}">
-                <a16:creationId xmlns:a16="http://schemas.microsoft.com/office/drawing/2014/main" id="{F16A565A-2D71-4AC9-8C88-98D7F63C5E57}"/>
+                <a16:creationId xmlns="" xmlns:a16="http://schemas.microsoft.com/office/drawing/2014/main" id="{F16A565A-2D71-4AC9-8C88-98D7F63C5E57}"/>
               </a:ext>
             </a:extLst>
           </p:cNvPr>
@@ -5469,7 +5472,7 @@
           <p:cNvPr id="73" name="Straight Arrow Connector 72">
             <a:extLst>
               <a:ext uri="{FF2B5EF4-FFF2-40B4-BE49-F238E27FC236}">
-                <a16:creationId xmlns:a16="http://schemas.microsoft.com/office/drawing/2014/main" id="{7DB9073C-2729-440B-8830-FFCEB589552F}"/>
+                <a16:creationId xmlns="" xmlns:a16="http://schemas.microsoft.com/office/drawing/2014/main" id="{7DB9073C-2729-440B-8830-FFCEB589552F}"/>
               </a:ext>
             </a:extLst>
           </p:cNvPr>
@@ -5515,7 +5518,7 @@
           <p:cNvPr id="76" name="Straight Arrow Connector 75">
             <a:extLst>
               <a:ext uri="{FF2B5EF4-FFF2-40B4-BE49-F238E27FC236}">
-                <a16:creationId xmlns:a16="http://schemas.microsoft.com/office/drawing/2014/main" id="{223B9059-9133-4ED6-A4B9-2B77730E5B66}"/>
+                <a16:creationId xmlns="" xmlns:a16="http://schemas.microsoft.com/office/drawing/2014/main" id="{223B9059-9133-4ED6-A4B9-2B77730E5B66}"/>
               </a:ext>
             </a:extLst>
           </p:cNvPr>
@@ -5561,7 +5564,7 @@
           <p:cNvPr id="79" name="TextBox 78">
             <a:extLst>
               <a:ext uri="{FF2B5EF4-FFF2-40B4-BE49-F238E27FC236}">
-                <a16:creationId xmlns:a16="http://schemas.microsoft.com/office/drawing/2014/main" id="{6B90A420-DD71-46FF-903D-A25E8F0199D6}"/>
+                <a16:creationId xmlns="" xmlns:a16="http://schemas.microsoft.com/office/drawing/2014/main" id="{6B90A420-DD71-46FF-903D-A25E8F0199D6}"/>
               </a:ext>
             </a:extLst>
           </p:cNvPr>
@@ -5600,7 +5603,7 @@
           <p:cNvPr id="80" name="TextBox 79">
             <a:extLst>
               <a:ext uri="{FF2B5EF4-FFF2-40B4-BE49-F238E27FC236}">
-                <a16:creationId xmlns:a16="http://schemas.microsoft.com/office/drawing/2014/main" id="{A4E03B1D-F542-46F5-B4BB-58A3CDF22314}"/>
+                <a16:creationId xmlns="" xmlns:a16="http://schemas.microsoft.com/office/drawing/2014/main" id="{A4E03B1D-F542-46F5-B4BB-58A3CDF22314}"/>
               </a:ext>
             </a:extLst>
           </p:cNvPr>
@@ -5639,7 +5642,7 @@
           <p:cNvPr id="81" name="Straight Arrow Connector 80">
             <a:extLst>
               <a:ext uri="{FF2B5EF4-FFF2-40B4-BE49-F238E27FC236}">
-                <a16:creationId xmlns:a16="http://schemas.microsoft.com/office/drawing/2014/main" id="{CE01BC99-C5B0-4B1E-9256-CA05B4F31426}"/>
+                <a16:creationId xmlns="" xmlns:a16="http://schemas.microsoft.com/office/drawing/2014/main" id="{CE01BC99-C5B0-4B1E-9256-CA05B4F31426}"/>
               </a:ext>
             </a:extLst>
           </p:cNvPr>
@@ -5685,7 +5688,7 @@
           <p:cNvPr id="82" name="Straight Arrow Connector 81">
             <a:extLst>
               <a:ext uri="{FF2B5EF4-FFF2-40B4-BE49-F238E27FC236}">
-                <a16:creationId xmlns:a16="http://schemas.microsoft.com/office/drawing/2014/main" id="{5C1A5561-4A1D-42AE-B66A-A87144F6C180}"/>
+                <a16:creationId xmlns="" xmlns:a16="http://schemas.microsoft.com/office/drawing/2014/main" id="{5C1A5561-4A1D-42AE-B66A-A87144F6C180}"/>
               </a:ext>
             </a:extLst>
           </p:cNvPr>
@@ -5731,7 +5734,7 @@
           <p:cNvPr id="83" name="TextBox 82">
             <a:extLst>
               <a:ext uri="{FF2B5EF4-FFF2-40B4-BE49-F238E27FC236}">
-                <a16:creationId xmlns:a16="http://schemas.microsoft.com/office/drawing/2014/main" id="{274547BC-47DC-4E5B-B5E7-EE2A74A45810}"/>
+                <a16:creationId xmlns="" xmlns:a16="http://schemas.microsoft.com/office/drawing/2014/main" id="{274547BC-47DC-4E5B-B5E7-EE2A74A45810}"/>
               </a:ext>
             </a:extLst>
           </p:cNvPr>
@@ -5770,7 +5773,7 @@
           <p:cNvPr id="84" name="TextBox 83">
             <a:extLst>
               <a:ext uri="{FF2B5EF4-FFF2-40B4-BE49-F238E27FC236}">
-                <a16:creationId xmlns:a16="http://schemas.microsoft.com/office/drawing/2014/main" id="{5B688C9E-E190-490E-81DC-0FCC691834D5}"/>
+                <a16:creationId xmlns="" xmlns:a16="http://schemas.microsoft.com/office/drawing/2014/main" id="{5B688C9E-E190-490E-81DC-0FCC691834D5}"/>
               </a:ext>
             </a:extLst>
           </p:cNvPr>
@@ -5839,7 +5842,7 @@
           <p:cNvPr id="4" name="Rectangle: Rounded Corners 3">
             <a:extLst>
               <a:ext uri="{FF2B5EF4-FFF2-40B4-BE49-F238E27FC236}">
-                <a16:creationId xmlns:a16="http://schemas.microsoft.com/office/drawing/2014/main" id="{D4042FA5-4568-47ED-9298-6517F87E5F76}"/>
+                <a16:creationId xmlns="" xmlns:a16="http://schemas.microsoft.com/office/drawing/2014/main" id="{D4042FA5-4568-47ED-9298-6517F87E5F76}"/>
               </a:ext>
             </a:extLst>
           </p:cNvPr>
@@ -5894,7 +5897,7 @@
           <p:cNvPr id="5" name="Rectangle: Rounded Corners 4">
             <a:extLst>
               <a:ext uri="{FF2B5EF4-FFF2-40B4-BE49-F238E27FC236}">
-                <a16:creationId xmlns:a16="http://schemas.microsoft.com/office/drawing/2014/main" id="{050EF83F-5FC3-459D-B312-71E26C2E66F6}"/>
+                <a16:creationId xmlns="" xmlns:a16="http://schemas.microsoft.com/office/drawing/2014/main" id="{050EF83F-5FC3-459D-B312-71E26C2E66F6}"/>
               </a:ext>
             </a:extLst>
           </p:cNvPr>
@@ -5949,7 +5952,7 @@
           <p:cNvPr id="6" name="Rectangle: Rounded Corners 5">
             <a:extLst>
               <a:ext uri="{FF2B5EF4-FFF2-40B4-BE49-F238E27FC236}">
-                <a16:creationId xmlns:a16="http://schemas.microsoft.com/office/drawing/2014/main" id="{6C46471E-1708-4495-9181-C3E0DA530AD2}"/>
+                <a16:creationId xmlns="" xmlns:a16="http://schemas.microsoft.com/office/drawing/2014/main" id="{6C46471E-1708-4495-9181-C3E0DA530AD2}"/>
               </a:ext>
             </a:extLst>
           </p:cNvPr>
@@ -6004,7 +6007,7 @@
           <p:cNvPr id="7" name="Rectangle: Rounded Corners 6">
             <a:extLst>
               <a:ext uri="{FF2B5EF4-FFF2-40B4-BE49-F238E27FC236}">
-                <a16:creationId xmlns:a16="http://schemas.microsoft.com/office/drawing/2014/main" id="{8A42D3B0-944A-48E7-B8FA-25A2BE7B000A}"/>
+                <a16:creationId xmlns="" xmlns:a16="http://schemas.microsoft.com/office/drawing/2014/main" id="{8A42D3B0-944A-48E7-B8FA-25A2BE7B000A}"/>
               </a:ext>
             </a:extLst>
           </p:cNvPr>
@@ -6059,7 +6062,7 @@
           <p:cNvPr id="9" name="Straight Connector 8">
             <a:extLst>
               <a:ext uri="{FF2B5EF4-FFF2-40B4-BE49-F238E27FC236}">
-                <a16:creationId xmlns:a16="http://schemas.microsoft.com/office/drawing/2014/main" id="{994ADE3E-602C-48B2-B722-2266E2BE3CDC}"/>
+                <a16:creationId xmlns="" xmlns:a16="http://schemas.microsoft.com/office/drawing/2014/main" id="{994ADE3E-602C-48B2-B722-2266E2BE3CDC}"/>
               </a:ext>
             </a:extLst>
           </p:cNvPr>
@@ -6105,7 +6108,7 @@
           <p:cNvPr id="10" name="Straight Connector 9">
             <a:extLst>
               <a:ext uri="{FF2B5EF4-FFF2-40B4-BE49-F238E27FC236}">
-                <a16:creationId xmlns:a16="http://schemas.microsoft.com/office/drawing/2014/main" id="{216D020A-E73F-44B4-96E0-DD24598593AC}"/>
+                <a16:creationId xmlns="" xmlns:a16="http://schemas.microsoft.com/office/drawing/2014/main" id="{216D020A-E73F-44B4-96E0-DD24598593AC}"/>
               </a:ext>
             </a:extLst>
           </p:cNvPr>
@@ -6152,7 +6155,7 @@
           <p:cNvPr id="11" name="Straight Connector 10">
             <a:extLst>
               <a:ext uri="{FF2B5EF4-FFF2-40B4-BE49-F238E27FC236}">
-                <a16:creationId xmlns:a16="http://schemas.microsoft.com/office/drawing/2014/main" id="{920B0E71-37C8-4E43-A8FB-59C2B4471FC3}"/>
+                <a16:creationId xmlns="" xmlns:a16="http://schemas.microsoft.com/office/drawing/2014/main" id="{920B0E71-37C8-4E43-A8FB-59C2B4471FC3}"/>
               </a:ext>
             </a:extLst>
           </p:cNvPr>
@@ -6199,7 +6202,7 @@
           <p:cNvPr id="12" name="Straight Connector 11">
             <a:extLst>
               <a:ext uri="{FF2B5EF4-FFF2-40B4-BE49-F238E27FC236}">
-                <a16:creationId xmlns:a16="http://schemas.microsoft.com/office/drawing/2014/main" id="{3C8D29B6-72DC-4B9B-A007-52E4972E61A4}"/>
+                <a16:creationId xmlns="" xmlns:a16="http://schemas.microsoft.com/office/drawing/2014/main" id="{3C8D29B6-72DC-4B9B-A007-52E4972E61A4}"/>
               </a:ext>
             </a:extLst>
           </p:cNvPr>
@@ -6246,7 +6249,7 @@
           <p:cNvPr id="16" name="Rectangle 15">
             <a:extLst>
               <a:ext uri="{FF2B5EF4-FFF2-40B4-BE49-F238E27FC236}">
-                <a16:creationId xmlns:a16="http://schemas.microsoft.com/office/drawing/2014/main" id="{395CF63F-6E60-4250-904A-9EE44E772218}"/>
+                <a16:creationId xmlns="" xmlns:a16="http://schemas.microsoft.com/office/drawing/2014/main" id="{395CF63F-6E60-4250-904A-9EE44E772218}"/>
               </a:ext>
             </a:extLst>
           </p:cNvPr>
@@ -6300,7 +6303,7 @@
           <p:cNvPr id="24" name="Rectangle 23">
             <a:extLst>
               <a:ext uri="{FF2B5EF4-FFF2-40B4-BE49-F238E27FC236}">
-                <a16:creationId xmlns:a16="http://schemas.microsoft.com/office/drawing/2014/main" id="{3CABA895-76F9-417D-9CCC-2F5551A760AF}"/>
+                <a16:creationId xmlns="" xmlns:a16="http://schemas.microsoft.com/office/drawing/2014/main" id="{3CABA895-76F9-417D-9CCC-2F5551A760AF}"/>
               </a:ext>
             </a:extLst>
           </p:cNvPr>
@@ -6354,7 +6357,7 @@
           <p:cNvPr id="25" name="Rectangle 24">
             <a:extLst>
               <a:ext uri="{FF2B5EF4-FFF2-40B4-BE49-F238E27FC236}">
-                <a16:creationId xmlns:a16="http://schemas.microsoft.com/office/drawing/2014/main" id="{44C147D0-2B77-4EA4-A2CF-2E0A284DA290}"/>
+                <a16:creationId xmlns="" xmlns:a16="http://schemas.microsoft.com/office/drawing/2014/main" id="{44C147D0-2B77-4EA4-A2CF-2E0A284DA290}"/>
               </a:ext>
             </a:extLst>
           </p:cNvPr>
@@ -6408,7 +6411,7 @@
           <p:cNvPr id="26" name="Rectangle 25">
             <a:extLst>
               <a:ext uri="{FF2B5EF4-FFF2-40B4-BE49-F238E27FC236}">
-                <a16:creationId xmlns:a16="http://schemas.microsoft.com/office/drawing/2014/main" id="{7BC16DC9-5EB6-490C-B601-8CAD23F095F9}"/>
+                <a16:creationId xmlns="" xmlns:a16="http://schemas.microsoft.com/office/drawing/2014/main" id="{7BC16DC9-5EB6-490C-B601-8CAD23F095F9}"/>
               </a:ext>
             </a:extLst>
           </p:cNvPr>
@@ -6462,7 +6465,7 @@
           <p:cNvPr id="8" name="Straight Arrow Connector 7">
             <a:extLst>
               <a:ext uri="{FF2B5EF4-FFF2-40B4-BE49-F238E27FC236}">
-                <a16:creationId xmlns:a16="http://schemas.microsoft.com/office/drawing/2014/main" id="{3A0DB24E-DE5F-445D-B460-52FFFF4054EC}"/>
+                <a16:creationId xmlns="" xmlns:a16="http://schemas.microsoft.com/office/drawing/2014/main" id="{3A0DB24E-DE5F-445D-B460-52FFFF4054EC}"/>
               </a:ext>
             </a:extLst>
           </p:cNvPr>
@@ -6508,7 +6511,7 @@
           <p:cNvPr id="17" name="Straight Arrow Connector 16">
             <a:extLst>
               <a:ext uri="{FF2B5EF4-FFF2-40B4-BE49-F238E27FC236}">
-                <a16:creationId xmlns:a16="http://schemas.microsoft.com/office/drawing/2014/main" id="{AA14F17A-3D3B-43AC-841D-C1DE3459726D}"/>
+                <a16:creationId xmlns="" xmlns:a16="http://schemas.microsoft.com/office/drawing/2014/main" id="{AA14F17A-3D3B-43AC-841D-C1DE3459726D}"/>
               </a:ext>
             </a:extLst>
           </p:cNvPr>
@@ -6554,7 +6557,7 @@
           <p:cNvPr id="27" name="Straight Arrow Connector 26">
             <a:extLst>
               <a:ext uri="{FF2B5EF4-FFF2-40B4-BE49-F238E27FC236}">
-                <a16:creationId xmlns:a16="http://schemas.microsoft.com/office/drawing/2014/main" id="{D60A9F8D-A248-4D89-8EFF-FDAD9CF2B195}"/>
+                <a16:creationId xmlns="" xmlns:a16="http://schemas.microsoft.com/office/drawing/2014/main" id="{D60A9F8D-A248-4D89-8EFF-FDAD9CF2B195}"/>
               </a:ext>
             </a:extLst>
           </p:cNvPr>
@@ -6600,7 +6603,7 @@
           <p:cNvPr id="28" name="Straight Arrow Connector 27">
             <a:extLst>
               <a:ext uri="{FF2B5EF4-FFF2-40B4-BE49-F238E27FC236}">
-                <a16:creationId xmlns:a16="http://schemas.microsoft.com/office/drawing/2014/main" id="{ADB1A3C4-BCED-4CCF-9470-1487355D1A55}"/>
+                <a16:creationId xmlns="" xmlns:a16="http://schemas.microsoft.com/office/drawing/2014/main" id="{ADB1A3C4-BCED-4CCF-9470-1487355D1A55}"/>
               </a:ext>
             </a:extLst>
           </p:cNvPr>
@@ -6646,7 +6649,7 @@
           <p:cNvPr id="19" name="TextBox 18">
             <a:extLst>
               <a:ext uri="{FF2B5EF4-FFF2-40B4-BE49-F238E27FC236}">
-                <a16:creationId xmlns:a16="http://schemas.microsoft.com/office/drawing/2014/main" id="{D6171EB5-82BF-4FF1-A41B-390D3926201C}"/>
+                <a16:creationId xmlns="" xmlns:a16="http://schemas.microsoft.com/office/drawing/2014/main" id="{D6171EB5-82BF-4FF1-A41B-390D3926201C}"/>
               </a:ext>
             </a:extLst>
           </p:cNvPr>
@@ -6681,7 +6684,7 @@
           <p:cNvPr id="29" name="TextBox 28">
             <a:extLst>
               <a:ext uri="{FF2B5EF4-FFF2-40B4-BE49-F238E27FC236}">
-                <a16:creationId xmlns:a16="http://schemas.microsoft.com/office/drawing/2014/main" id="{7FDE8694-AA20-4E56-AF5B-3262E101882F}"/>
+                <a16:creationId xmlns="" xmlns:a16="http://schemas.microsoft.com/office/drawing/2014/main" id="{7FDE8694-AA20-4E56-AF5B-3262E101882F}"/>
               </a:ext>
             </a:extLst>
           </p:cNvPr>
@@ -6716,7 +6719,7 @@
           <p:cNvPr id="30" name="TextBox 29">
             <a:extLst>
               <a:ext uri="{FF2B5EF4-FFF2-40B4-BE49-F238E27FC236}">
-                <a16:creationId xmlns:a16="http://schemas.microsoft.com/office/drawing/2014/main" id="{99BA0D1F-512C-4415-932F-7F50ED89FF30}"/>
+                <a16:creationId xmlns="" xmlns:a16="http://schemas.microsoft.com/office/drawing/2014/main" id="{99BA0D1F-512C-4415-932F-7F50ED89FF30}"/>
               </a:ext>
             </a:extLst>
           </p:cNvPr>
@@ -6751,7 +6754,7 @@
           <p:cNvPr id="31" name="Straight Arrow Connector 30">
             <a:extLst>
               <a:ext uri="{FF2B5EF4-FFF2-40B4-BE49-F238E27FC236}">
-                <a16:creationId xmlns:a16="http://schemas.microsoft.com/office/drawing/2014/main" id="{CD3FFAF6-98D9-4D44-9A96-702ACD020C7A}"/>
+                <a16:creationId xmlns="" xmlns:a16="http://schemas.microsoft.com/office/drawing/2014/main" id="{CD3FFAF6-98D9-4D44-9A96-702ACD020C7A}"/>
               </a:ext>
             </a:extLst>
           </p:cNvPr>
@@ -6797,7 +6800,7 @@
           <p:cNvPr id="33" name="TextBox 32">
             <a:extLst>
               <a:ext uri="{FF2B5EF4-FFF2-40B4-BE49-F238E27FC236}">
-                <a16:creationId xmlns:a16="http://schemas.microsoft.com/office/drawing/2014/main" id="{7EC9EDF8-229F-4C4A-8DC8-35148A251F69}"/>
+                <a16:creationId xmlns="" xmlns:a16="http://schemas.microsoft.com/office/drawing/2014/main" id="{7EC9EDF8-229F-4C4A-8DC8-35148A251F69}"/>
               </a:ext>
             </a:extLst>
           </p:cNvPr>
@@ -6832,7 +6835,7 @@
           <p:cNvPr id="34" name="TextBox 33">
             <a:extLst>
               <a:ext uri="{FF2B5EF4-FFF2-40B4-BE49-F238E27FC236}">
-                <a16:creationId xmlns:a16="http://schemas.microsoft.com/office/drawing/2014/main" id="{94C2D1A6-CBD2-4774-84E3-9F9B8939E6B3}"/>
+                <a16:creationId xmlns="" xmlns:a16="http://schemas.microsoft.com/office/drawing/2014/main" id="{94C2D1A6-CBD2-4774-84E3-9F9B8939E6B3}"/>
               </a:ext>
             </a:extLst>
           </p:cNvPr>
@@ -6867,7 +6870,7 @@
           <p:cNvPr id="35" name="Straight Arrow Connector 34">
             <a:extLst>
               <a:ext uri="{FF2B5EF4-FFF2-40B4-BE49-F238E27FC236}">
-                <a16:creationId xmlns:a16="http://schemas.microsoft.com/office/drawing/2014/main" id="{851047C6-F793-4EED-9684-E964C0E7855A}"/>
+                <a16:creationId xmlns="" xmlns:a16="http://schemas.microsoft.com/office/drawing/2014/main" id="{851047C6-F793-4EED-9684-E964C0E7855A}"/>
               </a:ext>
             </a:extLst>
           </p:cNvPr>
@@ -6913,7 +6916,7 @@
           <p:cNvPr id="36" name="Straight Arrow Connector 35">
             <a:extLst>
               <a:ext uri="{FF2B5EF4-FFF2-40B4-BE49-F238E27FC236}">
-                <a16:creationId xmlns:a16="http://schemas.microsoft.com/office/drawing/2014/main" id="{35B2DC98-A76C-4BB7-B0DE-715133F6DB6A}"/>
+                <a16:creationId xmlns="" xmlns:a16="http://schemas.microsoft.com/office/drawing/2014/main" id="{35B2DC98-A76C-4BB7-B0DE-715133F6DB6A}"/>
               </a:ext>
             </a:extLst>
           </p:cNvPr>
@@ -6959,7 +6962,7 @@
           <p:cNvPr id="37" name="TextBox 36">
             <a:extLst>
               <a:ext uri="{FF2B5EF4-FFF2-40B4-BE49-F238E27FC236}">
-                <a16:creationId xmlns:a16="http://schemas.microsoft.com/office/drawing/2014/main" id="{7C200B9C-3107-4342-A09C-861C77177A24}"/>
+                <a16:creationId xmlns="" xmlns:a16="http://schemas.microsoft.com/office/drawing/2014/main" id="{7C200B9C-3107-4342-A09C-861C77177A24}"/>
               </a:ext>
             </a:extLst>
           </p:cNvPr>
@@ -6994,7 +6997,7 @@
           <p:cNvPr id="38" name="Straight Arrow Connector 37">
             <a:extLst>
               <a:ext uri="{FF2B5EF4-FFF2-40B4-BE49-F238E27FC236}">
-                <a16:creationId xmlns:a16="http://schemas.microsoft.com/office/drawing/2014/main" id="{264A7BD8-CAC0-4775-9BB9-E290EC5EB7F8}"/>
+                <a16:creationId xmlns="" xmlns:a16="http://schemas.microsoft.com/office/drawing/2014/main" id="{264A7BD8-CAC0-4775-9BB9-E290EC5EB7F8}"/>
               </a:ext>
             </a:extLst>
           </p:cNvPr>
@@ -7040,7 +7043,7 @@
           <p:cNvPr id="39" name="TextBox 38">
             <a:extLst>
               <a:ext uri="{FF2B5EF4-FFF2-40B4-BE49-F238E27FC236}">
-                <a16:creationId xmlns:a16="http://schemas.microsoft.com/office/drawing/2014/main" id="{32CBBB60-CD35-4A9A-9821-207CE30903C6}"/>
+                <a16:creationId xmlns="" xmlns:a16="http://schemas.microsoft.com/office/drawing/2014/main" id="{32CBBB60-CD35-4A9A-9821-207CE30903C6}"/>
               </a:ext>
             </a:extLst>
           </p:cNvPr>
@@ -7075,7 +7078,7 @@
           <p:cNvPr id="40" name="TextBox 39">
             <a:extLst>
               <a:ext uri="{FF2B5EF4-FFF2-40B4-BE49-F238E27FC236}">
-                <a16:creationId xmlns:a16="http://schemas.microsoft.com/office/drawing/2014/main" id="{E8AC519A-A5BB-4601-848A-C7CFE30F188D}"/>
+                <a16:creationId xmlns="" xmlns:a16="http://schemas.microsoft.com/office/drawing/2014/main" id="{E8AC519A-A5BB-4601-848A-C7CFE30F188D}"/>
               </a:ext>
             </a:extLst>
           </p:cNvPr>
@@ -7110,7 +7113,7 @@
           <p:cNvPr id="21" name="Straight Connector 20">
             <a:extLst>
               <a:ext uri="{FF2B5EF4-FFF2-40B4-BE49-F238E27FC236}">
-                <a16:creationId xmlns:a16="http://schemas.microsoft.com/office/drawing/2014/main" id="{BBCF6C53-F689-408C-B379-4C423EFE95C2}"/>
+                <a16:creationId xmlns="" xmlns:a16="http://schemas.microsoft.com/office/drawing/2014/main" id="{BBCF6C53-F689-408C-B379-4C423EFE95C2}"/>
               </a:ext>
             </a:extLst>
           </p:cNvPr>
@@ -7156,7 +7159,7 @@
           <p:cNvPr id="43" name="TextBox 42">
             <a:extLst>
               <a:ext uri="{FF2B5EF4-FFF2-40B4-BE49-F238E27FC236}">
-                <a16:creationId xmlns:a16="http://schemas.microsoft.com/office/drawing/2014/main" id="{40C08C63-AD0E-45D5-9184-3ABAA4C5808F}"/>
+                <a16:creationId xmlns="" xmlns:a16="http://schemas.microsoft.com/office/drawing/2014/main" id="{40C08C63-AD0E-45D5-9184-3ABAA4C5808F}"/>
               </a:ext>
             </a:extLst>
           </p:cNvPr>
@@ -7221,7 +7224,7 @@
           <p:cNvPr id="4" name="Oval 3">
             <a:extLst>
               <a:ext uri="{FF2B5EF4-FFF2-40B4-BE49-F238E27FC236}">
-                <a16:creationId xmlns:a16="http://schemas.microsoft.com/office/drawing/2014/main" id="{A181C3CB-CB4B-4821-BBB6-2DBBBF56DC79}"/>
+                <a16:creationId xmlns="" xmlns:a16="http://schemas.microsoft.com/office/drawing/2014/main" id="{A181C3CB-CB4B-4821-BBB6-2DBBBF56DC79}"/>
               </a:ext>
             </a:extLst>
           </p:cNvPr>
@@ -7287,7 +7290,7 @@
           <p:cNvPr id="5" name="Oval 4">
             <a:extLst>
               <a:ext uri="{FF2B5EF4-FFF2-40B4-BE49-F238E27FC236}">
-                <a16:creationId xmlns:a16="http://schemas.microsoft.com/office/drawing/2014/main" id="{1652424E-CC38-4FD3-835F-87A32CE92C8B}"/>
+                <a16:creationId xmlns="" xmlns:a16="http://schemas.microsoft.com/office/drawing/2014/main" id="{1652424E-CC38-4FD3-835F-87A32CE92C8B}"/>
               </a:ext>
             </a:extLst>
           </p:cNvPr>
@@ -7353,7 +7356,7 @@
           <p:cNvPr id="9" name="Oval 8">
             <a:extLst>
               <a:ext uri="{FF2B5EF4-FFF2-40B4-BE49-F238E27FC236}">
-                <a16:creationId xmlns:a16="http://schemas.microsoft.com/office/drawing/2014/main" id="{B339454D-50D1-4C13-8122-6D146F938C2A}"/>
+                <a16:creationId xmlns="" xmlns:a16="http://schemas.microsoft.com/office/drawing/2014/main" id="{B339454D-50D1-4C13-8122-6D146F938C2A}"/>
               </a:ext>
             </a:extLst>
           </p:cNvPr>
@@ -7421,7 +7424,7 @@
           <p:cNvPr id="10" name="Oval 9">
             <a:extLst>
               <a:ext uri="{FF2B5EF4-FFF2-40B4-BE49-F238E27FC236}">
-                <a16:creationId xmlns:a16="http://schemas.microsoft.com/office/drawing/2014/main" id="{239FF9B1-268F-4096-9CED-2D4BA8871E8C}"/>
+                <a16:creationId xmlns="" xmlns:a16="http://schemas.microsoft.com/office/drawing/2014/main" id="{239FF9B1-268F-4096-9CED-2D4BA8871E8C}"/>
               </a:ext>
             </a:extLst>
           </p:cNvPr>
@@ -7487,7 +7490,7 @@
           <p:cNvPr id="13" name="Oval 12">
             <a:extLst>
               <a:ext uri="{FF2B5EF4-FFF2-40B4-BE49-F238E27FC236}">
-                <a16:creationId xmlns:a16="http://schemas.microsoft.com/office/drawing/2014/main" id="{DE050781-3843-4C38-AAA5-ADA50BB7396E}"/>
+                <a16:creationId xmlns="" xmlns:a16="http://schemas.microsoft.com/office/drawing/2014/main" id="{DE050781-3843-4C38-AAA5-ADA50BB7396E}"/>
               </a:ext>
             </a:extLst>
           </p:cNvPr>
@@ -7555,7 +7558,7 @@
           <p:cNvPr id="1026" name="Picture 2">
             <a:extLst>
               <a:ext uri="{FF2B5EF4-FFF2-40B4-BE49-F238E27FC236}">
-                <a16:creationId xmlns:a16="http://schemas.microsoft.com/office/drawing/2014/main" id="{FAA33CF0-323B-49D6-AD12-27A18DBC8EBE}"/>
+                <a16:creationId xmlns="" xmlns:a16="http://schemas.microsoft.com/office/drawing/2014/main" id="{FAA33CF0-323B-49D6-AD12-27A18DBC8EBE}"/>
               </a:ext>
             </a:extLst>
           </p:cNvPr>
@@ -7565,7 +7568,7 @@
           <p:nvPr/>
         </p:nvPicPr>
         <p:blipFill>
-          <a:blip r:embed="rId2">
+          <a:blip r:embed="rId2" cstate="print">
             <a:extLst>
               <a:ext uri="{28A0092B-C50C-407E-A947-70E740481C1C}">
                 <a14:useLocalDpi xmlns:a14="http://schemas.microsoft.com/office/drawing/2010/main" val="0"/>
@@ -7602,7 +7605,7 @@
           <p:cNvPr id="14" name="TextBox 13">
             <a:extLst>
               <a:ext uri="{FF2B5EF4-FFF2-40B4-BE49-F238E27FC236}">
-                <a16:creationId xmlns:a16="http://schemas.microsoft.com/office/drawing/2014/main" id="{2DCA58B6-1434-4A9B-8DDD-E662B7BEA977}"/>
+                <a16:creationId xmlns="" xmlns:a16="http://schemas.microsoft.com/office/drawing/2014/main" id="{2DCA58B6-1434-4A9B-8DDD-E662B7BEA977}"/>
               </a:ext>
             </a:extLst>
           </p:cNvPr>
@@ -7637,7 +7640,7 @@
           <p:cNvPr id="16" name="Picture 2">
             <a:extLst>
               <a:ext uri="{FF2B5EF4-FFF2-40B4-BE49-F238E27FC236}">
-                <a16:creationId xmlns:a16="http://schemas.microsoft.com/office/drawing/2014/main" id="{33B30AB2-8574-41CA-9653-C6FF5F398FAD}"/>
+                <a16:creationId xmlns="" xmlns:a16="http://schemas.microsoft.com/office/drawing/2014/main" id="{33B30AB2-8574-41CA-9653-C6FF5F398FAD}"/>
               </a:ext>
             </a:extLst>
           </p:cNvPr>
@@ -7647,7 +7650,7 @@
           <p:nvPr/>
         </p:nvPicPr>
         <p:blipFill>
-          <a:blip r:embed="rId2">
+          <a:blip r:embed="rId2" cstate="print">
             <a:extLst>
               <a:ext uri="{28A0092B-C50C-407E-A947-70E740481C1C}">
                 <a14:useLocalDpi xmlns:a14="http://schemas.microsoft.com/office/drawing/2010/main" val="0"/>
@@ -7684,7 +7687,7 @@
           <p:cNvPr id="17" name="TextBox 16">
             <a:extLst>
               <a:ext uri="{FF2B5EF4-FFF2-40B4-BE49-F238E27FC236}">
-                <a16:creationId xmlns:a16="http://schemas.microsoft.com/office/drawing/2014/main" id="{756EB6DF-70A6-423D-95C1-4122F77F51E3}"/>
+                <a16:creationId xmlns="" xmlns:a16="http://schemas.microsoft.com/office/drawing/2014/main" id="{756EB6DF-70A6-423D-95C1-4122F77F51E3}"/>
               </a:ext>
             </a:extLst>
           </p:cNvPr>
@@ -7719,7 +7722,7 @@
           <p:cNvPr id="18" name="Picture 2">
             <a:extLst>
               <a:ext uri="{FF2B5EF4-FFF2-40B4-BE49-F238E27FC236}">
-                <a16:creationId xmlns:a16="http://schemas.microsoft.com/office/drawing/2014/main" id="{FF884056-77F7-4D61-89B7-3E2B3A081A6C}"/>
+                <a16:creationId xmlns="" xmlns:a16="http://schemas.microsoft.com/office/drawing/2014/main" id="{FF884056-77F7-4D61-89B7-3E2B3A081A6C}"/>
               </a:ext>
             </a:extLst>
           </p:cNvPr>
@@ -7729,7 +7732,7 @@
           <p:nvPr/>
         </p:nvPicPr>
         <p:blipFill>
-          <a:blip r:embed="rId2">
+          <a:blip r:embed="rId2" cstate="print">
             <a:extLst>
               <a:ext uri="{28A0092B-C50C-407E-A947-70E740481C1C}">
                 <a14:useLocalDpi xmlns:a14="http://schemas.microsoft.com/office/drawing/2010/main" val="0"/>
@@ -7766,7 +7769,7 @@
           <p:cNvPr id="19" name="TextBox 18">
             <a:extLst>
               <a:ext uri="{FF2B5EF4-FFF2-40B4-BE49-F238E27FC236}">
-                <a16:creationId xmlns:a16="http://schemas.microsoft.com/office/drawing/2014/main" id="{110FCB1C-6562-4A54-A432-DDFBDAA75A75}"/>
+                <a16:creationId xmlns="" xmlns:a16="http://schemas.microsoft.com/office/drawing/2014/main" id="{110FCB1C-6562-4A54-A432-DDFBDAA75A75}"/>
               </a:ext>
             </a:extLst>
           </p:cNvPr>
@@ -7801,7 +7804,7 @@
           <p:cNvPr id="20" name="Oval 19">
             <a:extLst>
               <a:ext uri="{FF2B5EF4-FFF2-40B4-BE49-F238E27FC236}">
-                <a16:creationId xmlns:a16="http://schemas.microsoft.com/office/drawing/2014/main" id="{E29C80D7-BA70-4BC2-9EF2-4C621BA30517}"/>
+                <a16:creationId xmlns="" xmlns:a16="http://schemas.microsoft.com/office/drawing/2014/main" id="{E29C80D7-BA70-4BC2-9EF2-4C621BA30517}"/>
               </a:ext>
             </a:extLst>
           </p:cNvPr>
@@ -7869,7 +7872,7 @@
           <p:cNvPr id="21" name="Oval 20">
             <a:extLst>
               <a:ext uri="{FF2B5EF4-FFF2-40B4-BE49-F238E27FC236}">
-                <a16:creationId xmlns:a16="http://schemas.microsoft.com/office/drawing/2014/main" id="{C11373AE-0F4A-4032-863F-94D445B0AC4C}"/>
+                <a16:creationId xmlns="" xmlns:a16="http://schemas.microsoft.com/office/drawing/2014/main" id="{C11373AE-0F4A-4032-863F-94D445B0AC4C}"/>
               </a:ext>
             </a:extLst>
           </p:cNvPr>
@@ -7937,7 +7940,7 @@
           <p:cNvPr id="22" name="Picture 2">
             <a:extLst>
               <a:ext uri="{FF2B5EF4-FFF2-40B4-BE49-F238E27FC236}">
-                <a16:creationId xmlns:a16="http://schemas.microsoft.com/office/drawing/2014/main" id="{B4600F98-5360-4E95-A2E9-F1F33113515A}"/>
+                <a16:creationId xmlns="" xmlns:a16="http://schemas.microsoft.com/office/drawing/2014/main" id="{B4600F98-5360-4E95-A2E9-F1F33113515A}"/>
               </a:ext>
             </a:extLst>
           </p:cNvPr>
@@ -7947,7 +7950,7 @@
           <p:nvPr/>
         </p:nvPicPr>
         <p:blipFill>
-          <a:blip r:embed="rId2">
+          <a:blip r:embed="rId2" cstate="print">
             <a:extLst>
               <a:ext uri="{28A0092B-C50C-407E-A947-70E740481C1C}">
                 <a14:useLocalDpi xmlns:a14="http://schemas.microsoft.com/office/drawing/2010/main" val="0"/>
@@ -7984,7 +7987,7 @@
           <p:cNvPr id="23" name="TextBox 22">
             <a:extLst>
               <a:ext uri="{FF2B5EF4-FFF2-40B4-BE49-F238E27FC236}">
-                <a16:creationId xmlns:a16="http://schemas.microsoft.com/office/drawing/2014/main" id="{F8A981EB-9D49-44B9-B88F-17BB4D70F6F9}"/>
+                <a16:creationId xmlns="" xmlns:a16="http://schemas.microsoft.com/office/drawing/2014/main" id="{F8A981EB-9D49-44B9-B88F-17BB4D70F6F9}"/>
               </a:ext>
             </a:extLst>
           </p:cNvPr>
@@ -8019,7 +8022,7 @@
           <p:cNvPr id="24" name="Oval 23">
             <a:extLst>
               <a:ext uri="{FF2B5EF4-FFF2-40B4-BE49-F238E27FC236}">
-                <a16:creationId xmlns:a16="http://schemas.microsoft.com/office/drawing/2014/main" id="{03E85E4C-39E9-4C2A-8A98-FB88E4FF1F47}"/>
+                <a16:creationId xmlns="" xmlns:a16="http://schemas.microsoft.com/office/drawing/2014/main" id="{03E85E4C-39E9-4C2A-8A98-FB88E4FF1F47}"/>
               </a:ext>
             </a:extLst>
           </p:cNvPr>
@@ -8085,7 +8088,7 @@
           <p:cNvPr id="25" name="Oval 24">
             <a:extLst>
               <a:ext uri="{FF2B5EF4-FFF2-40B4-BE49-F238E27FC236}">
-                <a16:creationId xmlns:a16="http://schemas.microsoft.com/office/drawing/2014/main" id="{A2D7970A-3D51-433C-A53B-8B0F5CC01B80}"/>
+                <a16:creationId xmlns="" xmlns:a16="http://schemas.microsoft.com/office/drawing/2014/main" id="{A2D7970A-3D51-433C-A53B-8B0F5CC01B80}"/>
               </a:ext>
             </a:extLst>
           </p:cNvPr>
@@ -8151,7 +8154,7 @@
           <p:cNvPr id="26" name="Oval 25">
             <a:extLst>
               <a:ext uri="{FF2B5EF4-FFF2-40B4-BE49-F238E27FC236}">
-                <a16:creationId xmlns:a16="http://schemas.microsoft.com/office/drawing/2014/main" id="{AB1A94B5-7523-4D95-B69C-922341487E52}"/>
+                <a16:creationId xmlns="" xmlns:a16="http://schemas.microsoft.com/office/drawing/2014/main" id="{AB1A94B5-7523-4D95-B69C-922341487E52}"/>
               </a:ext>
             </a:extLst>
           </p:cNvPr>
@@ -8217,7 +8220,7 @@
           <p:cNvPr id="27" name="Oval 26">
             <a:extLst>
               <a:ext uri="{FF2B5EF4-FFF2-40B4-BE49-F238E27FC236}">
-                <a16:creationId xmlns:a16="http://schemas.microsoft.com/office/drawing/2014/main" id="{9B1A2E17-04DC-4FDE-B7DA-84A372156661}"/>
+                <a16:creationId xmlns="" xmlns:a16="http://schemas.microsoft.com/office/drawing/2014/main" id="{9B1A2E17-04DC-4FDE-B7DA-84A372156661}"/>
               </a:ext>
             </a:extLst>
           </p:cNvPr>
@@ -8285,7 +8288,7 @@
           <p:cNvPr id="28" name="Oval 27">
             <a:extLst>
               <a:ext uri="{FF2B5EF4-FFF2-40B4-BE49-F238E27FC236}">
-                <a16:creationId xmlns:a16="http://schemas.microsoft.com/office/drawing/2014/main" id="{8C1D3655-EA2A-40B7-996A-08DDA49C7879}"/>
+                <a16:creationId xmlns="" xmlns:a16="http://schemas.microsoft.com/office/drawing/2014/main" id="{8C1D3655-EA2A-40B7-996A-08DDA49C7879}"/>
               </a:ext>
             </a:extLst>
           </p:cNvPr>
@@ -8353,7 +8356,7 @@
           <p:cNvPr id="29" name="Oval 28">
             <a:extLst>
               <a:ext uri="{FF2B5EF4-FFF2-40B4-BE49-F238E27FC236}">
-                <a16:creationId xmlns:a16="http://schemas.microsoft.com/office/drawing/2014/main" id="{2048A28F-0681-4EBC-9ACB-C0B2AF416DD4}"/>
+                <a16:creationId xmlns="" xmlns:a16="http://schemas.microsoft.com/office/drawing/2014/main" id="{2048A28F-0681-4EBC-9ACB-C0B2AF416DD4}"/>
               </a:ext>
             </a:extLst>
           </p:cNvPr>
@@ -8421,7 +8424,7 @@
           <p:cNvPr id="30" name="Oval 29">
             <a:extLst>
               <a:ext uri="{FF2B5EF4-FFF2-40B4-BE49-F238E27FC236}">
-                <a16:creationId xmlns:a16="http://schemas.microsoft.com/office/drawing/2014/main" id="{1F233240-E205-4B5E-8E84-672328555EE6}"/>
+                <a16:creationId xmlns="" xmlns:a16="http://schemas.microsoft.com/office/drawing/2014/main" id="{1F233240-E205-4B5E-8E84-672328555EE6}"/>
               </a:ext>
             </a:extLst>
           </p:cNvPr>
@@ -8489,7 +8492,7 @@
           <p:cNvPr id="31" name="Oval 30">
             <a:extLst>
               <a:ext uri="{FF2B5EF4-FFF2-40B4-BE49-F238E27FC236}">
-                <a16:creationId xmlns:a16="http://schemas.microsoft.com/office/drawing/2014/main" id="{5373A7F0-1D30-4F71-A945-BF15626789D5}"/>
+                <a16:creationId xmlns="" xmlns:a16="http://schemas.microsoft.com/office/drawing/2014/main" id="{5373A7F0-1D30-4F71-A945-BF15626789D5}"/>
               </a:ext>
             </a:extLst>
           </p:cNvPr>
@@ -8557,7 +8560,7 @@
           <p:cNvPr id="32" name="Straight Connector 31">
             <a:extLst>
               <a:ext uri="{FF2B5EF4-FFF2-40B4-BE49-F238E27FC236}">
-                <a16:creationId xmlns:a16="http://schemas.microsoft.com/office/drawing/2014/main" id="{F4E01E33-B99F-42A5-8358-A682E0DAF61F}"/>
+                <a16:creationId xmlns="" xmlns:a16="http://schemas.microsoft.com/office/drawing/2014/main" id="{F4E01E33-B99F-42A5-8358-A682E0DAF61F}"/>
               </a:ext>
             </a:extLst>
           </p:cNvPr>
@@ -8605,7 +8608,7 @@
           <p:cNvPr id="35" name="Straight Connector 34">
             <a:extLst>
               <a:ext uri="{FF2B5EF4-FFF2-40B4-BE49-F238E27FC236}">
-                <a16:creationId xmlns:a16="http://schemas.microsoft.com/office/drawing/2014/main" id="{BF01491F-E436-49F4-B996-952CB0CDCE19}"/>
+                <a16:creationId xmlns="" xmlns:a16="http://schemas.microsoft.com/office/drawing/2014/main" id="{BF01491F-E436-49F4-B996-952CB0CDCE19}"/>
               </a:ext>
             </a:extLst>
           </p:cNvPr>
@@ -8653,7 +8656,7 @@
           <p:cNvPr id="38" name="Straight Connector 37">
             <a:extLst>
               <a:ext uri="{FF2B5EF4-FFF2-40B4-BE49-F238E27FC236}">
-                <a16:creationId xmlns:a16="http://schemas.microsoft.com/office/drawing/2014/main" id="{EB9A94F4-4966-4CBB-8129-48B30F5B6B92}"/>
+                <a16:creationId xmlns="" xmlns:a16="http://schemas.microsoft.com/office/drawing/2014/main" id="{EB9A94F4-4966-4CBB-8129-48B30F5B6B92}"/>
               </a:ext>
             </a:extLst>
           </p:cNvPr>
@@ -8701,7 +8704,7 @@
           <p:cNvPr id="41" name="Oval 40">
             <a:extLst>
               <a:ext uri="{FF2B5EF4-FFF2-40B4-BE49-F238E27FC236}">
-                <a16:creationId xmlns:a16="http://schemas.microsoft.com/office/drawing/2014/main" id="{8100B47B-6734-4A92-BA2C-085EBDAE4440}"/>
+                <a16:creationId xmlns="" xmlns:a16="http://schemas.microsoft.com/office/drawing/2014/main" id="{8100B47B-6734-4A92-BA2C-085EBDAE4440}"/>
               </a:ext>
             </a:extLst>
           </p:cNvPr>
@@ -8767,7 +8770,7 @@
           <p:cNvPr id="45" name="Straight Connector 44">
             <a:extLst>
               <a:ext uri="{FF2B5EF4-FFF2-40B4-BE49-F238E27FC236}">
-                <a16:creationId xmlns:a16="http://schemas.microsoft.com/office/drawing/2014/main" id="{5B559DDF-AC7E-4FDE-B162-BBA5475C8CD9}"/>
+                <a16:creationId xmlns="" xmlns:a16="http://schemas.microsoft.com/office/drawing/2014/main" id="{5B559DDF-AC7E-4FDE-B162-BBA5475C8CD9}"/>
               </a:ext>
             </a:extLst>
           </p:cNvPr>
@@ -8815,7 +8818,7 @@
           <p:cNvPr id="48" name="Straight Connector 47">
             <a:extLst>
               <a:ext uri="{FF2B5EF4-FFF2-40B4-BE49-F238E27FC236}">
-                <a16:creationId xmlns:a16="http://schemas.microsoft.com/office/drawing/2014/main" id="{FFC038BB-39D0-42ED-BBE8-15A96CA50AC6}"/>
+                <a16:creationId xmlns="" xmlns:a16="http://schemas.microsoft.com/office/drawing/2014/main" id="{FFC038BB-39D0-42ED-BBE8-15A96CA50AC6}"/>
               </a:ext>
             </a:extLst>
           </p:cNvPr>
@@ -8863,7 +8866,7 @@
           <p:cNvPr id="54" name="Straight Connector 53">
             <a:extLst>
               <a:ext uri="{FF2B5EF4-FFF2-40B4-BE49-F238E27FC236}">
-                <a16:creationId xmlns:a16="http://schemas.microsoft.com/office/drawing/2014/main" id="{929BEB09-535F-4B0C-AECA-39B56BF97071}"/>
+                <a16:creationId xmlns="" xmlns:a16="http://schemas.microsoft.com/office/drawing/2014/main" id="{929BEB09-535F-4B0C-AECA-39B56BF97071}"/>
               </a:ext>
             </a:extLst>
           </p:cNvPr>
@@ -8911,7 +8914,7 @@
           <p:cNvPr id="57" name="Straight Connector 56">
             <a:extLst>
               <a:ext uri="{FF2B5EF4-FFF2-40B4-BE49-F238E27FC236}">
-                <a16:creationId xmlns:a16="http://schemas.microsoft.com/office/drawing/2014/main" id="{AA272E9E-9678-4E14-A3E7-0A9638DE35C6}"/>
+                <a16:creationId xmlns="" xmlns:a16="http://schemas.microsoft.com/office/drawing/2014/main" id="{AA272E9E-9678-4E14-A3E7-0A9638DE35C6}"/>
               </a:ext>
             </a:extLst>
           </p:cNvPr>
@@ -8958,7 +8961,7 @@
           <p:cNvPr id="60" name="Straight Connector 59">
             <a:extLst>
               <a:ext uri="{FF2B5EF4-FFF2-40B4-BE49-F238E27FC236}">
-                <a16:creationId xmlns:a16="http://schemas.microsoft.com/office/drawing/2014/main" id="{BE1B243A-E4CC-4B20-86DD-0AF3D297A41B}"/>
+                <a16:creationId xmlns="" xmlns:a16="http://schemas.microsoft.com/office/drawing/2014/main" id="{BE1B243A-E4CC-4B20-86DD-0AF3D297A41B}"/>
               </a:ext>
             </a:extLst>
           </p:cNvPr>
@@ -9006,7 +9009,7 @@
           <p:cNvPr id="64" name="Straight Connector 63">
             <a:extLst>
               <a:ext uri="{FF2B5EF4-FFF2-40B4-BE49-F238E27FC236}">
-                <a16:creationId xmlns:a16="http://schemas.microsoft.com/office/drawing/2014/main" id="{58F99696-3C24-40D6-B48C-EEC4D7C0A675}"/>
+                <a16:creationId xmlns="" xmlns:a16="http://schemas.microsoft.com/office/drawing/2014/main" id="{58F99696-3C24-40D6-B48C-EEC4D7C0A675}"/>
               </a:ext>
             </a:extLst>
           </p:cNvPr>
@@ -9054,7 +9057,7 @@
           <p:cNvPr id="67" name="Straight Connector 66">
             <a:extLst>
               <a:ext uri="{FF2B5EF4-FFF2-40B4-BE49-F238E27FC236}">
-                <a16:creationId xmlns:a16="http://schemas.microsoft.com/office/drawing/2014/main" id="{F72AD175-C5A0-40A9-9B73-141A87C53E53}"/>
+                <a16:creationId xmlns="" xmlns:a16="http://schemas.microsoft.com/office/drawing/2014/main" id="{F72AD175-C5A0-40A9-9B73-141A87C53E53}"/>
               </a:ext>
             </a:extLst>
           </p:cNvPr>
@@ -9102,7 +9105,7 @@
           <p:cNvPr id="71" name="Straight Connector 70">
             <a:extLst>
               <a:ext uri="{FF2B5EF4-FFF2-40B4-BE49-F238E27FC236}">
-                <a16:creationId xmlns:a16="http://schemas.microsoft.com/office/drawing/2014/main" id="{D221C8D0-CD07-417D-900F-8C7EAB03B802}"/>
+                <a16:creationId xmlns="" xmlns:a16="http://schemas.microsoft.com/office/drawing/2014/main" id="{D221C8D0-CD07-417D-900F-8C7EAB03B802}"/>
               </a:ext>
             </a:extLst>
           </p:cNvPr>
@@ -9150,7 +9153,7 @@
           <p:cNvPr id="74" name="Straight Connector 73">
             <a:extLst>
               <a:ext uri="{FF2B5EF4-FFF2-40B4-BE49-F238E27FC236}">
-                <a16:creationId xmlns:a16="http://schemas.microsoft.com/office/drawing/2014/main" id="{85BC8661-7FBB-467A-ABAA-B24B115FA7A8}"/>
+                <a16:creationId xmlns="" xmlns:a16="http://schemas.microsoft.com/office/drawing/2014/main" id="{85BC8661-7FBB-467A-ABAA-B24B115FA7A8}"/>
               </a:ext>
             </a:extLst>
           </p:cNvPr>
@@ -9198,7 +9201,7 @@
           <p:cNvPr id="77" name="Straight Connector 76">
             <a:extLst>
               <a:ext uri="{FF2B5EF4-FFF2-40B4-BE49-F238E27FC236}">
-                <a16:creationId xmlns:a16="http://schemas.microsoft.com/office/drawing/2014/main" id="{3BC44FF4-2823-4914-85EB-933A788BCD21}"/>
+                <a16:creationId xmlns="" xmlns:a16="http://schemas.microsoft.com/office/drawing/2014/main" id="{3BC44FF4-2823-4914-85EB-933A788BCD21}"/>
               </a:ext>
             </a:extLst>
           </p:cNvPr>
@@ -9246,7 +9249,7 @@
           <p:cNvPr id="80" name="Straight Connector 79">
             <a:extLst>
               <a:ext uri="{FF2B5EF4-FFF2-40B4-BE49-F238E27FC236}">
-                <a16:creationId xmlns:a16="http://schemas.microsoft.com/office/drawing/2014/main" id="{A9104876-AD0B-4E6D-8BF3-0FCCBBACBDAE}"/>
+                <a16:creationId xmlns="" xmlns:a16="http://schemas.microsoft.com/office/drawing/2014/main" id="{A9104876-AD0B-4E6D-8BF3-0FCCBBACBDAE}"/>
               </a:ext>
             </a:extLst>
           </p:cNvPr>
@@ -9294,7 +9297,7 @@
           <p:cNvPr id="83" name="Straight Connector 82">
             <a:extLst>
               <a:ext uri="{FF2B5EF4-FFF2-40B4-BE49-F238E27FC236}">
-                <a16:creationId xmlns:a16="http://schemas.microsoft.com/office/drawing/2014/main" id="{C1977E77-AC16-488A-99F3-6272CFFB5B7D}"/>
+                <a16:creationId xmlns="" xmlns:a16="http://schemas.microsoft.com/office/drawing/2014/main" id="{C1977E77-AC16-488A-99F3-6272CFFB5B7D}"/>
               </a:ext>
             </a:extLst>
           </p:cNvPr>
@@ -9342,7 +9345,7 @@
           <p:cNvPr id="86" name="Straight Connector 85">
             <a:extLst>
               <a:ext uri="{FF2B5EF4-FFF2-40B4-BE49-F238E27FC236}">
-                <a16:creationId xmlns:a16="http://schemas.microsoft.com/office/drawing/2014/main" id="{F7BC0410-5693-4521-B03C-590484CA6B55}"/>
+                <a16:creationId xmlns="" xmlns:a16="http://schemas.microsoft.com/office/drawing/2014/main" id="{F7BC0410-5693-4521-B03C-590484CA6B55}"/>
               </a:ext>
             </a:extLst>
           </p:cNvPr>
@@ -9390,7 +9393,7 @@
           <p:cNvPr id="89" name="Straight Connector 88">
             <a:extLst>
               <a:ext uri="{FF2B5EF4-FFF2-40B4-BE49-F238E27FC236}">
-                <a16:creationId xmlns:a16="http://schemas.microsoft.com/office/drawing/2014/main" id="{462371C8-125C-4F47-A608-EF38281315E8}"/>
+                <a16:creationId xmlns="" xmlns:a16="http://schemas.microsoft.com/office/drawing/2014/main" id="{462371C8-125C-4F47-A608-EF38281315E8}"/>
               </a:ext>
             </a:extLst>
           </p:cNvPr>
@@ -9438,7 +9441,7 @@
           <p:cNvPr id="92" name="Straight Connector 91">
             <a:extLst>
               <a:ext uri="{FF2B5EF4-FFF2-40B4-BE49-F238E27FC236}">
-                <a16:creationId xmlns:a16="http://schemas.microsoft.com/office/drawing/2014/main" id="{50CA4D72-45A6-4C44-8E4B-6734B3620607}"/>
+                <a16:creationId xmlns="" xmlns:a16="http://schemas.microsoft.com/office/drawing/2014/main" id="{50CA4D72-45A6-4C44-8E4B-6734B3620607}"/>
               </a:ext>
             </a:extLst>
           </p:cNvPr>
@@ -9486,7 +9489,7 @@
           <p:cNvPr id="107" name="Straight Connector 106">
             <a:extLst>
               <a:ext uri="{FF2B5EF4-FFF2-40B4-BE49-F238E27FC236}">
-                <a16:creationId xmlns:a16="http://schemas.microsoft.com/office/drawing/2014/main" id="{8010E79A-1B35-4959-BE9B-6C2EBFB9AC44}"/>
+                <a16:creationId xmlns="" xmlns:a16="http://schemas.microsoft.com/office/drawing/2014/main" id="{8010E79A-1B35-4959-BE9B-6C2EBFB9AC44}"/>
               </a:ext>
             </a:extLst>
           </p:cNvPr>
@@ -9534,7 +9537,7 @@
           <p:cNvPr id="110" name="Straight Connector 109">
             <a:extLst>
               <a:ext uri="{FF2B5EF4-FFF2-40B4-BE49-F238E27FC236}">
-                <a16:creationId xmlns:a16="http://schemas.microsoft.com/office/drawing/2014/main" id="{72591605-0A89-44E0-9E0F-ECD3F45C480C}"/>
+                <a16:creationId xmlns="" xmlns:a16="http://schemas.microsoft.com/office/drawing/2014/main" id="{72591605-0A89-44E0-9E0F-ECD3F45C480C}"/>
               </a:ext>
             </a:extLst>
           </p:cNvPr>
@@ -9582,7 +9585,7 @@
           <p:cNvPr id="113" name="Straight Connector 112">
             <a:extLst>
               <a:ext uri="{FF2B5EF4-FFF2-40B4-BE49-F238E27FC236}">
-                <a16:creationId xmlns:a16="http://schemas.microsoft.com/office/drawing/2014/main" id="{102A29F7-B484-48D2-A161-436E06C8984E}"/>
+                <a16:creationId xmlns="" xmlns:a16="http://schemas.microsoft.com/office/drawing/2014/main" id="{102A29F7-B484-48D2-A161-436E06C8984E}"/>
               </a:ext>
             </a:extLst>
           </p:cNvPr>
@@ -9630,7 +9633,7 @@
           <p:cNvPr id="116" name="Oval 115">
             <a:extLst>
               <a:ext uri="{FF2B5EF4-FFF2-40B4-BE49-F238E27FC236}">
-                <a16:creationId xmlns:a16="http://schemas.microsoft.com/office/drawing/2014/main" id="{7D4CF58A-8120-42DF-B77A-0F8A518E4E7E}"/>
+                <a16:creationId xmlns="" xmlns:a16="http://schemas.microsoft.com/office/drawing/2014/main" id="{7D4CF58A-8120-42DF-B77A-0F8A518E4E7E}"/>
               </a:ext>
             </a:extLst>
           </p:cNvPr>
@@ -9698,7 +9701,7 @@
           <p:cNvPr id="117" name="Straight Connector 116">
             <a:extLst>
               <a:ext uri="{FF2B5EF4-FFF2-40B4-BE49-F238E27FC236}">
-                <a16:creationId xmlns:a16="http://schemas.microsoft.com/office/drawing/2014/main" id="{153A76C5-1377-41CF-8CCB-D6D3E28E0499}"/>
+                <a16:creationId xmlns="" xmlns:a16="http://schemas.microsoft.com/office/drawing/2014/main" id="{153A76C5-1377-41CF-8CCB-D6D3E28E0499}"/>
               </a:ext>
             </a:extLst>
           </p:cNvPr>
@@ -9746,7 +9749,7 @@
           <p:cNvPr id="177" name="Straight Connector 176">
             <a:extLst>
               <a:ext uri="{FF2B5EF4-FFF2-40B4-BE49-F238E27FC236}">
-                <a16:creationId xmlns:a16="http://schemas.microsoft.com/office/drawing/2014/main" id="{C3574F1E-ECEB-4D8A-926A-533611D4256D}"/>
+                <a16:creationId xmlns="" xmlns:a16="http://schemas.microsoft.com/office/drawing/2014/main" id="{C3574F1E-ECEB-4D8A-926A-533611D4256D}"/>
               </a:ext>
             </a:extLst>
           </p:cNvPr>
@@ -9794,7 +9797,7 @@
           <p:cNvPr id="180" name="Straight Connector 179">
             <a:extLst>
               <a:ext uri="{FF2B5EF4-FFF2-40B4-BE49-F238E27FC236}">
-                <a16:creationId xmlns:a16="http://schemas.microsoft.com/office/drawing/2014/main" id="{6D7F2EEC-C28D-42FC-9E00-E6A1C27D490B}"/>
+                <a16:creationId xmlns="" xmlns:a16="http://schemas.microsoft.com/office/drawing/2014/main" id="{6D7F2EEC-C28D-42FC-9E00-E6A1C27D490B}"/>
               </a:ext>
             </a:extLst>
           </p:cNvPr>
@@ -9842,7 +9845,7 @@
           <p:cNvPr id="183" name="Straight Connector 182">
             <a:extLst>
               <a:ext uri="{FF2B5EF4-FFF2-40B4-BE49-F238E27FC236}">
-                <a16:creationId xmlns:a16="http://schemas.microsoft.com/office/drawing/2014/main" id="{295B9FF3-DAA3-4B17-9A57-BEE9D27614FB}"/>
+                <a16:creationId xmlns="" xmlns:a16="http://schemas.microsoft.com/office/drawing/2014/main" id="{295B9FF3-DAA3-4B17-9A57-BEE9D27614FB}"/>
               </a:ext>
             </a:extLst>
           </p:cNvPr>
@@ -9890,7 +9893,7 @@
           <p:cNvPr id="190" name="Straight Connector 189">
             <a:extLst>
               <a:ext uri="{FF2B5EF4-FFF2-40B4-BE49-F238E27FC236}">
-                <a16:creationId xmlns:a16="http://schemas.microsoft.com/office/drawing/2014/main" id="{7436C2EB-EE30-41E9-B815-027B622A87F4}"/>
+                <a16:creationId xmlns="" xmlns:a16="http://schemas.microsoft.com/office/drawing/2014/main" id="{7436C2EB-EE30-41E9-B815-027B622A87F4}"/>
               </a:ext>
             </a:extLst>
           </p:cNvPr>
@@ -9938,7 +9941,7 @@
           <p:cNvPr id="193" name="Straight Connector 192">
             <a:extLst>
               <a:ext uri="{FF2B5EF4-FFF2-40B4-BE49-F238E27FC236}">
-                <a16:creationId xmlns:a16="http://schemas.microsoft.com/office/drawing/2014/main" id="{8D401143-AB0E-4097-9880-BE15E56D1098}"/>
+                <a16:creationId xmlns="" xmlns:a16="http://schemas.microsoft.com/office/drawing/2014/main" id="{8D401143-AB0E-4097-9880-BE15E56D1098}"/>
               </a:ext>
             </a:extLst>
           </p:cNvPr>
@@ -9986,7 +9989,7 @@
           <p:cNvPr id="196" name="Straight Connector 195">
             <a:extLst>
               <a:ext uri="{FF2B5EF4-FFF2-40B4-BE49-F238E27FC236}">
-                <a16:creationId xmlns:a16="http://schemas.microsoft.com/office/drawing/2014/main" id="{7A86ECC0-530B-4F0E-B4BA-96E0C966B85D}"/>
+                <a16:creationId xmlns="" xmlns:a16="http://schemas.microsoft.com/office/drawing/2014/main" id="{7A86ECC0-530B-4F0E-B4BA-96E0C966B85D}"/>
               </a:ext>
             </a:extLst>
           </p:cNvPr>
@@ -10034,7 +10037,7 @@
           <p:cNvPr id="202" name="Straight Connector 201">
             <a:extLst>
               <a:ext uri="{FF2B5EF4-FFF2-40B4-BE49-F238E27FC236}">
-                <a16:creationId xmlns:a16="http://schemas.microsoft.com/office/drawing/2014/main" id="{766937AF-105D-41D3-B0E5-46182920C8D0}"/>
+                <a16:creationId xmlns="" xmlns:a16="http://schemas.microsoft.com/office/drawing/2014/main" id="{766937AF-105D-41D3-B0E5-46182920C8D0}"/>
               </a:ext>
             </a:extLst>
           </p:cNvPr>
@@ -10082,7 +10085,7 @@
           <p:cNvPr id="205" name="Straight Connector 204">
             <a:extLst>
               <a:ext uri="{FF2B5EF4-FFF2-40B4-BE49-F238E27FC236}">
-                <a16:creationId xmlns:a16="http://schemas.microsoft.com/office/drawing/2014/main" id="{B9C9304D-173A-4835-805F-665DC4ECFA23}"/>
+                <a16:creationId xmlns="" xmlns:a16="http://schemas.microsoft.com/office/drawing/2014/main" id="{B9C9304D-173A-4835-805F-665DC4ECFA23}"/>
               </a:ext>
             </a:extLst>
           </p:cNvPr>
@@ -10130,7 +10133,7 @@
           <p:cNvPr id="208" name="Straight Connector 207">
             <a:extLst>
               <a:ext uri="{FF2B5EF4-FFF2-40B4-BE49-F238E27FC236}">
-                <a16:creationId xmlns:a16="http://schemas.microsoft.com/office/drawing/2014/main" id="{121EAB5C-BC47-40E8-9B38-0B9869379C11}"/>
+                <a16:creationId xmlns="" xmlns:a16="http://schemas.microsoft.com/office/drawing/2014/main" id="{121EAB5C-BC47-40E8-9B38-0B9869379C11}"/>
               </a:ext>
             </a:extLst>
           </p:cNvPr>
@@ -10178,7 +10181,7 @@
           <p:cNvPr id="211" name="Straight Connector 210">
             <a:extLst>
               <a:ext uri="{FF2B5EF4-FFF2-40B4-BE49-F238E27FC236}">
-                <a16:creationId xmlns:a16="http://schemas.microsoft.com/office/drawing/2014/main" id="{E0C2D720-DD9C-4E67-A74C-F3C010336A85}"/>
+                <a16:creationId xmlns="" xmlns:a16="http://schemas.microsoft.com/office/drawing/2014/main" id="{E0C2D720-DD9C-4E67-A74C-F3C010336A85}"/>
               </a:ext>
             </a:extLst>
           </p:cNvPr>
@@ -10226,7 +10229,7 @@
           <p:cNvPr id="214" name="Straight Connector 213">
             <a:extLst>
               <a:ext uri="{FF2B5EF4-FFF2-40B4-BE49-F238E27FC236}">
-                <a16:creationId xmlns:a16="http://schemas.microsoft.com/office/drawing/2014/main" id="{EF58B044-C3CA-4259-B295-C513FAC886AC}"/>
+                <a16:creationId xmlns="" xmlns:a16="http://schemas.microsoft.com/office/drawing/2014/main" id="{EF58B044-C3CA-4259-B295-C513FAC886AC}"/>
               </a:ext>
             </a:extLst>
           </p:cNvPr>
@@ -10274,7 +10277,7 @@
           <p:cNvPr id="217" name="Straight Connector 216">
             <a:extLst>
               <a:ext uri="{FF2B5EF4-FFF2-40B4-BE49-F238E27FC236}">
-                <a16:creationId xmlns:a16="http://schemas.microsoft.com/office/drawing/2014/main" id="{56C69AFE-29EF-41A1-98E8-6714B70B2A3A}"/>
+                <a16:creationId xmlns="" xmlns:a16="http://schemas.microsoft.com/office/drawing/2014/main" id="{56C69AFE-29EF-41A1-98E8-6714B70B2A3A}"/>
               </a:ext>
             </a:extLst>
           </p:cNvPr>
@@ -10322,7 +10325,7 @@
           <p:cNvPr id="221" name="Straight Connector 220">
             <a:extLst>
               <a:ext uri="{FF2B5EF4-FFF2-40B4-BE49-F238E27FC236}">
-                <a16:creationId xmlns:a16="http://schemas.microsoft.com/office/drawing/2014/main" id="{71974833-568D-448B-8CAF-C03900D27E4F}"/>
+                <a16:creationId xmlns="" xmlns:a16="http://schemas.microsoft.com/office/drawing/2014/main" id="{71974833-568D-448B-8CAF-C03900D27E4F}"/>
               </a:ext>
             </a:extLst>
           </p:cNvPr>
@@ -10370,7 +10373,7 @@
           <p:cNvPr id="244" name="Straight Connector 243">
             <a:extLst>
               <a:ext uri="{FF2B5EF4-FFF2-40B4-BE49-F238E27FC236}">
-                <a16:creationId xmlns:a16="http://schemas.microsoft.com/office/drawing/2014/main" id="{008F9F17-3CDC-44A3-B7CF-B8FAA386F91A}"/>
+                <a16:creationId xmlns="" xmlns:a16="http://schemas.microsoft.com/office/drawing/2014/main" id="{008F9F17-3CDC-44A3-B7CF-B8FAA386F91A}"/>
               </a:ext>
             </a:extLst>
           </p:cNvPr>
@@ -10448,7 +10451,7 @@
           <p:cNvPr id="4" name="Rectangle 3">
             <a:extLst>
               <a:ext uri="{FF2B5EF4-FFF2-40B4-BE49-F238E27FC236}">
-                <a16:creationId xmlns:a16="http://schemas.microsoft.com/office/drawing/2014/main" id="{1752356F-8C8E-4A1D-A831-4C954F8BFBC4}"/>
+                <a16:creationId xmlns="" xmlns:a16="http://schemas.microsoft.com/office/drawing/2014/main" id="{1752356F-8C8E-4A1D-A831-4C954F8BFBC4}"/>
               </a:ext>
             </a:extLst>
           </p:cNvPr>
@@ -10509,7 +10512,7 @@
           <p:cNvPr id="16" name="Rectangle 15">
             <a:extLst>
               <a:ext uri="{FF2B5EF4-FFF2-40B4-BE49-F238E27FC236}">
-                <a16:creationId xmlns:a16="http://schemas.microsoft.com/office/drawing/2014/main" id="{D6997C42-1435-4A4A-AF00-CFE8799C50F8}"/>
+                <a16:creationId xmlns="" xmlns:a16="http://schemas.microsoft.com/office/drawing/2014/main" id="{D6997C42-1435-4A4A-AF00-CFE8799C50F8}"/>
               </a:ext>
             </a:extLst>
           </p:cNvPr>
@@ -10587,7 +10590,7 @@
           <p:cNvPr id="17" name="Rectangle 16">
             <a:extLst>
               <a:ext uri="{FF2B5EF4-FFF2-40B4-BE49-F238E27FC236}">
-                <a16:creationId xmlns:a16="http://schemas.microsoft.com/office/drawing/2014/main" id="{9CC1C5C0-144B-466A-966B-316399B68337}"/>
+                <a16:creationId xmlns="" xmlns:a16="http://schemas.microsoft.com/office/drawing/2014/main" id="{9CC1C5C0-144B-466A-966B-316399B68337}"/>
               </a:ext>
             </a:extLst>
           </p:cNvPr>
@@ -10707,7 +10710,7 @@
           <p:cNvPr id="18" name="Straight Connector 17">
             <a:extLst>
               <a:ext uri="{FF2B5EF4-FFF2-40B4-BE49-F238E27FC236}">
-                <a16:creationId xmlns:a16="http://schemas.microsoft.com/office/drawing/2014/main" id="{AA3F5828-FBC9-4AE0-81A0-0372C7F6480A}"/>
+                <a16:creationId xmlns="" xmlns:a16="http://schemas.microsoft.com/office/drawing/2014/main" id="{AA3F5828-FBC9-4AE0-81A0-0372C7F6480A}"/>
               </a:ext>
             </a:extLst>
           </p:cNvPr>
@@ -10752,7 +10755,7 @@
           <p:cNvPr id="11" name="Straight Connector 10">
             <a:extLst>
               <a:ext uri="{FF2B5EF4-FFF2-40B4-BE49-F238E27FC236}">
-                <a16:creationId xmlns:a16="http://schemas.microsoft.com/office/drawing/2014/main" id="{AD4EEB2D-D946-4D70-81C5-6806EDC69770}"/>
+                <a16:creationId xmlns="" xmlns:a16="http://schemas.microsoft.com/office/drawing/2014/main" id="{AD4EEB2D-D946-4D70-81C5-6806EDC69770}"/>
               </a:ext>
             </a:extLst>
           </p:cNvPr>
@@ -10797,7 +10800,7 @@
           <p:cNvPr id="19" name="Rectangle 18">
             <a:extLst>
               <a:ext uri="{FF2B5EF4-FFF2-40B4-BE49-F238E27FC236}">
-                <a16:creationId xmlns:a16="http://schemas.microsoft.com/office/drawing/2014/main" id="{932F75E9-AF0A-4DDD-9DD7-D7C0BED296F4}"/>
+                <a16:creationId xmlns="" xmlns:a16="http://schemas.microsoft.com/office/drawing/2014/main" id="{932F75E9-AF0A-4DDD-9DD7-D7C0BED296F4}"/>
               </a:ext>
             </a:extLst>
           </p:cNvPr>
@@ -10858,7 +10861,7 @@
           <p:cNvPr id="20" name="Rectangle 19">
             <a:extLst>
               <a:ext uri="{FF2B5EF4-FFF2-40B4-BE49-F238E27FC236}">
-                <a16:creationId xmlns:a16="http://schemas.microsoft.com/office/drawing/2014/main" id="{113C6502-D99D-4B99-B674-71E29C5F10B5}"/>
+                <a16:creationId xmlns="" xmlns:a16="http://schemas.microsoft.com/office/drawing/2014/main" id="{113C6502-D99D-4B99-B674-71E29C5F10B5}"/>
               </a:ext>
             </a:extLst>
           </p:cNvPr>
@@ -10950,7 +10953,7 @@
           <p:cNvPr id="21" name="Rectangle 20">
             <a:extLst>
               <a:ext uri="{FF2B5EF4-FFF2-40B4-BE49-F238E27FC236}">
-                <a16:creationId xmlns:a16="http://schemas.microsoft.com/office/drawing/2014/main" id="{2E3EB133-0B4C-4668-BE93-6B06A1751E2C}"/>
+                <a16:creationId xmlns="" xmlns:a16="http://schemas.microsoft.com/office/drawing/2014/main" id="{2E3EB133-0B4C-4668-BE93-6B06A1751E2C}"/>
               </a:ext>
             </a:extLst>
           </p:cNvPr>
@@ -11154,7 +11157,7 @@
           <p:cNvPr id="22" name="Straight Connector 21">
             <a:extLst>
               <a:ext uri="{FF2B5EF4-FFF2-40B4-BE49-F238E27FC236}">
-                <a16:creationId xmlns:a16="http://schemas.microsoft.com/office/drawing/2014/main" id="{A267A6C8-0ACE-45E0-82C6-C0AA93900FD5}"/>
+                <a16:creationId xmlns="" xmlns:a16="http://schemas.microsoft.com/office/drawing/2014/main" id="{A267A6C8-0ACE-45E0-82C6-C0AA93900FD5}"/>
               </a:ext>
             </a:extLst>
           </p:cNvPr>
@@ -11199,7 +11202,7 @@
           <p:cNvPr id="23" name="Straight Connector 22">
             <a:extLst>
               <a:ext uri="{FF2B5EF4-FFF2-40B4-BE49-F238E27FC236}">
-                <a16:creationId xmlns:a16="http://schemas.microsoft.com/office/drawing/2014/main" id="{8C4472C0-881F-4AB2-83EC-8966652767DF}"/>
+                <a16:creationId xmlns="" xmlns:a16="http://schemas.microsoft.com/office/drawing/2014/main" id="{8C4472C0-881F-4AB2-83EC-8966652767DF}"/>
               </a:ext>
             </a:extLst>
           </p:cNvPr>
@@ -11244,7 +11247,7 @@
           <p:cNvPr id="24" name="Rectangle 23">
             <a:extLst>
               <a:ext uri="{FF2B5EF4-FFF2-40B4-BE49-F238E27FC236}">
-                <a16:creationId xmlns:a16="http://schemas.microsoft.com/office/drawing/2014/main" id="{971E23BB-B9CB-4973-8B0E-B14948268709}"/>
+                <a16:creationId xmlns="" xmlns:a16="http://schemas.microsoft.com/office/drawing/2014/main" id="{971E23BB-B9CB-4973-8B0E-B14948268709}"/>
               </a:ext>
             </a:extLst>
           </p:cNvPr>
@@ -11305,7 +11308,7 @@
           <p:cNvPr id="25" name="Rectangle 24">
             <a:extLst>
               <a:ext uri="{FF2B5EF4-FFF2-40B4-BE49-F238E27FC236}">
-                <a16:creationId xmlns:a16="http://schemas.microsoft.com/office/drawing/2014/main" id="{1A177BFF-BA50-43AA-8A97-B5FD219B61EA}"/>
+                <a16:creationId xmlns="" xmlns:a16="http://schemas.microsoft.com/office/drawing/2014/main" id="{1A177BFF-BA50-43AA-8A97-B5FD219B61EA}"/>
               </a:ext>
             </a:extLst>
           </p:cNvPr>
@@ -11383,7 +11386,7 @@
           <p:cNvPr id="26" name="Rectangle 25">
             <a:extLst>
               <a:ext uri="{FF2B5EF4-FFF2-40B4-BE49-F238E27FC236}">
-                <a16:creationId xmlns:a16="http://schemas.microsoft.com/office/drawing/2014/main" id="{E4DF55D0-435E-46A6-887D-858319D6DE83}"/>
+                <a16:creationId xmlns="" xmlns:a16="http://schemas.microsoft.com/office/drawing/2014/main" id="{E4DF55D0-435E-46A6-887D-858319D6DE83}"/>
               </a:ext>
             </a:extLst>
           </p:cNvPr>
@@ -11447,7 +11450,7 @@
           <p:cNvPr id="27" name="Straight Connector 26">
             <a:extLst>
               <a:ext uri="{FF2B5EF4-FFF2-40B4-BE49-F238E27FC236}">
-                <a16:creationId xmlns:a16="http://schemas.microsoft.com/office/drawing/2014/main" id="{24D345A0-50F8-4776-B886-157B590DD531}"/>
+                <a16:creationId xmlns="" xmlns:a16="http://schemas.microsoft.com/office/drawing/2014/main" id="{24D345A0-50F8-4776-B886-157B590DD531}"/>
               </a:ext>
             </a:extLst>
           </p:cNvPr>
@@ -11492,7 +11495,7 @@
           <p:cNvPr id="28" name="Straight Connector 27">
             <a:extLst>
               <a:ext uri="{FF2B5EF4-FFF2-40B4-BE49-F238E27FC236}">
-                <a16:creationId xmlns:a16="http://schemas.microsoft.com/office/drawing/2014/main" id="{5C99EE0B-F264-49E6-8519-1136FB92653A}"/>
+                <a16:creationId xmlns="" xmlns:a16="http://schemas.microsoft.com/office/drawing/2014/main" id="{5C99EE0B-F264-49E6-8519-1136FB92653A}"/>
               </a:ext>
             </a:extLst>
           </p:cNvPr>
@@ -11537,7 +11540,7 @@
           <p:cNvPr id="29" name="Rectangle 28">
             <a:extLst>
               <a:ext uri="{FF2B5EF4-FFF2-40B4-BE49-F238E27FC236}">
-                <a16:creationId xmlns:a16="http://schemas.microsoft.com/office/drawing/2014/main" id="{03547A26-B4B5-479D-9203-D502CDE04AE6}"/>
+                <a16:creationId xmlns="" xmlns:a16="http://schemas.microsoft.com/office/drawing/2014/main" id="{03547A26-B4B5-479D-9203-D502CDE04AE6}"/>
               </a:ext>
             </a:extLst>
           </p:cNvPr>
@@ -11598,7 +11601,7 @@
           <p:cNvPr id="30" name="Rectangle 29">
             <a:extLst>
               <a:ext uri="{FF2B5EF4-FFF2-40B4-BE49-F238E27FC236}">
-                <a16:creationId xmlns:a16="http://schemas.microsoft.com/office/drawing/2014/main" id="{94071722-4914-41C3-8E9D-3A50AA90A718}"/>
+                <a16:creationId xmlns="" xmlns:a16="http://schemas.microsoft.com/office/drawing/2014/main" id="{94071722-4914-41C3-8E9D-3A50AA90A718}"/>
               </a:ext>
             </a:extLst>
           </p:cNvPr>
@@ -11676,7 +11679,7 @@
           <p:cNvPr id="31" name="Rectangle 30">
             <a:extLst>
               <a:ext uri="{FF2B5EF4-FFF2-40B4-BE49-F238E27FC236}">
-                <a16:creationId xmlns:a16="http://schemas.microsoft.com/office/drawing/2014/main" id="{EA3F1FEF-DC9E-4AC6-BE06-0E79BE3FEF92}"/>
+                <a16:creationId xmlns="" xmlns:a16="http://schemas.microsoft.com/office/drawing/2014/main" id="{EA3F1FEF-DC9E-4AC6-BE06-0E79BE3FEF92}"/>
               </a:ext>
             </a:extLst>
           </p:cNvPr>
@@ -11796,7 +11799,7 @@
           <p:cNvPr id="32" name="Straight Connector 31">
             <a:extLst>
               <a:ext uri="{FF2B5EF4-FFF2-40B4-BE49-F238E27FC236}">
-                <a16:creationId xmlns:a16="http://schemas.microsoft.com/office/drawing/2014/main" id="{6CED28F0-98EC-4FC0-BD08-B804AFB7E67F}"/>
+                <a16:creationId xmlns="" xmlns:a16="http://schemas.microsoft.com/office/drawing/2014/main" id="{6CED28F0-98EC-4FC0-BD08-B804AFB7E67F}"/>
               </a:ext>
             </a:extLst>
           </p:cNvPr>
@@ -11841,7 +11844,7 @@
           <p:cNvPr id="33" name="Straight Connector 32">
             <a:extLst>
               <a:ext uri="{FF2B5EF4-FFF2-40B4-BE49-F238E27FC236}">
-                <a16:creationId xmlns:a16="http://schemas.microsoft.com/office/drawing/2014/main" id="{46FB8398-D3BC-4D0A-95BF-492D1B133959}"/>
+                <a16:creationId xmlns="" xmlns:a16="http://schemas.microsoft.com/office/drawing/2014/main" id="{46FB8398-D3BC-4D0A-95BF-492D1B133959}"/>
               </a:ext>
             </a:extLst>
           </p:cNvPr>
@@ -11886,7 +11889,7 @@
           <p:cNvPr id="34" name="Rectangle 33">
             <a:extLst>
               <a:ext uri="{FF2B5EF4-FFF2-40B4-BE49-F238E27FC236}">
-                <a16:creationId xmlns:a16="http://schemas.microsoft.com/office/drawing/2014/main" id="{5FAA41A9-C704-4753-994E-85629042DFBB}"/>
+                <a16:creationId xmlns="" xmlns:a16="http://schemas.microsoft.com/office/drawing/2014/main" id="{5FAA41A9-C704-4753-994E-85629042DFBB}"/>
               </a:ext>
             </a:extLst>
           </p:cNvPr>
@@ -11947,7 +11950,7 @@
           <p:cNvPr id="35" name="Rectangle 34">
             <a:extLst>
               <a:ext uri="{FF2B5EF4-FFF2-40B4-BE49-F238E27FC236}">
-                <a16:creationId xmlns:a16="http://schemas.microsoft.com/office/drawing/2014/main" id="{CBC38FF1-96BB-4979-AC7C-5452AC55E93D}"/>
+                <a16:creationId xmlns="" xmlns:a16="http://schemas.microsoft.com/office/drawing/2014/main" id="{CBC38FF1-96BB-4979-AC7C-5452AC55E93D}"/>
               </a:ext>
             </a:extLst>
           </p:cNvPr>
@@ -12025,7 +12028,7 @@
           <p:cNvPr id="36" name="Rectangle 35">
             <a:extLst>
               <a:ext uri="{FF2B5EF4-FFF2-40B4-BE49-F238E27FC236}">
-                <a16:creationId xmlns:a16="http://schemas.microsoft.com/office/drawing/2014/main" id="{A83E8CA2-55BE-42C6-9C35-B678EBEBDFD1}"/>
+                <a16:creationId xmlns="" xmlns:a16="http://schemas.microsoft.com/office/drawing/2014/main" id="{A83E8CA2-55BE-42C6-9C35-B678EBEBDFD1}"/>
               </a:ext>
             </a:extLst>
           </p:cNvPr>
@@ -12145,7 +12148,7 @@
           <p:cNvPr id="37" name="Straight Connector 36">
             <a:extLst>
               <a:ext uri="{FF2B5EF4-FFF2-40B4-BE49-F238E27FC236}">
-                <a16:creationId xmlns:a16="http://schemas.microsoft.com/office/drawing/2014/main" id="{CA741914-7D44-45A0-ACF5-CA088EF4DC6E}"/>
+                <a16:creationId xmlns="" xmlns:a16="http://schemas.microsoft.com/office/drawing/2014/main" id="{CA741914-7D44-45A0-ACF5-CA088EF4DC6E}"/>
               </a:ext>
             </a:extLst>
           </p:cNvPr>
@@ -12190,7 +12193,7 @@
           <p:cNvPr id="38" name="Straight Connector 37">
             <a:extLst>
               <a:ext uri="{FF2B5EF4-FFF2-40B4-BE49-F238E27FC236}">
-                <a16:creationId xmlns:a16="http://schemas.microsoft.com/office/drawing/2014/main" id="{676AB45C-A261-4EE6-80C4-7BECB9E93B1B}"/>
+                <a16:creationId xmlns="" xmlns:a16="http://schemas.microsoft.com/office/drawing/2014/main" id="{676AB45C-A261-4EE6-80C4-7BECB9E93B1B}"/>
               </a:ext>
             </a:extLst>
           </p:cNvPr>
@@ -12235,7 +12238,7 @@
           <p:cNvPr id="39" name="Rectangle 38">
             <a:extLst>
               <a:ext uri="{FF2B5EF4-FFF2-40B4-BE49-F238E27FC236}">
-                <a16:creationId xmlns:a16="http://schemas.microsoft.com/office/drawing/2014/main" id="{26C93BF6-B952-40CD-B075-0E5DE7BDBA0D}"/>
+                <a16:creationId xmlns="" xmlns:a16="http://schemas.microsoft.com/office/drawing/2014/main" id="{26C93BF6-B952-40CD-B075-0E5DE7BDBA0D}"/>
               </a:ext>
             </a:extLst>
           </p:cNvPr>
@@ -12296,7 +12299,7 @@
           <p:cNvPr id="40" name="Rectangle 39">
             <a:extLst>
               <a:ext uri="{FF2B5EF4-FFF2-40B4-BE49-F238E27FC236}">
-                <a16:creationId xmlns:a16="http://schemas.microsoft.com/office/drawing/2014/main" id="{31BA9F69-4BFE-4EAB-8D67-161E3554DFB8}"/>
+                <a16:creationId xmlns="" xmlns:a16="http://schemas.microsoft.com/office/drawing/2014/main" id="{31BA9F69-4BFE-4EAB-8D67-161E3554DFB8}"/>
               </a:ext>
             </a:extLst>
           </p:cNvPr>
@@ -12374,7 +12377,7 @@
           <p:cNvPr id="41" name="Rectangle 40">
             <a:extLst>
               <a:ext uri="{FF2B5EF4-FFF2-40B4-BE49-F238E27FC236}">
-                <a16:creationId xmlns:a16="http://schemas.microsoft.com/office/drawing/2014/main" id="{70A3DEE7-C90F-479F-BDBA-BEB6312D5DE5}"/>
+                <a16:creationId xmlns="" xmlns:a16="http://schemas.microsoft.com/office/drawing/2014/main" id="{70A3DEE7-C90F-479F-BDBA-BEB6312D5DE5}"/>
               </a:ext>
             </a:extLst>
           </p:cNvPr>
@@ -12466,7 +12469,7 @@
           <p:cNvPr id="42" name="Straight Connector 41">
             <a:extLst>
               <a:ext uri="{FF2B5EF4-FFF2-40B4-BE49-F238E27FC236}">
-                <a16:creationId xmlns:a16="http://schemas.microsoft.com/office/drawing/2014/main" id="{BEE45044-4F6D-48C1-90BC-593EB42CB4D6}"/>
+                <a16:creationId xmlns="" xmlns:a16="http://schemas.microsoft.com/office/drawing/2014/main" id="{BEE45044-4F6D-48C1-90BC-593EB42CB4D6}"/>
               </a:ext>
             </a:extLst>
           </p:cNvPr>
@@ -12511,7 +12514,7 @@
           <p:cNvPr id="43" name="Straight Connector 42">
             <a:extLst>
               <a:ext uri="{FF2B5EF4-FFF2-40B4-BE49-F238E27FC236}">
-                <a16:creationId xmlns:a16="http://schemas.microsoft.com/office/drawing/2014/main" id="{CEAED347-7E5F-4358-BD5D-63C0B3DBA9D0}"/>
+                <a16:creationId xmlns="" xmlns:a16="http://schemas.microsoft.com/office/drawing/2014/main" id="{CEAED347-7E5F-4358-BD5D-63C0B3DBA9D0}"/>
               </a:ext>
             </a:extLst>
           </p:cNvPr>
@@ -12556,7 +12559,7 @@
           <p:cNvPr id="44" name="Rectangle 43">
             <a:extLst>
               <a:ext uri="{FF2B5EF4-FFF2-40B4-BE49-F238E27FC236}">
-                <a16:creationId xmlns:a16="http://schemas.microsoft.com/office/drawing/2014/main" id="{944962D8-659F-4886-A55D-473557C100DC}"/>
+                <a16:creationId xmlns="" xmlns:a16="http://schemas.microsoft.com/office/drawing/2014/main" id="{944962D8-659F-4886-A55D-473557C100DC}"/>
               </a:ext>
             </a:extLst>
           </p:cNvPr>
@@ -12617,7 +12620,7 @@
           <p:cNvPr id="45" name="Rectangle 44">
             <a:extLst>
               <a:ext uri="{FF2B5EF4-FFF2-40B4-BE49-F238E27FC236}">
-                <a16:creationId xmlns:a16="http://schemas.microsoft.com/office/drawing/2014/main" id="{4A91B56F-89B0-4592-8F63-04FCC9B1552F}"/>
+                <a16:creationId xmlns="" xmlns:a16="http://schemas.microsoft.com/office/drawing/2014/main" id="{4A91B56F-89B0-4592-8F63-04FCC9B1552F}"/>
               </a:ext>
             </a:extLst>
           </p:cNvPr>
@@ -12695,7 +12698,7 @@
           <p:cNvPr id="46" name="Rectangle 45">
             <a:extLst>
               <a:ext uri="{FF2B5EF4-FFF2-40B4-BE49-F238E27FC236}">
-                <a16:creationId xmlns:a16="http://schemas.microsoft.com/office/drawing/2014/main" id="{35BE5ECD-B18B-4FDF-B6AD-CC80C7546180}"/>
+                <a16:creationId xmlns="" xmlns:a16="http://schemas.microsoft.com/office/drawing/2014/main" id="{35BE5ECD-B18B-4FDF-B6AD-CC80C7546180}"/>
               </a:ext>
             </a:extLst>
           </p:cNvPr>
@@ -12787,7 +12790,7 @@
           <p:cNvPr id="47" name="Straight Connector 46">
             <a:extLst>
               <a:ext uri="{FF2B5EF4-FFF2-40B4-BE49-F238E27FC236}">
-                <a16:creationId xmlns:a16="http://schemas.microsoft.com/office/drawing/2014/main" id="{1A49C732-15E8-4E08-B49C-CF3570176A3E}"/>
+                <a16:creationId xmlns="" xmlns:a16="http://schemas.microsoft.com/office/drawing/2014/main" id="{1A49C732-15E8-4E08-B49C-CF3570176A3E}"/>
               </a:ext>
             </a:extLst>
           </p:cNvPr>
@@ -12832,7 +12835,7 @@
           <p:cNvPr id="48" name="Straight Connector 47">
             <a:extLst>
               <a:ext uri="{FF2B5EF4-FFF2-40B4-BE49-F238E27FC236}">
-                <a16:creationId xmlns:a16="http://schemas.microsoft.com/office/drawing/2014/main" id="{5C2071BA-36E3-4128-865F-6BC35A88914E}"/>
+                <a16:creationId xmlns="" xmlns:a16="http://schemas.microsoft.com/office/drawing/2014/main" id="{5C2071BA-36E3-4128-865F-6BC35A88914E}"/>
               </a:ext>
             </a:extLst>
           </p:cNvPr>
@@ -12877,7 +12880,7 @@
           <p:cNvPr id="55" name="Rectangle 54">
             <a:extLst>
               <a:ext uri="{FF2B5EF4-FFF2-40B4-BE49-F238E27FC236}">
-                <a16:creationId xmlns:a16="http://schemas.microsoft.com/office/drawing/2014/main" id="{52A9D0E5-9F85-4B1A-A5BD-0BFAFC953E3C}"/>
+                <a16:creationId xmlns="" xmlns:a16="http://schemas.microsoft.com/office/drawing/2014/main" id="{52A9D0E5-9F85-4B1A-A5BD-0BFAFC953E3C}"/>
               </a:ext>
             </a:extLst>
           </p:cNvPr>
@@ -12938,7 +12941,7 @@
           <p:cNvPr id="56" name="Rectangle 55">
             <a:extLst>
               <a:ext uri="{FF2B5EF4-FFF2-40B4-BE49-F238E27FC236}">
-                <a16:creationId xmlns:a16="http://schemas.microsoft.com/office/drawing/2014/main" id="{29B4C0FE-7F2A-4E23-B438-6BE4D462D162}"/>
+                <a16:creationId xmlns="" xmlns:a16="http://schemas.microsoft.com/office/drawing/2014/main" id="{29B4C0FE-7F2A-4E23-B438-6BE4D462D162}"/>
               </a:ext>
             </a:extLst>
           </p:cNvPr>
@@ -13016,7 +13019,7 @@
           <p:cNvPr id="57" name="Rectangle 56">
             <a:extLst>
               <a:ext uri="{FF2B5EF4-FFF2-40B4-BE49-F238E27FC236}">
-                <a16:creationId xmlns:a16="http://schemas.microsoft.com/office/drawing/2014/main" id="{4C876DC2-72FE-4CE2-A6D0-149CC3D65D6F}"/>
+                <a16:creationId xmlns="" xmlns:a16="http://schemas.microsoft.com/office/drawing/2014/main" id="{4C876DC2-72FE-4CE2-A6D0-149CC3D65D6F}"/>
               </a:ext>
             </a:extLst>
           </p:cNvPr>
@@ -13102,7 +13105,7 @@
           <p:cNvPr id="58" name="Straight Connector 57">
             <a:extLst>
               <a:ext uri="{FF2B5EF4-FFF2-40B4-BE49-F238E27FC236}">
-                <a16:creationId xmlns:a16="http://schemas.microsoft.com/office/drawing/2014/main" id="{CBA27ECC-DE25-4012-8825-9DF2D484C2F2}"/>
+                <a16:creationId xmlns="" xmlns:a16="http://schemas.microsoft.com/office/drawing/2014/main" id="{CBA27ECC-DE25-4012-8825-9DF2D484C2F2}"/>
               </a:ext>
             </a:extLst>
           </p:cNvPr>
@@ -13147,7 +13150,7 @@
           <p:cNvPr id="59" name="Straight Connector 58">
             <a:extLst>
               <a:ext uri="{FF2B5EF4-FFF2-40B4-BE49-F238E27FC236}">
-                <a16:creationId xmlns:a16="http://schemas.microsoft.com/office/drawing/2014/main" id="{89B4BE4A-6E27-4A42-B0C8-4C970C951B04}"/>
+                <a16:creationId xmlns="" xmlns:a16="http://schemas.microsoft.com/office/drawing/2014/main" id="{89B4BE4A-6E27-4A42-B0C8-4C970C951B04}"/>
               </a:ext>
             </a:extLst>
           </p:cNvPr>
@@ -13192,7 +13195,7 @@
           <p:cNvPr id="63" name="Connector: Elbow 62">
             <a:extLst>
               <a:ext uri="{FF2B5EF4-FFF2-40B4-BE49-F238E27FC236}">
-                <a16:creationId xmlns:a16="http://schemas.microsoft.com/office/drawing/2014/main" id="{3A553496-FCDA-411A-8EE5-ED4F0D547DD5}"/>
+                <a16:creationId xmlns="" xmlns:a16="http://schemas.microsoft.com/office/drawing/2014/main" id="{3A553496-FCDA-411A-8EE5-ED4F0D547DD5}"/>
               </a:ext>
             </a:extLst>
           </p:cNvPr>
@@ -13242,7 +13245,7 @@
           <p:cNvPr id="65" name="Connector: Elbow 64">
             <a:extLst>
               <a:ext uri="{FF2B5EF4-FFF2-40B4-BE49-F238E27FC236}">
-                <a16:creationId xmlns:a16="http://schemas.microsoft.com/office/drawing/2014/main" id="{FA1548B7-1E76-4249-990A-94B21F79F040}"/>
+                <a16:creationId xmlns="" xmlns:a16="http://schemas.microsoft.com/office/drawing/2014/main" id="{FA1548B7-1E76-4249-990A-94B21F79F040}"/>
               </a:ext>
             </a:extLst>
           </p:cNvPr>
@@ -13290,7 +13293,7 @@
           <p:cNvPr id="70" name="Connector: Elbow 69">
             <a:extLst>
               <a:ext uri="{FF2B5EF4-FFF2-40B4-BE49-F238E27FC236}">
-                <a16:creationId xmlns:a16="http://schemas.microsoft.com/office/drawing/2014/main" id="{858199D4-2537-48AA-A4C7-0C177D4B65AD}"/>
+                <a16:creationId xmlns="" xmlns:a16="http://schemas.microsoft.com/office/drawing/2014/main" id="{858199D4-2537-48AA-A4C7-0C177D4B65AD}"/>
               </a:ext>
             </a:extLst>
           </p:cNvPr>
@@ -13340,7 +13343,7 @@
           <p:cNvPr id="74" name="Connector: Elbow 73">
             <a:extLst>
               <a:ext uri="{FF2B5EF4-FFF2-40B4-BE49-F238E27FC236}">
-                <a16:creationId xmlns:a16="http://schemas.microsoft.com/office/drawing/2014/main" id="{F9A524F3-C054-4919-A558-33EE057C0651}"/>
+                <a16:creationId xmlns="" xmlns:a16="http://schemas.microsoft.com/office/drawing/2014/main" id="{F9A524F3-C054-4919-A558-33EE057C0651}"/>
               </a:ext>
             </a:extLst>
           </p:cNvPr>
@@ -13390,7 +13393,7 @@
           <p:cNvPr id="77" name="Connector: Elbow 76">
             <a:extLst>
               <a:ext uri="{FF2B5EF4-FFF2-40B4-BE49-F238E27FC236}">
-                <a16:creationId xmlns:a16="http://schemas.microsoft.com/office/drawing/2014/main" id="{0A72CD0B-8DF2-4392-80B8-725DC41220FD}"/>
+                <a16:creationId xmlns="" xmlns:a16="http://schemas.microsoft.com/office/drawing/2014/main" id="{0A72CD0B-8DF2-4392-80B8-725DC41220FD}"/>
               </a:ext>
             </a:extLst>
           </p:cNvPr>
@@ -13440,7 +13443,7 @@
           <p:cNvPr id="80" name="Connector: Elbow 79">
             <a:extLst>
               <a:ext uri="{FF2B5EF4-FFF2-40B4-BE49-F238E27FC236}">
-                <a16:creationId xmlns:a16="http://schemas.microsoft.com/office/drawing/2014/main" id="{F101C25B-2ED9-4E56-ACD8-C560EB2DB103}"/>
+                <a16:creationId xmlns="" xmlns:a16="http://schemas.microsoft.com/office/drawing/2014/main" id="{F101C25B-2ED9-4E56-ACD8-C560EB2DB103}"/>
               </a:ext>
             </a:extLst>
           </p:cNvPr>
@@ -13490,7 +13493,7 @@
           <p:cNvPr id="83" name="Connector: Elbow 82">
             <a:extLst>
               <a:ext uri="{FF2B5EF4-FFF2-40B4-BE49-F238E27FC236}">
-                <a16:creationId xmlns:a16="http://schemas.microsoft.com/office/drawing/2014/main" id="{C340E90F-1F63-4A4F-BCD6-900281114AC0}"/>
+                <a16:creationId xmlns="" xmlns:a16="http://schemas.microsoft.com/office/drawing/2014/main" id="{C340E90F-1F63-4A4F-BCD6-900281114AC0}"/>
               </a:ext>
             </a:extLst>
           </p:cNvPr>
@@ -13540,7 +13543,7 @@
           <p:cNvPr id="86" name="Connector: Elbow 85">
             <a:extLst>
               <a:ext uri="{FF2B5EF4-FFF2-40B4-BE49-F238E27FC236}">
-                <a16:creationId xmlns:a16="http://schemas.microsoft.com/office/drawing/2014/main" id="{FA0E0C3C-3966-49E9-92F4-42FD2E469EBB}"/>
+                <a16:creationId xmlns="" xmlns:a16="http://schemas.microsoft.com/office/drawing/2014/main" id="{FA0E0C3C-3966-49E9-92F4-42FD2E469EBB}"/>
               </a:ext>
             </a:extLst>
           </p:cNvPr>
@@ -13590,7 +13593,7 @@
           <p:cNvPr id="101" name="TextBox 100">
             <a:extLst>
               <a:ext uri="{FF2B5EF4-FFF2-40B4-BE49-F238E27FC236}">
-                <a16:creationId xmlns:a16="http://schemas.microsoft.com/office/drawing/2014/main" id="{45F958E5-084B-44A0-B709-AB1DF69E2B72}"/>
+                <a16:creationId xmlns="" xmlns:a16="http://schemas.microsoft.com/office/drawing/2014/main" id="{45F958E5-084B-44A0-B709-AB1DF69E2B72}"/>
               </a:ext>
             </a:extLst>
           </p:cNvPr>
@@ -13625,7 +13628,7 @@
           <p:cNvPr id="102" name="TextBox 101">
             <a:extLst>
               <a:ext uri="{FF2B5EF4-FFF2-40B4-BE49-F238E27FC236}">
-                <a16:creationId xmlns:a16="http://schemas.microsoft.com/office/drawing/2014/main" id="{0862B1A7-21EE-441A-B606-C9DC15FDAF50}"/>
+                <a16:creationId xmlns="" xmlns:a16="http://schemas.microsoft.com/office/drawing/2014/main" id="{0862B1A7-21EE-441A-B606-C9DC15FDAF50}"/>
               </a:ext>
             </a:extLst>
           </p:cNvPr>
@@ -13660,7 +13663,7 @@
           <p:cNvPr id="103" name="TextBox 102">
             <a:extLst>
               <a:ext uri="{FF2B5EF4-FFF2-40B4-BE49-F238E27FC236}">
-                <a16:creationId xmlns:a16="http://schemas.microsoft.com/office/drawing/2014/main" id="{BEC995AE-3185-458F-A4F6-49E0E5DE03D7}"/>
+                <a16:creationId xmlns="" xmlns:a16="http://schemas.microsoft.com/office/drawing/2014/main" id="{BEC995AE-3185-458F-A4F6-49E0E5DE03D7}"/>
               </a:ext>
             </a:extLst>
           </p:cNvPr>
@@ -13699,7 +13702,7 @@
           <p:cNvPr id="105" name="TextBox 104">
             <a:extLst>
               <a:ext uri="{FF2B5EF4-FFF2-40B4-BE49-F238E27FC236}">
-                <a16:creationId xmlns:a16="http://schemas.microsoft.com/office/drawing/2014/main" id="{FA3082AA-381E-47C1-82AA-404EECF87BB2}"/>
+                <a16:creationId xmlns="" xmlns:a16="http://schemas.microsoft.com/office/drawing/2014/main" id="{FA3082AA-381E-47C1-82AA-404EECF87BB2}"/>
               </a:ext>
             </a:extLst>
           </p:cNvPr>
@@ -13738,7 +13741,7 @@
           <p:cNvPr id="106" name="TextBox 105">
             <a:extLst>
               <a:ext uri="{FF2B5EF4-FFF2-40B4-BE49-F238E27FC236}">
-                <a16:creationId xmlns:a16="http://schemas.microsoft.com/office/drawing/2014/main" id="{35220ABA-B556-418A-B05F-13DD282506AB}"/>
+                <a16:creationId xmlns="" xmlns:a16="http://schemas.microsoft.com/office/drawing/2014/main" id="{35220ABA-B556-418A-B05F-13DD282506AB}"/>
               </a:ext>
             </a:extLst>
           </p:cNvPr>
@@ -13777,7 +13780,7 @@
           <p:cNvPr id="109" name="TextBox 108">
             <a:extLst>
               <a:ext uri="{FF2B5EF4-FFF2-40B4-BE49-F238E27FC236}">
-                <a16:creationId xmlns:a16="http://schemas.microsoft.com/office/drawing/2014/main" id="{342FC791-B87A-4AD1-A4A1-E943A7E72640}"/>
+                <a16:creationId xmlns="" xmlns:a16="http://schemas.microsoft.com/office/drawing/2014/main" id="{342FC791-B87A-4AD1-A4A1-E943A7E72640}"/>
               </a:ext>
             </a:extLst>
           </p:cNvPr>
@@ -13816,7 +13819,7 @@
           <p:cNvPr id="110" name="TextBox 109">
             <a:extLst>
               <a:ext uri="{FF2B5EF4-FFF2-40B4-BE49-F238E27FC236}">
-                <a16:creationId xmlns:a16="http://schemas.microsoft.com/office/drawing/2014/main" id="{487B454A-99B9-4FA5-AAE6-E7E901FE3DD3}"/>
+                <a16:creationId xmlns="" xmlns:a16="http://schemas.microsoft.com/office/drawing/2014/main" id="{487B454A-99B9-4FA5-AAE6-E7E901FE3DD3}"/>
               </a:ext>
             </a:extLst>
           </p:cNvPr>
@@ -13851,7 +13854,7 @@
           <p:cNvPr id="111" name="TextBox 110">
             <a:extLst>
               <a:ext uri="{FF2B5EF4-FFF2-40B4-BE49-F238E27FC236}">
-                <a16:creationId xmlns:a16="http://schemas.microsoft.com/office/drawing/2014/main" id="{B062076A-D876-44D8-ABB0-55D7A99CCD2D}"/>
+                <a16:creationId xmlns="" xmlns:a16="http://schemas.microsoft.com/office/drawing/2014/main" id="{B062076A-D876-44D8-ABB0-55D7A99CCD2D}"/>
               </a:ext>
             </a:extLst>
           </p:cNvPr>
@@ -13886,7 +13889,7 @@
           <p:cNvPr id="112" name="TextBox 111">
             <a:extLst>
               <a:ext uri="{FF2B5EF4-FFF2-40B4-BE49-F238E27FC236}">
-                <a16:creationId xmlns:a16="http://schemas.microsoft.com/office/drawing/2014/main" id="{54966375-B113-4421-A8CB-F8822995D74A}"/>
+                <a16:creationId xmlns="" xmlns:a16="http://schemas.microsoft.com/office/drawing/2014/main" id="{54966375-B113-4421-A8CB-F8822995D74A}"/>
               </a:ext>
             </a:extLst>
           </p:cNvPr>
@@ -13921,7 +13924,7 @@
           <p:cNvPr id="113" name="TextBox 112">
             <a:extLst>
               <a:ext uri="{FF2B5EF4-FFF2-40B4-BE49-F238E27FC236}">
-                <a16:creationId xmlns:a16="http://schemas.microsoft.com/office/drawing/2014/main" id="{F1C84C11-D6C5-47B5-905A-A07DF5E08D4E}"/>
+                <a16:creationId xmlns="" xmlns:a16="http://schemas.microsoft.com/office/drawing/2014/main" id="{F1C84C11-D6C5-47B5-905A-A07DF5E08D4E}"/>
               </a:ext>
             </a:extLst>
           </p:cNvPr>
@@ -13956,7 +13959,7 @@
           <p:cNvPr id="114" name="TextBox 113">
             <a:extLst>
               <a:ext uri="{FF2B5EF4-FFF2-40B4-BE49-F238E27FC236}">
-                <a16:creationId xmlns:a16="http://schemas.microsoft.com/office/drawing/2014/main" id="{CA920C94-D523-4122-AFA0-28149ED1BA4A}"/>
+                <a16:creationId xmlns="" xmlns:a16="http://schemas.microsoft.com/office/drawing/2014/main" id="{CA920C94-D523-4122-AFA0-28149ED1BA4A}"/>
               </a:ext>
             </a:extLst>
           </p:cNvPr>
@@ -13991,7 +13994,7 @@
           <p:cNvPr id="115" name="TextBox 114">
             <a:extLst>
               <a:ext uri="{FF2B5EF4-FFF2-40B4-BE49-F238E27FC236}">
-                <a16:creationId xmlns:a16="http://schemas.microsoft.com/office/drawing/2014/main" id="{4B3A3BBD-9E27-45A7-8FE8-B07B3E420F2F}"/>
+                <a16:creationId xmlns="" xmlns:a16="http://schemas.microsoft.com/office/drawing/2014/main" id="{4B3A3BBD-9E27-45A7-8FE8-B07B3E420F2F}"/>
               </a:ext>
             </a:extLst>
           </p:cNvPr>
@@ -14026,7 +14029,7 @@
           <p:cNvPr id="116" name="TextBox 115">
             <a:extLst>
               <a:ext uri="{FF2B5EF4-FFF2-40B4-BE49-F238E27FC236}">
-                <a16:creationId xmlns:a16="http://schemas.microsoft.com/office/drawing/2014/main" id="{9CA75C76-EC9B-40FF-BD98-EA844222D9FA}"/>
+                <a16:creationId xmlns="" xmlns:a16="http://schemas.microsoft.com/office/drawing/2014/main" id="{9CA75C76-EC9B-40FF-BD98-EA844222D9FA}"/>
               </a:ext>
             </a:extLst>
           </p:cNvPr>
@@ -14061,7 +14064,7 @@
           <p:cNvPr id="164" name="Rectangle 163">
             <a:extLst>
               <a:ext uri="{FF2B5EF4-FFF2-40B4-BE49-F238E27FC236}">
-                <a16:creationId xmlns:a16="http://schemas.microsoft.com/office/drawing/2014/main" id="{8883A7B7-4441-452F-A39B-3758B5E7BBC8}"/>
+                <a16:creationId xmlns="" xmlns:a16="http://schemas.microsoft.com/office/drawing/2014/main" id="{8883A7B7-4441-452F-A39B-3758B5E7BBC8}"/>
               </a:ext>
             </a:extLst>
           </p:cNvPr>
@@ -14122,7 +14125,7 @@
           <p:cNvPr id="165" name="Rectangle 164">
             <a:extLst>
               <a:ext uri="{FF2B5EF4-FFF2-40B4-BE49-F238E27FC236}">
-                <a16:creationId xmlns:a16="http://schemas.microsoft.com/office/drawing/2014/main" id="{F74693C9-DAEB-4D4F-98AF-8A5AF470EC84}"/>
+                <a16:creationId xmlns="" xmlns:a16="http://schemas.microsoft.com/office/drawing/2014/main" id="{F74693C9-DAEB-4D4F-98AF-8A5AF470EC84}"/>
               </a:ext>
             </a:extLst>
           </p:cNvPr>
@@ -14200,7 +14203,7 @@
           <p:cNvPr id="166" name="Rectangle 165">
             <a:extLst>
               <a:ext uri="{FF2B5EF4-FFF2-40B4-BE49-F238E27FC236}">
-                <a16:creationId xmlns:a16="http://schemas.microsoft.com/office/drawing/2014/main" id="{84DB9555-62A5-4605-8C0A-7E2F2E0C0745}"/>
+                <a16:creationId xmlns="" xmlns:a16="http://schemas.microsoft.com/office/drawing/2014/main" id="{84DB9555-62A5-4605-8C0A-7E2F2E0C0745}"/>
               </a:ext>
             </a:extLst>
           </p:cNvPr>
@@ -14278,7 +14281,7 @@
           <p:cNvPr id="167" name="Straight Connector 166">
             <a:extLst>
               <a:ext uri="{FF2B5EF4-FFF2-40B4-BE49-F238E27FC236}">
-                <a16:creationId xmlns:a16="http://schemas.microsoft.com/office/drawing/2014/main" id="{A2D3F071-61C8-45B8-941A-9FE0CF80E5D7}"/>
+                <a16:creationId xmlns="" xmlns:a16="http://schemas.microsoft.com/office/drawing/2014/main" id="{A2D3F071-61C8-45B8-941A-9FE0CF80E5D7}"/>
               </a:ext>
             </a:extLst>
           </p:cNvPr>
@@ -14323,7 +14326,7 @@
           <p:cNvPr id="168" name="Straight Connector 167">
             <a:extLst>
               <a:ext uri="{FF2B5EF4-FFF2-40B4-BE49-F238E27FC236}">
-                <a16:creationId xmlns:a16="http://schemas.microsoft.com/office/drawing/2014/main" id="{22C23134-6EE5-45F1-B901-E95B78B24131}"/>
+                <a16:creationId xmlns="" xmlns:a16="http://schemas.microsoft.com/office/drawing/2014/main" id="{22C23134-6EE5-45F1-B901-E95B78B24131}"/>
               </a:ext>
             </a:extLst>
           </p:cNvPr>
@@ -14368,7 +14371,7 @@
           <p:cNvPr id="237" name="TextBox 236">
             <a:extLst>
               <a:ext uri="{FF2B5EF4-FFF2-40B4-BE49-F238E27FC236}">
-                <a16:creationId xmlns:a16="http://schemas.microsoft.com/office/drawing/2014/main" id="{7407A40B-BBDF-4CCC-A512-83CF774B7E26}"/>
+                <a16:creationId xmlns="" xmlns:a16="http://schemas.microsoft.com/office/drawing/2014/main" id="{7407A40B-BBDF-4CCC-A512-83CF774B7E26}"/>
               </a:ext>
             </a:extLst>
           </p:cNvPr>
@@ -14403,7 +14406,7 @@
           <p:cNvPr id="238" name="Connector: Elbow 237">
             <a:extLst>
               <a:ext uri="{FF2B5EF4-FFF2-40B4-BE49-F238E27FC236}">
-                <a16:creationId xmlns:a16="http://schemas.microsoft.com/office/drawing/2014/main" id="{1AC206A6-F883-42F2-9B9A-CA5D27E5BEEE}"/>
+                <a16:creationId xmlns="" xmlns:a16="http://schemas.microsoft.com/office/drawing/2014/main" id="{1AC206A6-F883-42F2-9B9A-CA5D27E5BEEE}"/>
               </a:ext>
             </a:extLst>
           </p:cNvPr>
@@ -14453,7 +14456,7 @@
           <p:cNvPr id="250" name="TextBox 249">
             <a:extLst>
               <a:ext uri="{FF2B5EF4-FFF2-40B4-BE49-F238E27FC236}">
-                <a16:creationId xmlns:a16="http://schemas.microsoft.com/office/drawing/2014/main" id="{E231729E-94AF-4392-9138-93C86B8CC185}"/>
+                <a16:creationId xmlns="" xmlns:a16="http://schemas.microsoft.com/office/drawing/2014/main" id="{E231729E-94AF-4392-9138-93C86B8CC185}"/>
               </a:ext>
             </a:extLst>
           </p:cNvPr>
@@ -14492,7 +14495,7 @@
           <p:cNvPr id="251" name="TextBox 250">
             <a:extLst>
               <a:ext uri="{FF2B5EF4-FFF2-40B4-BE49-F238E27FC236}">
-                <a16:creationId xmlns:a16="http://schemas.microsoft.com/office/drawing/2014/main" id="{4396EB3E-4D15-473C-B1D3-98AB606B69B7}"/>
+                <a16:creationId xmlns="" xmlns:a16="http://schemas.microsoft.com/office/drawing/2014/main" id="{4396EB3E-4D15-473C-B1D3-98AB606B69B7}"/>
               </a:ext>
             </a:extLst>
           </p:cNvPr>
@@ -14554,10 +14557,5644 @@
       </p:grpSpPr>
       <p:sp>
         <p:nvSpPr>
+          <p:cNvPr id="2" name="Rectangle 1">
+            <a:extLst>
+              <a:ext uri="{FF2B5EF4-FFF2-40B4-BE49-F238E27FC236}">
+                <a16:creationId xmlns="" xmlns:a16="http://schemas.microsoft.com/office/drawing/2014/main" id="{1752356F-8C8E-4A1D-A831-4C954F8BFBC4}"/>
+              </a:ext>
+            </a:extLst>
+          </p:cNvPr>
+          <p:cNvSpPr/>
+          <p:nvPr/>
+        </p:nvSpPr>
+        <p:spPr>
+          <a:xfrm>
+            <a:off x="997465" y="540250"/>
+            <a:ext cx="1905223" cy="431075"/>
+          </a:xfrm>
+          <a:prstGeom prst="rect">
+            <a:avLst/>
+          </a:prstGeom>
+          <a:noFill/>
+          <a:ln>
+            <a:solidFill>
+              <a:schemeClr val="accent2">
+                <a:lumMod val="75000"/>
+              </a:schemeClr>
+            </a:solidFill>
+          </a:ln>
+        </p:spPr>
+        <p:style>
+          <a:lnRef idx="2">
+            <a:schemeClr val="accent1">
+              <a:shade val="50000"/>
+            </a:schemeClr>
+          </a:lnRef>
+          <a:fillRef idx="1">
+            <a:schemeClr val="accent1"/>
+          </a:fillRef>
+          <a:effectRef idx="0">
+            <a:schemeClr val="accent1"/>
+          </a:effectRef>
+          <a:fontRef idx="minor">
+            <a:schemeClr val="lt1"/>
+          </a:fontRef>
+        </p:style>
+        <p:txBody>
+          <a:bodyPr rtlCol="0" anchor="ctr"/>
+          <a:lstStyle/>
+          <a:p>
+            <a:pPr algn="ctr"/>
+            <a:r>
+              <a:rPr lang="en-US" sz="1400" b="1" dirty="0">
+                <a:solidFill>
+                  <a:schemeClr val="tx1"/>
+                </a:solidFill>
+              </a:rPr>
+              <a:t>Administrator</a:t>
+            </a:r>
+          </a:p>
+        </p:txBody>
+      </p:sp>
+      <p:sp>
+        <p:nvSpPr>
+          <p:cNvPr id="3" name="Rectangle 2">
+            <a:extLst>
+              <a:ext uri="{FF2B5EF4-FFF2-40B4-BE49-F238E27FC236}">
+                <a16:creationId xmlns="" xmlns:a16="http://schemas.microsoft.com/office/drawing/2014/main" id="{D6997C42-1435-4A4A-AF00-CFE8799C50F8}"/>
+              </a:ext>
+            </a:extLst>
+          </p:cNvPr>
+          <p:cNvSpPr/>
+          <p:nvPr/>
+        </p:nvSpPr>
+        <p:spPr>
+          <a:xfrm>
+            <a:off x="997465" y="1010517"/>
+            <a:ext cx="1905223" cy="783765"/>
+          </a:xfrm>
+          <a:prstGeom prst="rect">
+            <a:avLst/>
+          </a:prstGeom>
+          <a:noFill/>
+          <a:ln>
+            <a:solidFill>
+              <a:schemeClr val="accent2">
+                <a:lumMod val="75000"/>
+              </a:schemeClr>
+            </a:solidFill>
+          </a:ln>
+        </p:spPr>
+        <p:style>
+          <a:lnRef idx="2">
+            <a:schemeClr val="accent1">
+              <a:shade val="50000"/>
+            </a:schemeClr>
+          </a:lnRef>
+          <a:fillRef idx="1">
+            <a:schemeClr val="accent1"/>
+          </a:fillRef>
+          <a:effectRef idx="0">
+            <a:schemeClr val="accent1"/>
+          </a:effectRef>
+          <a:fontRef idx="minor">
+            <a:schemeClr val="lt1"/>
+          </a:fontRef>
+        </p:style>
+        <p:txBody>
+          <a:bodyPr rtlCol="0" anchor="ctr"/>
+          <a:lstStyle/>
+          <a:p>
+            <a:pPr marL="342900" indent="-342900">
+              <a:buFont typeface="+mj-lt"/>
+              <a:buAutoNum type="arabicPeriod"/>
+            </a:pPr>
+            <a:r>
+              <a:rPr lang="en-US" sz="1400" dirty="0">
+                <a:solidFill>
+                  <a:schemeClr val="tx1"/>
+                </a:solidFill>
+              </a:rPr>
+              <a:t>ID: Integer</a:t>
+            </a:r>
+          </a:p>
+          <a:p>
+            <a:pPr marL="342900" indent="-342900">
+              <a:buFont typeface="+mj-lt"/>
+              <a:buAutoNum type="arabicPeriod"/>
+            </a:pPr>
+            <a:r>
+              <a:rPr lang="en-US" sz="1400" dirty="0">
+                <a:solidFill>
+                  <a:schemeClr val="tx1"/>
+                </a:solidFill>
+              </a:rPr>
+              <a:t>Name: String</a:t>
+            </a:r>
+          </a:p>
+        </p:txBody>
+      </p:sp>
+      <p:sp>
+        <p:nvSpPr>
+          <p:cNvPr id="4" name="Rectangle 3">
+            <a:extLst>
+              <a:ext uri="{FF2B5EF4-FFF2-40B4-BE49-F238E27FC236}">
+                <a16:creationId xmlns="" xmlns:a16="http://schemas.microsoft.com/office/drawing/2014/main" id="{9CC1C5C0-144B-466A-966B-316399B68337}"/>
+              </a:ext>
+            </a:extLst>
+          </p:cNvPr>
+          <p:cNvSpPr/>
+          <p:nvPr/>
+        </p:nvSpPr>
+        <p:spPr>
+          <a:xfrm>
+            <a:off x="997465" y="1820408"/>
+            <a:ext cx="1905223" cy="1640547"/>
+          </a:xfrm>
+          <a:prstGeom prst="rect">
+            <a:avLst/>
+          </a:prstGeom>
+          <a:noFill/>
+          <a:ln>
+            <a:solidFill>
+              <a:schemeClr val="accent2">
+                <a:lumMod val="75000"/>
+              </a:schemeClr>
+            </a:solidFill>
+          </a:ln>
+        </p:spPr>
+        <p:style>
+          <a:lnRef idx="2">
+            <a:schemeClr val="accent1">
+              <a:shade val="50000"/>
+            </a:schemeClr>
+          </a:lnRef>
+          <a:fillRef idx="1">
+            <a:schemeClr val="accent1"/>
+          </a:fillRef>
+          <a:effectRef idx="0">
+            <a:schemeClr val="accent1"/>
+          </a:effectRef>
+          <a:fontRef idx="minor">
+            <a:schemeClr val="lt1"/>
+          </a:fontRef>
+        </p:style>
+        <p:txBody>
+          <a:bodyPr rtlCol="0" anchor="ctr"/>
+          <a:lstStyle/>
+          <a:p>
+            <a:pPr marL="285750" indent="-285750">
+              <a:buFont typeface="Arial" panose="020B0604020202020204" pitchFamily="34" charset="0"/>
+              <a:buChar char="•"/>
+            </a:pPr>
+            <a:r>
+              <a:rPr lang="en-US" sz="1400" dirty="0">
+                <a:solidFill>
+                  <a:schemeClr val="tx1"/>
+                </a:solidFill>
+              </a:rPr>
+              <a:t>Add Device</a:t>
+            </a:r>
+          </a:p>
+          <a:p>
+            <a:pPr marL="285750" indent="-285750">
+              <a:buFont typeface="Arial" panose="020B0604020202020204" pitchFamily="34" charset="0"/>
+              <a:buChar char="•"/>
+            </a:pPr>
+            <a:r>
+              <a:rPr lang="en-US" sz="1400" dirty="0">
+                <a:solidFill>
+                  <a:schemeClr val="tx1"/>
+                </a:solidFill>
+              </a:rPr>
+              <a:t>Delete Device</a:t>
+            </a:r>
+          </a:p>
+          <a:p>
+            <a:pPr marL="285750" indent="-285750">
+              <a:buFont typeface="Arial" panose="020B0604020202020204" pitchFamily="34" charset="0"/>
+              <a:buChar char="•"/>
+            </a:pPr>
+            <a:r>
+              <a:rPr lang="en-US" sz="1400" dirty="0">
+                <a:solidFill>
+                  <a:schemeClr val="tx1"/>
+                </a:solidFill>
+              </a:rPr>
+              <a:t>Configure Alerts</a:t>
+            </a:r>
+          </a:p>
+          <a:p>
+            <a:pPr marL="285750" indent="-285750">
+              <a:buFont typeface="Arial" panose="020B0604020202020204" pitchFamily="34" charset="0"/>
+              <a:buChar char="•"/>
+            </a:pPr>
+            <a:r>
+              <a:rPr lang="en-US" sz="1400" dirty="0">
+                <a:solidFill>
+                  <a:schemeClr val="tx1"/>
+                </a:solidFill>
+              </a:rPr>
+              <a:t>Configure Contact Details</a:t>
+            </a:r>
+          </a:p>
+          <a:p>
+            <a:pPr marL="285750" indent="-285750">
+              <a:buFont typeface="Arial" panose="020B0604020202020204" pitchFamily="34" charset="0"/>
+              <a:buChar char="•"/>
+            </a:pPr>
+            <a:r>
+              <a:rPr lang="en-US" sz="1400" dirty="0">
+                <a:solidFill>
+                  <a:schemeClr val="tx1"/>
+                </a:solidFill>
+              </a:rPr>
+              <a:t>Take Access to Devices</a:t>
+            </a:r>
+          </a:p>
+        </p:txBody>
+      </p:sp>
+      <p:cxnSp>
+        <p:nvCxnSpPr>
+          <p:cNvPr id="5" name="Straight Connector 4">
+            <a:extLst>
+              <a:ext uri="{FF2B5EF4-FFF2-40B4-BE49-F238E27FC236}">
+                <a16:creationId xmlns="" xmlns:a16="http://schemas.microsoft.com/office/drawing/2014/main" id="{AA3F5828-FBC9-4AE0-81A0-0372C7F6480A}"/>
+              </a:ext>
+            </a:extLst>
+          </p:cNvPr>
+          <p:cNvCxnSpPr>
+            <a:cxnSpLocks/>
+          </p:cNvCxnSpPr>
+          <p:nvPr/>
+        </p:nvCxnSpPr>
+        <p:spPr>
+          <a:xfrm flipV="1">
+            <a:off x="997465" y="971325"/>
+            <a:ext cx="1905223" cy="2"/>
+          </a:xfrm>
+          <a:prstGeom prst="line">
+            <a:avLst/>
+          </a:prstGeom>
+          <a:ln w="101600">
+            <a:solidFill>
+              <a:schemeClr val="accent2">
+                <a:lumMod val="75000"/>
+              </a:schemeClr>
+            </a:solidFill>
+          </a:ln>
+        </p:spPr>
+        <p:style>
+          <a:lnRef idx="1">
+            <a:schemeClr val="accent1"/>
+          </a:lnRef>
+          <a:fillRef idx="0">
+            <a:schemeClr val="accent1"/>
+          </a:fillRef>
+          <a:effectRef idx="0">
+            <a:schemeClr val="accent1"/>
+          </a:effectRef>
+          <a:fontRef idx="minor">
+            <a:schemeClr val="tx1"/>
+          </a:fontRef>
+        </p:style>
+      </p:cxnSp>
+      <p:cxnSp>
+        <p:nvCxnSpPr>
+          <p:cNvPr id="6" name="Straight Connector 5">
+            <a:extLst>
+              <a:ext uri="{FF2B5EF4-FFF2-40B4-BE49-F238E27FC236}">
+                <a16:creationId xmlns="" xmlns:a16="http://schemas.microsoft.com/office/drawing/2014/main" id="{AD4EEB2D-D946-4D70-81C5-6806EDC69770}"/>
+              </a:ext>
+            </a:extLst>
+          </p:cNvPr>
+          <p:cNvCxnSpPr>
+            <a:cxnSpLocks/>
+          </p:cNvCxnSpPr>
+          <p:nvPr/>
+        </p:nvCxnSpPr>
+        <p:spPr>
+          <a:xfrm>
+            <a:off x="997465" y="1794282"/>
+            <a:ext cx="1905223" cy="0"/>
+          </a:xfrm>
+          <a:prstGeom prst="line">
+            <a:avLst/>
+          </a:prstGeom>
+          <a:ln w="101600">
+            <a:solidFill>
+              <a:schemeClr val="accent2">
+                <a:lumMod val="75000"/>
+              </a:schemeClr>
+            </a:solidFill>
+          </a:ln>
+        </p:spPr>
+        <p:style>
+          <a:lnRef idx="1">
+            <a:schemeClr val="accent1"/>
+          </a:lnRef>
+          <a:fillRef idx="0">
+            <a:schemeClr val="accent1"/>
+          </a:fillRef>
+          <a:effectRef idx="0">
+            <a:schemeClr val="accent1"/>
+          </a:effectRef>
+          <a:fontRef idx="minor">
+            <a:schemeClr val="tx1"/>
+          </a:fontRef>
+        </p:style>
+      </p:cxnSp>
+      <p:sp>
+        <p:nvSpPr>
+          <p:cNvPr id="7" name="Rectangle 6">
+            <a:extLst>
+              <a:ext uri="{FF2B5EF4-FFF2-40B4-BE49-F238E27FC236}">
+                <a16:creationId xmlns="" xmlns:a16="http://schemas.microsoft.com/office/drawing/2014/main" id="{932F75E9-AF0A-4DDD-9DD7-D7C0BED296F4}"/>
+              </a:ext>
+            </a:extLst>
+          </p:cNvPr>
+          <p:cNvSpPr/>
+          <p:nvPr/>
+        </p:nvSpPr>
+        <p:spPr>
+          <a:xfrm>
+            <a:off x="6745013" y="109175"/>
+            <a:ext cx="1905223" cy="431075"/>
+          </a:xfrm>
+          <a:prstGeom prst="rect">
+            <a:avLst/>
+          </a:prstGeom>
+          <a:noFill/>
+          <a:ln>
+            <a:solidFill>
+              <a:schemeClr val="accent2">
+                <a:lumMod val="75000"/>
+              </a:schemeClr>
+            </a:solidFill>
+          </a:ln>
+        </p:spPr>
+        <p:style>
+          <a:lnRef idx="2">
+            <a:schemeClr val="accent1">
+              <a:shade val="50000"/>
+            </a:schemeClr>
+          </a:lnRef>
+          <a:fillRef idx="1">
+            <a:schemeClr val="accent1"/>
+          </a:fillRef>
+          <a:effectRef idx="0">
+            <a:schemeClr val="accent1"/>
+          </a:effectRef>
+          <a:fontRef idx="minor">
+            <a:schemeClr val="lt1"/>
+          </a:fontRef>
+        </p:style>
+        <p:txBody>
+          <a:bodyPr rtlCol="0" anchor="ctr"/>
+          <a:lstStyle/>
+          <a:p>
+            <a:pPr algn="ctr"/>
+            <a:r>
+              <a:rPr lang="en-US" sz="1400" b="1" dirty="0">
+                <a:solidFill>
+                  <a:schemeClr val="tx1"/>
+                </a:solidFill>
+              </a:rPr>
+              <a:t>Devices</a:t>
+            </a:r>
+          </a:p>
+        </p:txBody>
+      </p:sp>
+      <p:sp>
+        <p:nvSpPr>
+          <p:cNvPr id="8" name="Rectangle 7">
+            <a:extLst>
+              <a:ext uri="{FF2B5EF4-FFF2-40B4-BE49-F238E27FC236}">
+                <a16:creationId xmlns="" xmlns:a16="http://schemas.microsoft.com/office/drawing/2014/main" id="{113C6502-D99D-4B99-B674-71E29C5F10B5}"/>
+              </a:ext>
+            </a:extLst>
+          </p:cNvPr>
+          <p:cNvSpPr/>
+          <p:nvPr/>
+        </p:nvSpPr>
+        <p:spPr>
+          <a:xfrm>
+            <a:off x="6745013" y="592507"/>
+            <a:ext cx="1905223" cy="822949"/>
+          </a:xfrm>
+          <a:prstGeom prst="rect">
+            <a:avLst/>
+          </a:prstGeom>
+          <a:noFill/>
+          <a:ln>
+            <a:solidFill>
+              <a:schemeClr val="accent2">
+                <a:lumMod val="75000"/>
+              </a:schemeClr>
+            </a:solidFill>
+          </a:ln>
+        </p:spPr>
+        <p:style>
+          <a:lnRef idx="2">
+            <a:schemeClr val="accent1">
+              <a:shade val="50000"/>
+            </a:schemeClr>
+          </a:lnRef>
+          <a:fillRef idx="1">
+            <a:schemeClr val="accent1"/>
+          </a:fillRef>
+          <a:effectRef idx="0">
+            <a:schemeClr val="accent1"/>
+          </a:effectRef>
+          <a:fontRef idx="minor">
+            <a:schemeClr val="lt1"/>
+          </a:fontRef>
+        </p:style>
+        <p:txBody>
+          <a:bodyPr rtlCol="0" anchor="ctr"/>
+          <a:lstStyle/>
+          <a:p>
+            <a:endParaRPr lang="en-US" sz="1400" dirty="0">
+              <a:solidFill>
+                <a:schemeClr val="tx1"/>
+              </a:solidFill>
+            </a:endParaRPr>
+          </a:p>
+          <a:p>
+            <a:pPr marL="342900" indent="-342900">
+              <a:buFont typeface="+mj-lt"/>
+              <a:buAutoNum type="arabicPeriod"/>
+            </a:pPr>
+            <a:r>
+              <a:rPr lang="en-US" sz="1400" dirty="0">
+                <a:solidFill>
+                  <a:schemeClr val="tx1"/>
+                </a:solidFill>
+              </a:rPr>
+              <a:t>Name: String</a:t>
+            </a:r>
+          </a:p>
+          <a:p>
+            <a:pPr marL="342900" indent="-342900">
+              <a:buFont typeface="+mj-lt"/>
+              <a:buAutoNum type="arabicPeriod"/>
+            </a:pPr>
+            <a:r>
+              <a:rPr lang="en-US" sz="1400" dirty="0">
+                <a:solidFill>
+                  <a:schemeClr val="tx1"/>
+                </a:solidFill>
+              </a:rPr>
+              <a:t>IP Address: String</a:t>
+            </a:r>
+          </a:p>
+        </p:txBody>
+      </p:sp>
+      <p:sp>
+        <p:nvSpPr>
+          <p:cNvPr id="9" name="Rectangle 8">
+            <a:extLst>
+              <a:ext uri="{FF2B5EF4-FFF2-40B4-BE49-F238E27FC236}">
+                <a16:creationId xmlns="" xmlns:a16="http://schemas.microsoft.com/office/drawing/2014/main" id="{2E3EB133-0B4C-4668-BE93-6B06A1751E2C}"/>
+              </a:ext>
+            </a:extLst>
+          </p:cNvPr>
+          <p:cNvSpPr/>
+          <p:nvPr/>
+        </p:nvSpPr>
+        <p:spPr>
+          <a:xfrm>
+            <a:off x="6745013" y="1467707"/>
+            <a:ext cx="1905223" cy="2391852"/>
+          </a:xfrm>
+          <a:prstGeom prst="rect">
+            <a:avLst/>
+          </a:prstGeom>
+          <a:noFill/>
+          <a:ln>
+            <a:solidFill>
+              <a:schemeClr val="accent2">
+                <a:lumMod val="75000"/>
+              </a:schemeClr>
+            </a:solidFill>
+          </a:ln>
+        </p:spPr>
+        <p:style>
+          <a:lnRef idx="2">
+            <a:schemeClr val="accent1">
+              <a:shade val="50000"/>
+            </a:schemeClr>
+          </a:lnRef>
+          <a:fillRef idx="1">
+            <a:schemeClr val="accent1"/>
+          </a:fillRef>
+          <a:effectRef idx="0">
+            <a:schemeClr val="accent1"/>
+          </a:effectRef>
+          <a:fontRef idx="minor">
+            <a:schemeClr val="lt1"/>
+          </a:fontRef>
+        </p:style>
+        <p:txBody>
+          <a:bodyPr rtlCol="0" anchor="ctr"/>
+          <a:lstStyle/>
+          <a:p>
+            <a:pPr marL="285750" indent="-285750">
+              <a:buFont typeface="Arial" panose="020B0604020202020204" pitchFamily="34" charset="0"/>
+              <a:buChar char="•"/>
+            </a:pPr>
+            <a:r>
+              <a:rPr lang="en-US" sz="1400" dirty="0">
+                <a:solidFill>
+                  <a:schemeClr val="tx1"/>
+                </a:solidFill>
+              </a:rPr>
+              <a:t>IP Address</a:t>
+            </a:r>
+          </a:p>
+          <a:p>
+            <a:pPr marL="285750" indent="-285750">
+              <a:buFont typeface="Arial" panose="020B0604020202020204" pitchFamily="34" charset="0"/>
+              <a:buChar char="•"/>
+            </a:pPr>
+            <a:r>
+              <a:rPr lang="en-US" sz="1400" dirty="0">
+                <a:solidFill>
+                  <a:schemeClr val="tx1"/>
+                </a:solidFill>
+              </a:rPr>
+              <a:t>MAC Address</a:t>
+            </a:r>
+          </a:p>
+          <a:p>
+            <a:pPr marL="285750" indent="-285750">
+              <a:buFont typeface="Arial" panose="020B0604020202020204" pitchFamily="34" charset="0"/>
+              <a:buChar char="•"/>
+            </a:pPr>
+            <a:r>
+              <a:rPr lang="en-US" sz="1400" dirty="0">
+                <a:solidFill>
+                  <a:schemeClr val="tx1"/>
+                </a:solidFill>
+              </a:rPr>
+              <a:t>Device ID</a:t>
+            </a:r>
+          </a:p>
+          <a:p>
+            <a:pPr marL="285750" indent="-285750">
+              <a:buFont typeface="Arial" panose="020B0604020202020204" pitchFamily="34" charset="0"/>
+              <a:buChar char="•"/>
+            </a:pPr>
+            <a:r>
+              <a:rPr lang="en-US" sz="1400" dirty="0">
+                <a:solidFill>
+                  <a:schemeClr val="tx1"/>
+                </a:solidFill>
+              </a:rPr>
+              <a:t>Device Type</a:t>
+            </a:r>
+          </a:p>
+          <a:p>
+            <a:pPr marL="285750" indent="-285750">
+              <a:buFont typeface="Arial" panose="020B0604020202020204" pitchFamily="34" charset="0"/>
+              <a:buChar char="•"/>
+            </a:pPr>
+            <a:r>
+              <a:rPr lang="en-US" sz="1400" dirty="0">
+                <a:solidFill>
+                  <a:schemeClr val="tx1"/>
+                </a:solidFill>
+              </a:rPr>
+              <a:t>Firmware Version</a:t>
+            </a:r>
+          </a:p>
+          <a:p>
+            <a:pPr marL="285750" indent="-285750">
+              <a:buFont typeface="Arial" panose="020B0604020202020204" pitchFamily="34" charset="0"/>
+              <a:buChar char="•"/>
+            </a:pPr>
+            <a:r>
+              <a:rPr lang="en-US" sz="1400" dirty="0" smtClean="0">
+                <a:solidFill>
+                  <a:schemeClr val="tx1"/>
+                </a:solidFill>
+              </a:rPr>
+              <a:t>Reachability</a:t>
+            </a:r>
+            <a:endParaRPr lang="en-US" sz="1400" dirty="0">
+              <a:solidFill>
+                <a:schemeClr val="tx1"/>
+              </a:solidFill>
+            </a:endParaRPr>
+          </a:p>
+          <a:p>
+            <a:pPr marL="285750" indent="-285750">
+              <a:buFont typeface="Arial" panose="020B0604020202020204" pitchFamily="34" charset="0"/>
+              <a:buChar char="•"/>
+            </a:pPr>
+            <a:r>
+              <a:rPr lang="en-US" sz="1400" dirty="0">
+                <a:solidFill>
+                  <a:schemeClr val="tx1"/>
+                </a:solidFill>
+              </a:rPr>
+              <a:t>Bandwidth</a:t>
+            </a:r>
+          </a:p>
+          <a:p>
+            <a:pPr marL="285750" indent="-285750">
+              <a:buFont typeface="Arial" panose="020B0604020202020204" pitchFamily="34" charset="0"/>
+              <a:buChar char="•"/>
+            </a:pPr>
+            <a:r>
+              <a:rPr lang="en-US" sz="1400" dirty="0">
+                <a:solidFill>
+                  <a:schemeClr val="tx1"/>
+                </a:solidFill>
+              </a:rPr>
+              <a:t>Latency</a:t>
+            </a:r>
+          </a:p>
+          <a:p>
+            <a:pPr marL="285750" indent="-285750">
+              <a:buFont typeface="Arial" panose="020B0604020202020204" pitchFamily="34" charset="0"/>
+              <a:buChar char="•"/>
+            </a:pPr>
+            <a:r>
+              <a:rPr lang="en-US" sz="1400" dirty="0">
+                <a:solidFill>
+                  <a:schemeClr val="tx1"/>
+                </a:solidFill>
+              </a:rPr>
+              <a:t>Uptime</a:t>
+            </a:r>
+          </a:p>
+          <a:p>
+            <a:pPr marL="285750" indent="-285750">
+              <a:buFont typeface="Arial" panose="020B0604020202020204" pitchFamily="34" charset="0"/>
+              <a:buChar char="•"/>
+            </a:pPr>
+            <a:r>
+              <a:rPr lang="en-US" sz="1400" dirty="0">
+                <a:solidFill>
+                  <a:schemeClr val="tx1"/>
+                </a:solidFill>
+              </a:rPr>
+              <a:t>Traffic Statistics</a:t>
+            </a:r>
+          </a:p>
+        </p:txBody>
+      </p:sp>
+      <p:cxnSp>
+        <p:nvCxnSpPr>
+          <p:cNvPr id="10" name="Straight Connector 9">
+            <a:extLst>
+              <a:ext uri="{FF2B5EF4-FFF2-40B4-BE49-F238E27FC236}">
+                <a16:creationId xmlns="" xmlns:a16="http://schemas.microsoft.com/office/drawing/2014/main" id="{A267A6C8-0ACE-45E0-82C6-C0AA93900FD5}"/>
+              </a:ext>
+            </a:extLst>
+          </p:cNvPr>
+          <p:cNvCxnSpPr>
+            <a:cxnSpLocks/>
+          </p:cNvCxnSpPr>
+          <p:nvPr/>
+        </p:nvCxnSpPr>
+        <p:spPr>
+          <a:xfrm>
+            <a:off x="6745013" y="553314"/>
+            <a:ext cx="1905223" cy="0"/>
+          </a:xfrm>
+          <a:prstGeom prst="line">
+            <a:avLst/>
+          </a:prstGeom>
+          <a:ln w="101600">
+            <a:solidFill>
+              <a:schemeClr val="accent2">
+                <a:lumMod val="75000"/>
+              </a:schemeClr>
+            </a:solidFill>
+          </a:ln>
+        </p:spPr>
+        <p:style>
+          <a:lnRef idx="1">
+            <a:schemeClr val="accent1"/>
+          </a:lnRef>
+          <a:fillRef idx="0">
+            <a:schemeClr val="accent1"/>
+          </a:fillRef>
+          <a:effectRef idx="0">
+            <a:schemeClr val="accent1"/>
+          </a:effectRef>
+          <a:fontRef idx="minor">
+            <a:schemeClr val="tx1"/>
+          </a:fontRef>
+        </p:style>
+      </p:cxnSp>
+      <p:cxnSp>
+        <p:nvCxnSpPr>
+          <p:cNvPr id="11" name="Straight Connector 10">
+            <a:extLst>
+              <a:ext uri="{FF2B5EF4-FFF2-40B4-BE49-F238E27FC236}">
+                <a16:creationId xmlns="" xmlns:a16="http://schemas.microsoft.com/office/drawing/2014/main" id="{8C4472C0-881F-4AB2-83EC-8966652767DF}"/>
+              </a:ext>
+            </a:extLst>
+          </p:cNvPr>
+          <p:cNvCxnSpPr>
+            <a:cxnSpLocks/>
+          </p:cNvCxnSpPr>
+          <p:nvPr/>
+        </p:nvCxnSpPr>
+        <p:spPr>
+          <a:xfrm>
+            <a:off x="6745013" y="1441581"/>
+            <a:ext cx="1905223" cy="0"/>
+          </a:xfrm>
+          <a:prstGeom prst="line">
+            <a:avLst/>
+          </a:prstGeom>
+          <a:ln w="101600">
+            <a:solidFill>
+              <a:schemeClr val="accent2">
+                <a:lumMod val="75000"/>
+              </a:schemeClr>
+            </a:solidFill>
+          </a:ln>
+        </p:spPr>
+        <p:style>
+          <a:lnRef idx="1">
+            <a:schemeClr val="accent1"/>
+          </a:lnRef>
+          <a:fillRef idx="0">
+            <a:schemeClr val="accent1"/>
+          </a:fillRef>
+          <a:effectRef idx="0">
+            <a:schemeClr val="accent1"/>
+          </a:effectRef>
+          <a:fontRef idx="minor">
+            <a:schemeClr val="tx1"/>
+          </a:fontRef>
+        </p:style>
+      </p:cxnSp>
+      <p:sp>
+        <p:nvSpPr>
+          <p:cNvPr id="12" name="Rectangle 11">
+            <a:extLst>
+              <a:ext uri="{FF2B5EF4-FFF2-40B4-BE49-F238E27FC236}">
+                <a16:creationId xmlns="" xmlns:a16="http://schemas.microsoft.com/office/drawing/2014/main" id="{971E23BB-B9CB-4973-8B0E-B14948268709}"/>
+              </a:ext>
+            </a:extLst>
+          </p:cNvPr>
+          <p:cNvSpPr/>
+          <p:nvPr/>
+        </p:nvSpPr>
+        <p:spPr>
+          <a:xfrm>
+            <a:off x="3149454" y="6969305"/>
+            <a:ext cx="1905223" cy="431075"/>
+          </a:xfrm>
+          <a:prstGeom prst="rect">
+            <a:avLst/>
+          </a:prstGeom>
+          <a:noFill/>
+          <a:ln>
+            <a:solidFill>
+              <a:schemeClr val="accent2">
+                <a:lumMod val="75000"/>
+              </a:schemeClr>
+            </a:solidFill>
+          </a:ln>
+        </p:spPr>
+        <p:style>
+          <a:lnRef idx="2">
+            <a:schemeClr val="accent1">
+              <a:shade val="50000"/>
+            </a:schemeClr>
+          </a:lnRef>
+          <a:fillRef idx="1">
+            <a:schemeClr val="accent1"/>
+          </a:fillRef>
+          <a:effectRef idx="0">
+            <a:schemeClr val="accent1"/>
+          </a:effectRef>
+          <a:fontRef idx="minor">
+            <a:schemeClr val="lt1"/>
+          </a:fontRef>
+        </p:style>
+        <p:txBody>
+          <a:bodyPr rtlCol="0" anchor="ctr"/>
+          <a:lstStyle/>
+          <a:p>
+            <a:pPr algn="ctr"/>
+            <a:r>
+              <a:rPr lang="en-US" sz="1400" b="1" dirty="0">
+                <a:solidFill>
+                  <a:schemeClr val="tx1"/>
+                </a:solidFill>
+              </a:rPr>
+              <a:t>ICMP Monitoring</a:t>
+            </a:r>
+          </a:p>
+        </p:txBody>
+      </p:sp>
+      <p:sp>
+        <p:nvSpPr>
+          <p:cNvPr id="13" name="Rectangle 12">
+            <a:extLst>
+              <a:ext uri="{FF2B5EF4-FFF2-40B4-BE49-F238E27FC236}">
+                <a16:creationId xmlns="" xmlns:a16="http://schemas.microsoft.com/office/drawing/2014/main" id="{1A177BFF-BA50-43AA-8A97-B5FD219B61EA}"/>
+              </a:ext>
+            </a:extLst>
+          </p:cNvPr>
+          <p:cNvSpPr/>
+          <p:nvPr/>
+        </p:nvSpPr>
+        <p:spPr>
+          <a:xfrm>
+            <a:off x="3149454" y="7439572"/>
+            <a:ext cx="1905223" cy="783765"/>
+          </a:xfrm>
+          <a:prstGeom prst="rect">
+            <a:avLst/>
+          </a:prstGeom>
+          <a:noFill/>
+          <a:ln>
+            <a:solidFill>
+              <a:schemeClr val="accent2">
+                <a:lumMod val="75000"/>
+              </a:schemeClr>
+            </a:solidFill>
+          </a:ln>
+        </p:spPr>
+        <p:style>
+          <a:lnRef idx="2">
+            <a:schemeClr val="accent1">
+              <a:shade val="50000"/>
+            </a:schemeClr>
+          </a:lnRef>
+          <a:fillRef idx="1">
+            <a:schemeClr val="accent1"/>
+          </a:fillRef>
+          <a:effectRef idx="0">
+            <a:schemeClr val="accent1"/>
+          </a:effectRef>
+          <a:fontRef idx="minor">
+            <a:schemeClr val="lt1"/>
+          </a:fontRef>
+        </p:style>
+        <p:txBody>
+          <a:bodyPr rtlCol="0" anchor="ctr"/>
+          <a:lstStyle/>
+          <a:p>
+            <a:pPr marL="342900" indent="-342900">
+              <a:buFont typeface="+mj-lt"/>
+              <a:buAutoNum type="arabicPeriod"/>
+            </a:pPr>
+            <a:r>
+              <a:rPr lang="en-US" sz="1400" dirty="0">
+                <a:solidFill>
+                  <a:schemeClr val="tx1"/>
+                </a:solidFill>
+              </a:rPr>
+              <a:t>Socket ID</a:t>
+            </a:r>
+          </a:p>
+          <a:p>
+            <a:pPr marL="342900" indent="-342900">
+              <a:buFont typeface="+mj-lt"/>
+              <a:buAutoNum type="arabicPeriod"/>
+            </a:pPr>
+            <a:r>
+              <a:rPr lang="en-US" sz="1400" dirty="0">
+                <a:solidFill>
+                  <a:schemeClr val="tx1"/>
+                </a:solidFill>
+              </a:rPr>
+              <a:t>Send Request</a:t>
+            </a:r>
+          </a:p>
+        </p:txBody>
+      </p:sp>
+      <p:sp>
+        <p:nvSpPr>
+          <p:cNvPr id="14" name="Rectangle 13">
+            <a:extLst>
+              <a:ext uri="{FF2B5EF4-FFF2-40B4-BE49-F238E27FC236}">
+                <a16:creationId xmlns="" xmlns:a16="http://schemas.microsoft.com/office/drawing/2014/main" id="{E4DF55D0-435E-46A6-887D-858319D6DE83}"/>
+              </a:ext>
+            </a:extLst>
+          </p:cNvPr>
+          <p:cNvSpPr/>
+          <p:nvPr/>
+        </p:nvSpPr>
+        <p:spPr>
+          <a:xfrm>
+            <a:off x="3149454" y="8249464"/>
+            <a:ext cx="1905223" cy="326566"/>
+          </a:xfrm>
+          <a:prstGeom prst="rect">
+            <a:avLst/>
+          </a:prstGeom>
+          <a:noFill/>
+          <a:ln>
+            <a:solidFill>
+              <a:schemeClr val="accent2">
+                <a:lumMod val="75000"/>
+              </a:schemeClr>
+            </a:solidFill>
+          </a:ln>
+        </p:spPr>
+        <p:style>
+          <a:lnRef idx="2">
+            <a:schemeClr val="accent1">
+              <a:shade val="50000"/>
+            </a:schemeClr>
+          </a:lnRef>
+          <a:fillRef idx="1">
+            <a:schemeClr val="accent1"/>
+          </a:fillRef>
+          <a:effectRef idx="0">
+            <a:schemeClr val="accent1"/>
+          </a:effectRef>
+          <a:fontRef idx="minor">
+            <a:schemeClr val="lt1"/>
+          </a:fontRef>
+        </p:style>
+        <p:txBody>
+          <a:bodyPr rtlCol="0" anchor="ctr"/>
+          <a:lstStyle/>
+          <a:p>
+            <a:pPr marL="285750" indent="-285750">
+              <a:buFont typeface="Arial" panose="020B0604020202020204" pitchFamily="34" charset="0"/>
+              <a:buChar char="•"/>
+            </a:pPr>
+            <a:r>
+              <a:rPr lang="en-US" sz="1400" dirty="0">
+                <a:solidFill>
+                  <a:schemeClr val="tx1"/>
+                </a:solidFill>
+              </a:rPr>
+              <a:t>Reachability</a:t>
+            </a:r>
+          </a:p>
+        </p:txBody>
+      </p:sp>
+      <p:cxnSp>
+        <p:nvCxnSpPr>
+          <p:cNvPr id="15" name="Straight Connector 14">
+            <a:extLst>
+              <a:ext uri="{FF2B5EF4-FFF2-40B4-BE49-F238E27FC236}">
+                <a16:creationId xmlns="" xmlns:a16="http://schemas.microsoft.com/office/drawing/2014/main" id="{24D345A0-50F8-4776-B886-157B590DD531}"/>
+              </a:ext>
+            </a:extLst>
+          </p:cNvPr>
+          <p:cNvCxnSpPr>
+            <a:cxnSpLocks/>
+          </p:cNvCxnSpPr>
+          <p:nvPr/>
+        </p:nvCxnSpPr>
+        <p:spPr>
+          <a:xfrm>
+            <a:off x="3149454" y="7400379"/>
+            <a:ext cx="1905223" cy="0"/>
+          </a:xfrm>
+          <a:prstGeom prst="line">
+            <a:avLst/>
+          </a:prstGeom>
+          <a:ln w="101600">
+            <a:solidFill>
+              <a:schemeClr val="accent2">
+                <a:lumMod val="75000"/>
+              </a:schemeClr>
+            </a:solidFill>
+          </a:ln>
+        </p:spPr>
+        <p:style>
+          <a:lnRef idx="1">
+            <a:schemeClr val="accent1"/>
+          </a:lnRef>
+          <a:fillRef idx="0">
+            <a:schemeClr val="accent1"/>
+          </a:fillRef>
+          <a:effectRef idx="0">
+            <a:schemeClr val="accent1"/>
+          </a:effectRef>
+          <a:fontRef idx="minor">
+            <a:schemeClr val="tx1"/>
+          </a:fontRef>
+        </p:style>
+      </p:cxnSp>
+      <p:cxnSp>
+        <p:nvCxnSpPr>
+          <p:cNvPr id="16" name="Straight Connector 15">
+            <a:extLst>
+              <a:ext uri="{FF2B5EF4-FFF2-40B4-BE49-F238E27FC236}">
+                <a16:creationId xmlns="" xmlns:a16="http://schemas.microsoft.com/office/drawing/2014/main" id="{5C99EE0B-F264-49E6-8519-1136FB92653A}"/>
+              </a:ext>
+            </a:extLst>
+          </p:cNvPr>
+          <p:cNvCxnSpPr>
+            <a:cxnSpLocks/>
+          </p:cNvCxnSpPr>
+          <p:nvPr/>
+        </p:nvCxnSpPr>
+        <p:spPr>
+          <a:xfrm>
+            <a:off x="3149454" y="8223336"/>
+            <a:ext cx="1905223" cy="0"/>
+          </a:xfrm>
+          <a:prstGeom prst="line">
+            <a:avLst/>
+          </a:prstGeom>
+          <a:ln w="101600">
+            <a:solidFill>
+              <a:schemeClr val="accent2">
+                <a:lumMod val="75000"/>
+              </a:schemeClr>
+            </a:solidFill>
+          </a:ln>
+        </p:spPr>
+        <p:style>
+          <a:lnRef idx="1">
+            <a:schemeClr val="accent1"/>
+          </a:lnRef>
+          <a:fillRef idx="0">
+            <a:schemeClr val="accent1"/>
+          </a:fillRef>
+          <a:effectRef idx="0">
+            <a:schemeClr val="accent1"/>
+          </a:effectRef>
+          <a:fontRef idx="minor">
+            <a:schemeClr val="tx1"/>
+          </a:fontRef>
+        </p:style>
+      </p:cxnSp>
+      <p:sp>
+        <p:nvSpPr>
+          <p:cNvPr id="17" name="Rectangle 16">
+            <a:extLst>
+              <a:ext uri="{FF2B5EF4-FFF2-40B4-BE49-F238E27FC236}">
+                <a16:creationId xmlns="" xmlns:a16="http://schemas.microsoft.com/office/drawing/2014/main" id="{03547A26-B4B5-479D-9203-D502CDE04AE6}"/>
+              </a:ext>
+            </a:extLst>
+          </p:cNvPr>
+          <p:cNvSpPr/>
+          <p:nvPr/>
+        </p:nvSpPr>
+        <p:spPr>
+          <a:xfrm>
+            <a:off x="3345907" y="3363466"/>
+            <a:ext cx="1905223" cy="431075"/>
+          </a:xfrm>
+          <a:prstGeom prst="rect">
+            <a:avLst/>
+          </a:prstGeom>
+          <a:noFill/>
+          <a:ln>
+            <a:solidFill>
+              <a:schemeClr val="accent2">
+                <a:lumMod val="75000"/>
+              </a:schemeClr>
+            </a:solidFill>
+          </a:ln>
+        </p:spPr>
+        <p:style>
+          <a:lnRef idx="2">
+            <a:schemeClr val="accent1">
+              <a:shade val="50000"/>
+            </a:schemeClr>
+          </a:lnRef>
+          <a:fillRef idx="1">
+            <a:schemeClr val="accent1"/>
+          </a:fillRef>
+          <a:effectRef idx="0">
+            <a:schemeClr val="accent1"/>
+          </a:effectRef>
+          <a:fontRef idx="minor">
+            <a:schemeClr val="lt1"/>
+          </a:fontRef>
+        </p:style>
+        <p:txBody>
+          <a:bodyPr rtlCol="0" anchor="ctr"/>
+          <a:lstStyle/>
+          <a:p>
+            <a:pPr algn="ctr"/>
+            <a:r>
+              <a:rPr lang="en-US" sz="1400" b="1" dirty="0">
+                <a:solidFill>
+                  <a:schemeClr val="tx1"/>
+                </a:solidFill>
+              </a:rPr>
+              <a:t>Alerts</a:t>
+            </a:r>
+          </a:p>
+        </p:txBody>
+      </p:sp>
+      <p:sp>
+        <p:nvSpPr>
+          <p:cNvPr id="18" name="Rectangle 17">
+            <a:extLst>
+              <a:ext uri="{FF2B5EF4-FFF2-40B4-BE49-F238E27FC236}">
+                <a16:creationId xmlns="" xmlns:a16="http://schemas.microsoft.com/office/drawing/2014/main" id="{94071722-4914-41C3-8E9D-3A50AA90A718}"/>
+              </a:ext>
+            </a:extLst>
+          </p:cNvPr>
+          <p:cNvSpPr/>
+          <p:nvPr/>
+        </p:nvSpPr>
+        <p:spPr>
+          <a:xfrm>
+            <a:off x="3345907" y="3833733"/>
+            <a:ext cx="1905223" cy="892155"/>
+          </a:xfrm>
+          <a:prstGeom prst="rect">
+            <a:avLst/>
+          </a:prstGeom>
+          <a:noFill/>
+          <a:ln>
+            <a:solidFill>
+              <a:schemeClr val="accent2">
+                <a:lumMod val="75000"/>
+              </a:schemeClr>
+            </a:solidFill>
+          </a:ln>
+        </p:spPr>
+        <p:style>
+          <a:lnRef idx="2">
+            <a:schemeClr val="accent1">
+              <a:shade val="50000"/>
+            </a:schemeClr>
+          </a:lnRef>
+          <a:fillRef idx="1">
+            <a:schemeClr val="accent1"/>
+          </a:fillRef>
+          <a:effectRef idx="0">
+            <a:schemeClr val="accent1"/>
+          </a:effectRef>
+          <a:fontRef idx="minor">
+            <a:schemeClr val="lt1"/>
+          </a:fontRef>
+        </p:style>
+        <p:txBody>
+          <a:bodyPr rtlCol="0" anchor="ctr"/>
+          <a:lstStyle/>
+          <a:p>
+            <a:pPr marL="342900" indent="-342900">
+              <a:buFont typeface="+mj-lt"/>
+              <a:buAutoNum type="arabicPeriod"/>
+            </a:pPr>
+            <a:r>
+              <a:rPr lang="en-US" sz="1400" dirty="0">
+                <a:solidFill>
+                  <a:schemeClr val="tx1"/>
+                </a:solidFill>
+              </a:rPr>
+              <a:t>Start Time: Timestamp</a:t>
+            </a:r>
+          </a:p>
+          <a:p>
+            <a:pPr marL="342900" indent="-342900">
+              <a:buFont typeface="+mj-lt"/>
+              <a:buAutoNum type="arabicPeriod"/>
+            </a:pPr>
+            <a:r>
+              <a:rPr lang="en-US" sz="1400" dirty="0">
+                <a:solidFill>
+                  <a:schemeClr val="tx1"/>
+                </a:solidFill>
+              </a:rPr>
+              <a:t>End Time: Timestamp</a:t>
+            </a:r>
+          </a:p>
+        </p:txBody>
+      </p:sp>
+      <p:sp>
+        <p:nvSpPr>
+          <p:cNvPr id="19" name="Rectangle 18">
+            <a:extLst>
+              <a:ext uri="{FF2B5EF4-FFF2-40B4-BE49-F238E27FC236}">
+                <a16:creationId xmlns="" xmlns:a16="http://schemas.microsoft.com/office/drawing/2014/main" id="{EA3F1FEF-DC9E-4AC6-BE06-0E79BE3FEF92}"/>
+              </a:ext>
+            </a:extLst>
+          </p:cNvPr>
+          <p:cNvSpPr/>
+          <p:nvPr/>
+        </p:nvSpPr>
+        <p:spPr>
+          <a:xfrm>
+            <a:off x="3345907" y="4774974"/>
+            <a:ext cx="1905223" cy="1279433"/>
+          </a:xfrm>
+          <a:prstGeom prst="rect">
+            <a:avLst/>
+          </a:prstGeom>
+          <a:noFill/>
+          <a:ln>
+            <a:solidFill>
+              <a:schemeClr val="accent2">
+                <a:lumMod val="75000"/>
+              </a:schemeClr>
+            </a:solidFill>
+          </a:ln>
+        </p:spPr>
+        <p:style>
+          <a:lnRef idx="2">
+            <a:schemeClr val="accent1">
+              <a:shade val="50000"/>
+            </a:schemeClr>
+          </a:lnRef>
+          <a:fillRef idx="1">
+            <a:schemeClr val="accent1"/>
+          </a:fillRef>
+          <a:effectRef idx="0">
+            <a:schemeClr val="accent1"/>
+          </a:effectRef>
+          <a:fontRef idx="minor">
+            <a:schemeClr val="lt1"/>
+          </a:fontRef>
+        </p:style>
+        <p:txBody>
+          <a:bodyPr rtlCol="0" anchor="ctr"/>
+          <a:lstStyle/>
+          <a:p>
+            <a:pPr marL="285750" indent="-285750">
+              <a:buFont typeface="Arial" panose="020B0604020202020204" pitchFamily="34" charset="0"/>
+              <a:buChar char="•"/>
+            </a:pPr>
+            <a:r>
+              <a:rPr lang="en-US" sz="1400" dirty="0" smtClean="0">
+                <a:solidFill>
+                  <a:schemeClr val="tx1"/>
+                </a:solidFill>
+              </a:rPr>
+              <a:t>Subject</a:t>
+            </a:r>
+            <a:endParaRPr lang="en-US" sz="1400" dirty="0">
+              <a:solidFill>
+                <a:schemeClr val="tx1"/>
+              </a:solidFill>
+            </a:endParaRPr>
+          </a:p>
+          <a:p>
+            <a:pPr marL="285750" indent="-285750">
+              <a:buFont typeface="Arial" panose="020B0604020202020204" pitchFamily="34" charset="0"/>
+              <a:buChar char="•"/>
+            </a:pPr>
+            <a:r>
+              <a:rPr lang="en-US" sz="1400" dirty="0">
+                <a:solidFill>
+                  <a:schemeClr val="tx1"/>
+                </a:solidFill>
+              </a:rPr>
+              <a:t>Log Level</a:t>
+            </a:r>
+          </a:p>
+          <a:p>
+            <a:pPr marL="285750" indent="-285750">
+              <a:buFont typeface="Arial" panose="020B0604020202020204" pitchFamily="34" charset="0"/>
+              <a:buChar char="•"/>
+            </a:pPr>
+            <a:r>
+              <a:rPr lang="en-US" sz="1400" dirty="0">
+                <a:solidFill>
+                  <a:schemeClr val="tx1"/>
+                </a:solidFill>
+              </a:rPr>
+              <a:t>Body of the Alert</a:t>
+            </a:r>
+          </a:p>
+          <a:p>
+            <a:pPr marL="285750" indent="-285750">
+              <a:buFont typeface="Arial" panose="020B0604020202020204" pitchFamily="34" charset="0"/>
+              <a:buChar char="•"/>
+            </a:pPr>
+            <a:r>
+              <a:rPr lang="en-US" sz="1400" dirty="0">
+                <a:solidFill>
+                  <a:schemeClr val="tx1"/>
+                </a:solidFill>
+              </a:rPr>
+              <a:t>Send Email</a:t>
+            </a:r>
+          </a:p>
+        </p:txBody>
+      </p:sp>
+      <p:cxnSp>
+        <p:nvCxnSpPr>
+          <p:cNvPr id="20" name="Straight Connector 19">
+            <a:extLst>
+              <a:ext uri="{FF2B5EF4-FFF2-40B4-BE49-F238E27FC236}">
+                <a16:creationId xmlns="" xmlns:a16="http://schemas.microsoft.com/office/drawing/2014/main" id="{6CED28F0-98EC-4FC0-BD08-B804AFB7E67F}"/>
+              </a:ext>
+            </a:extLst>
+          </p:cNvPr>
+          <p:cNvCxnSpPr>
+            <a:cxnSpLocks/>
+          </p:cNvCxnSpPr>
+          <p:nvPr/>
+        </p:nvCxnSpPr>
+        <p:spPr>
+          <a:xfrm>
+            <a:off x="3345907" y="3794540"/>
+            <a:ext cx="1905223" cy="1"/>
+          </a:xfrm>
+          <a:prstGeom prst="line">
+            <a:avLst/>
+          </a:prstGeom>
+          <a:ln w="101600">
+            <a:solidFill>
+              <a:schemeClr val="accent2">
+                <a:lumMod val="75000"/>
+              </a:schemeClr>
+            </a:solidFill>
+          </a:ln>
+        </p:spPr>
+        <p:style>
+          <a:lnRef idx="1">
+            <a:schemeClr val="accent1"/>
+          </a:lnRef>
+          <a:fillRef idx="0">
+            <a:schemeClr val="accent1"/>
+          </a:fillRef>
+          <a:effectRef idx="0">
+            <a:schemeClr val="accent1"/>
+          </a:effectRef>
+          <a:fontRef idx="minor">
+            <a:schemeClr val="tx1"/>
+          </a:fontRef>
+        </p:style>
+      </p:cxnSp>
+      <p:cxnSp>
+        <p:nvCxnSpPr>
+          <p:cNvPr id="21" name="Straight Connector 20">
+            <a:extLst>
+              <a:ext uri="{FF2B5EF4-FFF2-40B4-BE49-F238E27FC236}">
+                <a16:creationId xmlns="" xmlns:a16="http://schemas.microsoft.com/office/drawing/2014/main" id="{46FB8398-D3BC-4D0A-95BF-492D1B133959}"/>
+              </a:ext>
+            </a:extLst>
+          </p:cNvPr>
+          <p:cNvCxnSpPr>
+            <a:cxnSpLocks/>
+          </p:cNvCxnSpPr>
+          <p:nvPr/>
+        </p:nvCxnSpPr>
+        <p:spPr>
+          <a:xfrm>
+            <a:off x="3358731" y="4761287"/>
+            <a:ext cx="1892400" cy="1831"/>
+          </a:xfrm>
+          <a:prstGeom prst="line">
+            <a:avLst/>
+          </a:prstGeom>
+          <a:ln w="101600">
+            <a:solidFill>
+              <a:schemeClr val="accent2">
+                <a:lumMod val="75000"/>
+              </a:schemeClr>
+            </a:solidFill>
+          </a:ln>
+        </p:spPr>
+        <p:style>
+          <a:lnRef idx="1">
+            <a:schemeClr val="accent1"/>
+          </a:lnRef>
+          <a:fillRef idx="0">
+            <a:schemeClr val="accent1"/>
+          </a:fillRef>
+          <a:effectRef idx="0">
+            <a:schemeClr val="accent1"/>
+          </a:effectRef>
+          <a:fontRef idx="minor">
+            <a:schemeClr val="tx1"/>
+          </a:fontRef>
+        </p:style>
+      </p:cxnSp>
+      <p:sp>
+        <p:nvSpPr>
+          <p:cNvPr id="22" name="Rectangle 21">
+            <a:extLst>
+              <a:ext uri="{FF2B5EF4-FFF2-40B4-BE49-F238E27FC236}">
+                <a16:creationId xmlns="" xmlns:a16="http://schemas.microsoft.com/office/drawing/2014/main" id="{5FAA41A9-C704-4753-994E-85629042DFBB}"/>
+              </a:ext>
+            </a:extLst>
+          </p:cNvPr>
+          <p:cNvSpPr/>
+          <p:nvPr/>
+        </p:nvSpPr>
+        <p:spPr>
+          <a:xfrm>
+            <a:off x="987392" y="6364406"/>
+            <a:ext cx="1905223" cy="431075"/>
+          </a:xfrm>
+          <a:prstGeom prst="rect">
+            <a:avLst/>
+          </a:prstGeom>
+          <a:noFill/>
+          <a:ln>
+            <a:solidFill>
+              <a:schemeClr val="accent2">
+                <a:lumMod val="75000"/>
+              </a:schemeClr>
+            </a:solidFill>
+          </a:ln>
+        </p:spPr>
+        <p:style>
+          <a:lnRef idx="2">
+            <a:schemeClr val="accent1">
+              <a:shade val="50000"/>
+            </a:schemeClr>
+          </a:lnRef>
+          <a:fillRef idx="1">
+            <a:schemeClr val="accent1"/>
+          </a:fillRef>
+          <a:effectRef idx="0">
+            <a:schemeClr val="accent1"/>
+          </a:effectRef>
+          <a:fontRef idx="minor">
+            <a:schemeClr val="lt1"/>
+          </a:fontRef>
+        </p:style>
+        <p:txBody>
+          <a:bodyPr rtlCol="0" anchor="ctr"/>
+          <a:lstStyle/>
+          <a:p>
+            <a:pPr algn="ctr"/>
+            <a:r>
+              <a:rPr lang="en-US" sz="1400" b="1" dirty="0">
+                <a:solidFill>
+                  <a:schemeClr val="tx1"/>
+                </a:solidFill>
+              </a:rPr>
+              <a:t>SNMP Monitoring</a:t>
+            </a:r>
+          </a:p>
+        </p:txBody>
+      </p:sp>
+      <p:sp>
+        <p:nvSpPr>
+          <p:cNvPr id="23" name="Rectangle 22">
+            <a:extLst>
+              <a:ext uri="{FF2B5EF4-FFF2-40B4-BE49-F238E27FC236}">
+                <a16:creationId xmlns="" xmlns:a16="http://schemas.microsoft.com/office/drawing/2014/main" id="{CBC38FF1-96BB-4979-AC7C-5452AC55E93D}"/>
+              </a:ext>
+            </a:extLst>
+          </p:cNvPr>
+          <p:cNvSpPr/>
+          <p:nvPr/>
+        </p:nvSpPr>
+        <p:spPr>
+          <a:xfrm>
+            <a:off x="987392" y="6834673"/>
+            <a:ext cx="1905223" cy="783765"/>
+          </a:xfrm>
+          <a:prstGeom prst="rect">
+            <a:avLst/>
+          </a:prstGeom>
+          <a:noFill/>
+          <a:ln>
+            <a:solidFill>
+              <a:schemeClr val="accent2">
+                <a:lumMod val="75000"/>
+              </a:schemeClr>
+            </a:solidFill>
+          </a:ln>
+        </p:spPr>
+        <p:style>
+          <a:lnRef idx="2">
+            <a:schemeClr val="accent1">
+              <a:shade val="50000"/>
+            </a:schemeClr>
+          </a:lnRef>
+          <a:fillRef idx="1">
+            <a:schemeClr val="accent1"/>
+          </a:fillRef>
+          <a:effectRef idx="0">
+            <a:schemeClr val="accent1"/>
+          </a:effectRef>
+          <a:fontRef idx="minor">
+            <a:schemeClr val="lt1"/>
+          </a:fontRef>
+        </p:style>
+        <p:txBody>
+          <a:bodyPr rtlCol="0" anchor="ctr"/>
+          <a:lstStyle/>
+          <a:p>
+            <a:pPr marL="342900" indent="-342900">
+              <a:buFont typeface="+mj-lt"/>
+              <a:buAutoNum type="arabicPeriod"/>
+            </a:pPr>
+            <a:r>
+              <a:rPr lang="en-US" sz="1400" dirty="0">
+                <a:solidFill>
+                  <a:schemeClr val="tx1"/>
+                </a:solidFill>
+              </a:rPr>
+              <a:t>Socket ID</a:t>
+            </a:r>
+          </a:p>
+          <a:p>
+            <a:pPr marL="342900" indent="-342900">
+              <a:buFont typeface="+mj-lt"/>
+              <a:buAutoNum type="arabicPeriod"/>
+            </a:pPr>
+            <a:r>
+              <a:rPr lang="en-US" sz="1400" dirty="0">
+                <a:solidFill>
+                  <a:schemeClr val="tx1"/>
+                </a:solidFill>
+              </a:rPr>
+              <a:t>Send Request</a:t>
+            </a:r>
+          </a:p>
+        </p:txBody>
+      </p:sp>
+      <p:sp>
+        <p:nvSpPr>
+          <p:cNvPr id="24" name="Rectangle 23">
+            <a:extLst>
+              <a:ext uri="{FF2B5EF4-FFF2-40B4-BE49-F238E27FC236}">
+                <a16:creationId xmlns="" xmlns:a16="http://schemas.microsoft.com/office/drawing/2014/main" id="{A83E8CA2-55BE-42C6-9C35-B678EBEBDFD1}"/>
+              </a:ext>
+            </a:extLst>
+          </p:cNvPr>
+          <p:cNvSpPr/>
+          <p:nvPr/>
+        </p:nvSpPr>
+        <p:spPr>
+          <a:xfrm>
+            <a:off x="987392" y="7598823"/>
+            <a:ext cx="1905223" cy="1310195"/>
+          </a:xfrm>
+          <a:prstGeom prst="rect">
+            <a:avLst/>
+          </a:prstGeom>
+          <a:noFill/>
+          <a:ln>
+            <a:solidFill>
+              <a:schemeClr val="accent2">
+                <a:lumMod val="75000"/>
+              </a:schemeClr>
+            </a:solidFill>
+          </a:ln>
+        </p:spPr>
+        <p:style>
+          <a:lnRef idx="2">
+            <a:schemeClr val="accent1">
+              <a:shade val="50000"/>
+            </a:schemeClr>
+          </a:lnRef>
+          <a:fillRef idx="1">
+            <a:schemeClr val="accent1"/>
+          </a:fillRef>
+          <a:effectRef idx="0">
+            <a:schemeClr val="accent1"/>
+          </a:effectRef>
+          <a:fontRef idx="minor">
+            <a:schemeClr val="lt1"/>
+          </a:fontRef>
+        </p:style>
+        <p:txBody>
+          <a:bodyPr rtlCol="0" anchor="ctr"/>
+          <a:lstStyle/>
+          <a:p>
+            <a:pPr marL="285750" indent="-285750">
+              <a:buFont typeface="Arial" panose="020B0604020202020204" pitchFamily="34" charset="0"/>
+              <a:buChar char="•"/>
+            </a:pPr>
+            <a:r>
+              <a:rPr lang="en-US" sz="1400" dirty="0">
+                <a:solidFill>
+                  <a:schemeClr val="tx1"/>
+                </a:solidFill>
+              </a:rPr>
+              <a:t>Bandwidth</a:t>
+            </a:r>
+          </a:p>
+          <a:p>
+            <a:pPr marL="285750" indent="-285750">
+              <a:buFont typeface="Arial" panose="020B0604020202020204" pitchFamily="34" charset="0"/>
+              <a:buChar char="•"/>
+            </a:pPr>
+            <a:r>
+              <a:rPr lang="en-US" sz="1400" dirty="0">
+                <a:solidFill>
+                  <a:schemeClr val="tx1"/>
+                </a:solidFill>
+              </a:rPr>
+              <a:t>Latency</a:t>
+            </a:r>
+          </a:p>
+          <a:p>
+            <a:pPr marL="285750" indent="-285750">
+              <a:buFont typeface="Arial" panose="020B0604020202020204" pitchFamily="34" charset="0"/>
+              <a:buChar char="•"/>
+            </a:pPr>
+            <a:r>
+              <a:rPr lang="en-US" sz="1400" dirty="0">
+                <a:solidFill>
+                  <a:schemeClr val="tx1"/>
+                </a:solidFill>
+              </a:rPr>
+              <a:t>Uptime</a:t>
+            </a:r>
+          </a:p>
+          <a:p>
+            <a:pPr marL="285750" indent="-285750">
+              <a:buFont typeface="Arial" panose="020B0604020202020204" pitchFamily="34" charset="0"/>
+              <a:buChar char="•"/>
+            </a:pPr>
+            <a:r>
+              <a:rPr lang="en-US" sz="1400" dirty="0">
+                <a:solidFill>
+                  <a:schemeClr val="tx1"/>
+                </a:solidFill>
+              </a:rPr>
+              <a:t>Traffic Statistics</a:t>
+            </a:r>
+          </a:p>
+          <a:p>
+            <a:pPr marL="285750" indent="-285750">
+              <a:buFont typeface="Arial" panose="020B0604020202020204" pitchFamily="34" charset="0"/>
+              <a:buChar char="•"/>
+            </a:pPr>
+            <a:r>
+              <a:rPr lang="en-US" sz="1400" dirty="0">
+                <a:solidFill>
+                  <a:schemeClr val="tx1"/>
+                </a:solidFill>
+              </a:rPr>
+              <a:t>Device Info</a:t>
+            </a:r>
+          </a:p>
+        </p:txBody>
+      </p:sp>
+      <p:cxnSp>
+        <p:nvCxnSpPr>
+          <p:cNvPr id="25" name="Straight Connector 24">
+            <a:extLst>
+              <a:ext uri="{FF2B5EF4-FFF2-40B4-BE49-F238E27FC236}">
+                <a16:creationId xmlns="" xmlns:a16="http://schemas.microsoft.com/office/drawing/2014/main" id="{CA741914-7D44-45A0-ACF5-CA088EF4DC6E}"/>
+              </a:ext>
+            </a:extLst>
+          </p:cNvPr>
+          <p:cNvCxnSpPr>
+            <a:cxnSpLocks/>
+          </p:cNvCxnSpPr>
+          <p:nvPr/>
+        </p:nvCxnSpPr>
+        <p:spPr>
+          <a:xfrm flipV="1">
+            <a:off x="987392" y="6795479"/>
+            <a:ext cx="1905223" cy="1"/>
+          </a:xfrm>
+          <a:prstGeom prst="line">
+            <a:avLst/>
+          </a:prstGeom>
+          <a:ln w="101600">
+            <a:solidFill>
+              <a:schemeClr val="accent2">
+                <a:lumMod val="75000"/>
+              </a:schemeClr>
+            </a:solidFill>
+          </a:ln>
+        </p:spPr>
+        <p:style>
+          <a:lnRef idx="1">
+            <a:schemeClr val="accent1"/>
+          </a:lnRef>
+          <a:fillRef idx="0">
+            <a:schemeClr val="accent1"/>
+          </a:fillRef>
+          <a:effectRef idx="0">
+            <a:schemeClr val="accent1"/>
+          </a:effectRef>
+          <a:fontRef idx="minor">
+            <a:schemeClr val="tx1"/>
+          </a:fontRef>
+        </p:style>
+      </p:cxnSp>
+      <p:cxnSp>
+        <p:nvCxnSpPr>
+          <p:cNvPr id="26" name="Straight Connector 25">
+            <a:extLst>
+              <a:ext uri="{FF2B5EF4-FFF2-40B4-BE49-F238E27FC236}">
+                <a16:creationId xmlns="" xmlns:a16="http://schemas.microsoft.com/office/drawing/2014/main" id="{676AB45C-A261-4EE6-80C4-7BECB9E93B1B}"/>
+              </a:ext>
+            </a:extLst>
+          </p:cNvPr>
+          <p:cNvCxnSpPr>
+            <a:cxnSpLocks/>
+          </p:cNvCxnSpPr>
+          <p:nvPr/>
+        </p:nvCxnSpPr>
+        <p:spPr>
+          <a:xfrm>
+            <a:off x="987392" y="7618437"/>
+            <a:ext cx="1862216" cy="0"/>
+          </a:xfrm>
+          <a:prstGeom prst="line">
+            <a:avLst/>
+          </a:prstGeom>
+          <a:ln w="101600">
+            <a:solidFill>
+              <a:schemeClr val="accent2">
+                <a:lumMod val="75000"/>
+              </a:schemeClr>
+            </a:solidFill>
+          </a:ln>
+        </p:spPr>
+        <p:style>
+          <a:lnRef idx="1">
+            <a:schemeClr val="accent1"/>
+          </a:lnRef>
+          <a:fillRef idx="0">
+            <a:schemeClr val="accent1"/>
+          </a:fillRef>
+          <a:effectRef idx="0">
+            <a:schemeClr val="accent1"/>
+          </a:effectRef>
+          <a:fontRef idx="minor">
+            <a:schemeClr val="tx1"/>
+          </a:fontRef>
+        </p:style>
+      </p:cxnSp>
+      <p:sp>
+        <p:nvSpPr>
+          <p:cNvPr id="27" name="Rectangle 26">
+            <a:extLst>
+              <a:ext uri="{FF2B5EF4-FFF2-40B4-BE49-F238E27FC236}">
+                <a16:creationId xmlns="" xmlns:a16="http://schemas.microsoft.com/office/drawing/2014/main" id="{26C93BF6-B952-40CD-B075-0E5DE7BDBA0D}"/>
+              </a:ext>
+            </a:extLst>
+          </p:cNvPr>
+          <p:cNvSpPr/>
+          <p:nvPr/>
+        </p:nvSpPr>
+        <p:spPr>
+          <a:xfrm>
+            <a:off x="5792400" y="6969305"/>
+            <a:ext cx="1905223" cy="431075"/>
+          </a:xfrm>
+          <a:prstGeom prst="rect">
+            <a:avLst/>
+          </a:prstGeom>
+          <a:noFill/>
+          <a:ln>
+            <a:solidFill>
+              <a:schemeClr val="accent2">
+                <a:lumMod val="75000"/>
+              </a:schemeClr>
+            </a:solidFill>
+          </a:ln>
+        </p:spPr>
+        <p:style>
+          <a:lnRef idx="2">
+            <a:schemeClr val="accent1">
+              <a:shade val="50000"/>
+            </a:schemeClr>
+          </a:lnRef>
+          <a:fillRef idx="1">
+            <a:schemeClr val="accent1"/>
+          </a:fillRef>
+          <a:effectRef idx="0">
+            <a:schemeClr val="accent1"/>
+          </a:effectRef>
+          <a:fontRef idx="minor">
+            <a:schemeClr val="lt1"/>
+          </a:fontRef>
+        </p:style>
+        <p:txBody>
+          <a:bodyPr rtlCol="0" anchor="ctr"/>
+          <a:lstStyle/>
+          <a:p>
+            <a:pPr algn="ctr"/>
+            <a:r>
+              <a:rPr lang="en-US" sz="1400" b="1" dirty="0">
+                <a:solidFill>
+                  <a:schemeClr val="tx1"/>
+                </a:solidFill>
+              </a:rPr>
+              <a:t>LLDP Population</a:t>
+            </a:r>
+          </a:p>
+        </p:txBody>
+      </p:sp>
+      <p:sp>
+        <p:nvSpPr>
+          <p:cNvPr id="28" name="Rectangle 27">
+            <a:extLst>
+              <a:ext uri="{FF2B5EF4-FFF2-40B4-BE49-F238E27FC236}">
+                <a16:creationId xmlns="" xmlns:a16="http://schemas.microsoft.com/office/drawing/2014/main" id="{31BA9F69-4BFE-4EAB-8D67-161E3554DFB8}"/>
+              </a:ext>
+            </a:extLst>
+          </p:cNvPr>
+          <p:cNvSpPr/>
+          <p:nvPr/>
+        </p:nvSpPr>
+        <p:spPr>
+          <a:xfrm>
+            <a:off x="5792400" y="7400379"/>
+            <a:ext cx="1905223" cy="681210"/>
+          </a:xfrm>
+          <a:prstGeom prst="rect">
+            <a:avLst/>
+          </a:prstGeom>
+          <a:noFill/>
+          <a:ln>
+            <a:solidFill>
+              <a:schemeClr val="accent2">
+                <a:lumMod val="75000"/>
+              </a:schemeClr>
+            </a:solidFill>
+          </a:ln>
+        </p:spPr>
+        <p:style>
+          <a:lnRef idx="2">
+            <a:schemeClr val="accent1">
+              <a:shade val="50000"/>
+            </a:schemeClr>
+          </a:lnRef>
+          <a:fillRef idx="1">
+            <a:schemeClr val="accent1"/>
+          </a:fillRef>
+          <a:effectRef idx="0">
+            <a:schemeClr val="accent1"/>
+          </a:effectRef>
+          <a:fontRef idx="minor">
+            <a:schemeClr val="lt1"/>
+          </a:fontRef>
+        </p:style>
+        <p:txBody>
+          <a:bodyPr rtlCol="0" anchor="ctr"/>
+          <a:lstStyle/>
+          <a:p>
+            <a:pPr marL="342900" indent="-342900">
+              <a:buFont typeface="+mj-lt"/>
+              <a:buAutoNum type="arabicPeriod"/>
+            </a:pPr>
+            <a:r>
+              <a:rPr lang="en-US" sz="1400" dirty="0">
+                <a:solidFill>
+                  <a:schemeClr val="tx1"/>
+                </a:solidFill>
+              </a:rPr>
+              <a:t>Socket ID</a:t>
+            </a:r>
+          </a:p>
+          <a:p>
+            <a:pPr marL="342900" indent="-342900">
+              <a:buFont typeface="+mj-lt"/>
+              <a:buAutoNum type="arabicPeriod"/>
+            </a:pPr>
+            <a:r>
+              <a:rPr lang="en-US" sz="1400" dirty="0">
+                <a:solidFill>
+                  <a:schemeClr val="tx1"/>
+                </a:solidFill>
+              </a:rPr>
+              <a:t>Send Request</a:t>
+            </a:r>
+          </a:p>
+        </p:txBody>
+      </p:sp>
+      <p:sp>
+        <p:nvSpPr>
+          <p:cNvPr id="29" name="Rectangle 28">
+            <a:extLst>
+              <a:ext uri="{FF2B5EF4-FFF2-40B4-BE49-F238E27FC236}">
+                <a16:creationId xmlns="" xmlns:a16="http://schemas.microsoft.com/office/drawing/2014/main" id="{70A3DEE7-C90F-479F-BDBA-BEB6312D5DE5}"/>
+              </a:ext>
+            </a:extLst>
+          </p:cNvPr>
+          <p:cNvSpPr/>
+          <p:nvPr/>
+        </p:nvSpPr>
+        <p:spPr>
+          <a:xfrm>
+            <a:off x="5792400" y="8081590"/>
+            <a:ext cx="1905223" cy="783759"/>
+          </a:xfrm>
+          <a:prstGeom prst="rect">
+            <a:avLst/>
+          </a:prstGeom>
+          <a:noFill/>
+          <a:ln>
+            <a:solidFill>
+              <a:schemeClr val="accent2">
+                <a:lumMod val="75000"/>
+              </a:schemeClr>
+            </a:solidFill>
+          </a:ln>
+        </p:spPr>
+        <p:style>
+          <a:lnRef idx="2">
+            <a:schemeClr val="accent1">
+              <a:shade val="50000"/>
+            </a:schemeClr>
+          </a:lnRef>
+          <a:fillRef idx="1">
+            <a:schemeClr val="accent1"/>
+          </a:fillRef>
+          <a:effectRef idx="0">
+            <a:schemeClr val="accent1"/>
+          </a:effectRef>
+          <a:fontRef idx="minor">
+            <a:schemeClr val="lt1"/>
+          </a:fontRef>
+        </p:style>
+        <p:txBody>
+          <a:bodyPr rtlCol="0" anchor="ctr"/>
+          <a:lstStyle/>
+          <a:p>
+            <a:pPr marL="285750" indent="-285750">
+              <a:buFont typeface="Arial" panose="020B0604020202020204" pitchFamily="34" charset="0"/>
+              <a:buChar char="•"/>
+            </a:pPr>
+            <a:r>
+              <a:rPr lang="en-US" sz="1400" dirty="0">
+                <a:solidFill>
+                  <a:schemeClr val="tx1"/>
+                </a:solidFill>
+              </a:rPr>
+              <a:t>Firmware Version</a:t>
+            </a:r>
+          </a:p>
+          <a:p>
+            <a:pPr marL="285750" indent="-285750">
+              <a:buFont typeface="Arial" panose="020B0604020202020204" pitchFamily="34" charset="0"/>
+              <a:buChar char="•"/>
+            </a:pPr>
+            <a:r>
+              <a:rPr lang="en-US" sz="1400" dirty="0">
+                <a:solidFill>
+                  <a:schemeClr val="tx1"/>
+                </a:solidFill>
+              </a:rPr>
+              <a:t>Serial Number</a:t>
+            </a:r>
+          </a:p>
+          <a:p>
+            <a:endParaRPr lang="en-US" sz="1400" dirty="0">
+              <a:solidFill>
+                <a:schemeClr val="tx1"/>
+              </a:solidFill>
+            </a:endParaRPr>
+          </a:p>
+        </p:txBody>
+      </p:sp>
+      <p:cxnSp>
+        <p:nvCxnSpPr>
+          <p:cNvPr id="30" name="Straight Connector 29">
+            <a:extLst>
+              <a:ext uri="{FF2B5EF4-FFF2-40B4-BE49-F238E27FC236}">
+                <a16:creationId xmlns="" xmlns:a16="http://schemas.microsoft.com/office/drawing/2014/main" id="{BEE45044-4F6D-48C1-90BC-593EB42CB4D6}"/>
+              </a:ext>
+            </a:extLst>
+          </p:cNvPr>
+          <p:cNvCxnSpPr>
+            <a:cxnSpLocks/>
+          </p:cNvCxnSpPr>
+          <p:nvPr/>
+        </p:nvCxnSpPr>
+        <p:spPr>
+          <a:xfrm>
+            <a:off x="5792400" y="7400379"/>
+            <a:ext cx="1905223" cy="0"/>
+          </a:xfrm>
+          <a:prstGeom prst="line">
+            <a:avLst/>
+          </a:prstGeom>
+          <a:ln w="101600">
+            <a:solidFill>
+              <a:schemeClr val="accent2">
+                <a:lumMod val="75000"/>
+              </a:schemeClr>
+            </a:solidFill>
+          </a:ln>
+        </p:spPr>
+        <p:style>
+          <a:lnRef idx="1">
+            <a:schemeClr val="accent1"/>
+          </a:lnRef>
+          <a:fillRef idx="0">
+            <a:schemeClr val="accent1"/>
+          </a:fillRef>
+          <a:effectRef idx="0">
+            <a:schemeClr val="accent1"/>
+          </a:effectRef>
+          <a:fontRef idx="minor">
+            <a:schemeClr val="tx1"/>
+          </a:fontRef>
+        </p:style>
+      </p:cxnSp>
+      <p:cxnSp>
+        <p:nvCxnSpPr>
+          <p:cNvPr id="31" name="Straight Connector 30">
+            <a:extLst>
+              <a:ext uri="{FF2B5EF4-FFF2-40B4-BE49-F238E27FC236}">
+                <a16:creationId xmlns="" xmlns:a16="http://schemas.microsoft.com/office/drawing/2014/main" id="{CEAED347-7E5F-4358-BD5D-63C0B3DBA9D0}"/>
+              </a:ext>
+            </a:extLst>
+          </p:cNvPr>
+          <p:cNvCxnSpPr>
+            <a:cxnSpLocks/>
+          </p:cNvCxnSpPr>
+          <p:nvPr/>
+        </p:nvCxnSpPr>
+        <p:spPr>
+          <a:xfrm>
+            <a:off x="5792400" y="8081589"/>
+            <a:ext cx="1905223" cy="0"/>
+          </a:xfrm>
+          <a:prstGeom prst="line">
+            <a:avLst/>
+          </a:prstGeom>
+          <a:ln w="101600">
+            <a:solidFill>
+              <a:schemeClr val="accent2">
+                <a:lumMod val="75000"/>
+              </a:schemeClr>
+            </a:solidFill>
+          </a:ln>
+        </p:spPr>
+        <p:style>
+          <a:lnRef idx="1">
+            <a:schemeClr val="accent1"/>
+          </a:lnRef>
+          <a:fillRef idx="0">
+            <a:schemeClr val="accent1"/>
+          </a:fillRef>
+          <a:effectRef idx="0">
+            <a:schemeClr val="accent1"/>
+          </a:effectRef>
+          <a:fontRef idx="minor">
+            <a:schemeClr val="tx1"/>
+          </a:fontRef>
+        </p:style>
+      </p:cxnSp>
+      <p:sp>
+        <p:nvSpPr>
+          <p:cNvPr id="32" name="Rectangle 31">
+            <a:extLst>
+              <a:ext uri="{FF2B5EF4-FFF2-40B4-BE49-F238E27FC236}">
+                <a16:creationId xmlns="" xmlns:a16="http://schemas.microsoft.com/office/drawing/2014/main" id="{944962D8-659F-4886-A55D-473557C100DC}"/>
+              </a:ext>
+            </a:extLst>
+          </p:cNvPr>
+          <p:cNvSpPr/>
+          <p:nvPr/>
+        </p:nvSpPr>
+        <p:spPr>
+          <a:xfrm>
+            <a:off x="8435346" y="6969306"/>
+            <a:ext cx="1905223" cy="431075"/>
+          </a:xfrm>
+          <a:prstGeom prst="rect">
+            <a:avLst/>
+          </a:prstGeom>
+          <a:noFill/>
+          <a:ln>
+            <a:solidFill>
+              <a:schemeClr val="accent2">
+                <a:lumMod val="75000"/>
+              </a:schemeClr>
+            </a:solidFill>
+          </a:ln>
+        </p:spPr>
+        <p:style>
+          <a:lnRef idx="2">
+            <a:schemeClr val="accent1">
+              <a:shade val="50000"/>
+            </a:schemeClr>
+          </a:lnRef>
+          <a:fillRef idx="1">
+            <a:schemeClr val="accent1"/>
+          </a:fillRef>
+          <a:effectRef idx="0">
+            <a:schemeClr val="accent1"/>
+          </a:effectRef>
+          <a:fontRef idx="minor">
+            <a:schemeClr val="lt1"/>
+          </a:fontRef>
+        </p:style>
+        <p:txBody>
+          <a:bodyPr rtlCol="0" anchor="ctr"/>
+          <a:lstStyle/>
+          <a:p>
+            <a:pPr algn="ctr"/>
+            <a:r>
+              <a:rPr lang="en-US" sz="1400" b="1" dirty="0">
+                <a:solidFill>
+                  <a:schemeClr val="tx1"/>
+                </a:solidFill>
+              </a:rPr>
+              <a:t>ARP Population</a:t>
+            </a:r>
+          </a:p>
+        </p:txBody>
+      </p:sp>
+      <p:sp>
+        <p:nvSpPr>
+          <p:cNvPr id="33" name="Rectangle 32">
+            <a:extLst>
+              <a:ext uri="{FF2B5EF4-FFF2-40B4-BE49-F238E27FC236}">
+                <a16:creationId xmlns="" xmlns:a16="http://schemas.microsoft.com/office/drawing/2014/main" id="{4A91B56F-89B0-4592-8F63-04FCC9B1552F}"/>
+              </a:ext>
+            </a:extLst>
+          </p:cNvPr>
+          <p:cNvSpPr/>
+          <p:nvPr/>
+        </p:nvSpPr>
+        <p:spPr>
+          <a:xfrm>
+            <a:off x="8435346" y="7439574"/>
+            <a:ext cx="1905223" cy="545894"/>
+          </a:xfrm>
+          <a:prstGeom prst="rect">
+            <a:avLst/>
+          </a:prstGeom>
+          <a:noFill/>
+          <a:ln>
+            <a:solidFill>
+              <a:schemeClr val="accent2">
+                <a:lumMod val="75000"/>
+              </a:schemeClr>
+            </a:solidFill>
+          </a:ln>
+        </p:spPr>
+        <p:style>
+          <a:lnRef idx="2">
+            <a:schemeClr val="accent1">
+              <a:shade val="50000"/>
+            </a:schemeClr>
+          </a:lnRef>
+          <a:fillRef idx="1">
+            <a:schemeClr val="accent1"/>
+          </a:fillRef>
+          <a:effectRef idx="0">
+            <a:schemeClr val="accent1"/>
+          </a:effectRef>
+          <a:fontRef idx="minor">
+            <a:schemeClr val="lt1"/>
+          </a:fontRef>
+        </p:style>
+        <p:txBody>
+          <a:bodyPr rtlCol="0" anchor="ctr"/>
+          <a:lstStyle/>
+          <a:p>
+            <a:pPr marL="342900" indent="-342900">
+              <a:buFont typeface="+mj-lt"/>
+              <a:buAutoNum type="arabicPeriod"/>
+            </a:pPr>
+            <a:r>
+              <a:rPr lang="en-US" sz="1400" dirty="0">
+                <a:solidFill>
+                  <a:schemeClr val="tx1"/>
+                </a:solidFill>
+              </a:rPr>
+              <a:t>Socket ID</a:t>
+            </a:r>
+          </a:p>
+          <a:p>
+            <a:pPr marL="342900" indent="-342900">
+              <a:buFont typeface="+mj-lt"/>
+              <a:buAutoNum type="arabicPeriod"/>
+            </a:pPr>
+            <a:r>
+              <a:rPr lang="en-US" sz="1400" dirty="0">
+                <a:solidFill>
+                  <a:schemeClr val="tx1"/>
+                </a:solidFill>
+              </a:rPr>
+              <a:t>Send Request</a:t>
+            </a:r>
+          </a:p>
+        </p:txBody>
+      </p:sp>
+      <p:sp>
+        <p:nvSpPr>
+          <p:cNvPr id="34" name="Rectangle 33">
+            <a:extLst>
+              <a:ext uri="{FF2B5EF4-FFF2-40B4-BE49-F238E27FC236}">
+                <a16:creationId xmlns="" xmlns:a16="http://schemas.microsoft.com/office/drawing/2014/main" id="{35BE5ECD-B18B-4FDF-B6AD-CC80C7546180}"/>
+              </a:ext>
+            </a:extLst>
+          </p:cNvPr>
+          <p:cNvSpPr/>
+          <p:nvPr/>
+        </p:nvSpPr>
+        <p:spPr>
+          <a:xfrm>
+            <a:off x="8435346" y="7985467"/>
+            <a:ext cx="1905223" cy="698184"/>
+          </a:xfrm>
+          <a:prstGeom prst="rect">
+            <a:avLst/>
+          </a:prstGeom>
+          <a:noFill/>
+          <a:ln>
+            <a:solidFill>
+              <a:schemeClr val="accent2">
+                <a:lumMod val="75000"/>
+              </a:schemeClr>
+            </a:solidFill>
+          </a:ln>
+        </p:spPr>
+        <p:style>
+          <a:lnRef idx="2">
+            <a:schemeClr val="accent1">
+              <a:shade val="50000"/>
+            </a:schemeClr>
+          </a:lnRef>
+          <a:fillRef idx="1">
+            <a:schemeClr val="accent1"/>
+          </a:fillRef>
+          <a:effectRef idx="0">
+            <a:schemeClr val="accent1"/>
+          </a:effectRef>
+          <a:fontRef idx="minor">
+            <a:schemeClr val="lt1"/>
+          </a:fontRef>
+        </p:style>
+        <p:txBody>
+          <a:bodyPr rtlCol="0" anchor="ctr"/>
+          <a:lstStyle/>
+          <a:p>
+            <a:pPr marL="285750" indent="-285750">
+              <a:buFont typeface="Arial" panose="020B0604020202020204" pitchFamily="34" charset="0"/>
+              <a:buChar char="•"/>
+            </a:pPr>
+            <a:r>
+              <a:rPr lang="en-US" sz="1400" dirty="0">
+                <a:solidFill>
+                  <a:schemeClr val="tx1"/>
+                </a:solidFill>
+              </a:rPr>
+              <a:t>IP Address</a:t>
+            </a:r>
+          </a:p>
+          <a:p>
+            <a:pPr marL="285750" indent="-285750">
+              <a:buFont typeface="Arial" panose="020B0604020202020204" pitchFamily="34" charset="0"/>
+              <a:buChar char="•"/>
+            </a:pPr>
+            <a:r>
+              <a:rPr lang="en-US" sz="1400" dirty="0">
+                <a:solidFill>
+                  <a:schemeClr val="tx1"/>
+                </a:solidFill>
+              </a:rPr>
+              <a:t>MAC </a:t>
+            </a:r>
+            <a:r>
+              <a:rPr lang="en-US" sz="1400" dirty="0" smtClean="0">
+                <a:solidFill>
+                  <a:schemeClr val="tx1"/>
+                </a:solidFill>
+              </a:rPr>
+              <a:t>Address</a:t>
+            </a:r>
+            <a:endParaRPr lang="en-US" sz="1400" dirty="0">
+              <a:solidFill>
+                <a:schemeClr val="tx1"/>
+              </a:solidFill>
+            </a:endParaRPr>
+          </a:p>
+        </p:txBody>
+      </p:sp>
+      <p:cxnSp>
+        <p:nvCxnSpPr>
+          <p:cNvPr id="35" name="Straight Connector 34">
+            <a:extLst>
+              <a:ext uri="{FF2B5EF4-FFF2-40B4-BE49-F238E27FC236}">
+                <a16:creationId xmlns="" xmlns:a16="http://schemas.microsoft.com/office/drawing/2014/main" id="{1A49C732-15E8-4E08-B49C-CF3570176A3E}"/>
+              </a:ext>
+            </a:extLst>
+          </p:cNvPr>
+          <p:cNvCxnSpPr>
+            <a:cxnSpLocks/>
+          </p:cNvCxnSpPr>
+          <p:nvPr/>
+        </p:nvCxnSpPr>
+        <p:spPr>
+          <a:xfrm flipV="1">
+            <a:off x="8435346" y="7400379"/>
+            <a:ext cx="1905223" cy="1"/>
+          </a:xfrm>
+          <a:prstGeom prst="line">
+            <a:avLst/>
+          </a:prstGeom>
+          <a:ln w="101600">
+            <a:solidFill>
+              <a:schemeClr val="accent2">
+                <a:lumMod val="75000"/>
+              </a:schemeClr>
+            </a:solidFill>
+          </a:ln>
+        </p:spPr>
+        <p:style>
+          <a:lnRef idx="1">
+            <a:schemeClr val="accent1"/>
+          </a:lnRef>
+          <a:fillRef idx="0">
+            <a:schemeClr val="accent1"/>
+          </a:fillRef>
+          <a:effectRef idx="0">
+            <a:schemeClr val="accent1"/>
+          </a:effectRef>
+          <a:fontRef idx="minor">
+            <a:schemeClr val="tx1"/>
+          </a:fontRef>
+        </p:style>
+      </p:cxnSp>
+      <p:cxnSp>
+        <p:nvCxnSpPr>
+          <p:cNvPr id="36" name="Straight Connector 35">
+            <a:extLst>
+              <a:ext uri="{FF2B5EF4-FFF2-40B4-BE49-F238E27FC236}">
+                <a16:creationId xmlns="" xmlns:a16="http://schemas.microsoft.com/office/drawing/2014/main" id="{5C2071BA-36E3-4128-865F-6BC35A88914E}"/>
+              </a:ext>
+            </a:extLst>
+          </p:cNvPr>
+          <p:cNvCxnSpPr>
+            <a:cxnSpLocks/>
+          </p:cNvCxnSpPr>
+          <p:nvPr/>
+        </p:nvCxnSpPr>
+        <p:spPr>
+          <a:xfrm>
+            <a:off x="8430893" y="7985467"/>
+            <a:ext cx="1909676" cy="0"/>
+          </a:xfrm>
+          <a:prstGeom prst="line">
+            <a:avLst/>
+          </a:prstGeom>
+          <a:ln w="101600">
+            <a:solidFill>
+              <a:schemeClr val="accent2">
+                <a:lumMod val="75000"/>
+              </a:schemeClr>
+            </a:solidFill>
+          </a:ln>
+        </p:spPr>
+        <p:style>
+          <a:lnRef idx="1">
+            <a:schemeClr val="accent1"/>
+          </a:lnRef>
+          <a:fillRef idx="0">
+            <a:schemeClr val="accent1"/>
+          </a:fillRef>
+          <a:effectRef idx="0">
+            <a:schemeClr val="accent1"/>
+          </a:effectRef>
+          <a:fontRef idx="minor">
+            <a:schemeClr val="tx1"/>
+          </a:fontRef>
+        </p:style>
+      </p:cxnSp>
+      <p:cxnSp>
+        <p:nvCxnSpPr>
+          <p:cNvPr id="42" name="Connector: Elbow 62">
+            <a:extLst>
+              <a:ext uri="{FF2B5EF4-FFF2-40B4-BE49-F238E27FC236}">
+                <a16:creationId xmlns="" xmlns:a16="http://schemas.microsoft.com/office/drawing/2014/main" id="{3A553496-FCDA-411A-8EE5-ED4F0D547DD5}"/>
+              </a:ext>
+            </a:extLst>
+          </p:cNvPr>
+          <p:cNvCxnSpPr>
+            <a:cxnSpLocks/>
+            <a:stCxn id="3" idx="3"/>
+            <a:endCxn id="7" idx="1"/>
+          </p:cNvCxnSpPr>
+          <p:nvPr/>
+        </p:nvCxnSpPr>
+        <p:spPr>
+          <a:xfrm flipV="1">
+            <a:off x="2902688" y="324713"/>
+            <a:ext cx="3842325" cy="1077687"/>
+          </a:xfrm>
+          <a:prstGeom prst="bentConnector3">
+            <a:avLst>
+              <a:gd name="adj1" fmla="val 50000"/>
+            </a:avLst>
+          </a:prstGeom>
+          <a:ln w="19050">
+            <a:solidFill>
+              <a:schemeClr val="bg2">
+                <a:lumMod val="50000"/>
+              </a:schemeClr>
+            </a:solidFill>
+            <a:tailEnd type="triangle"/>
+          </a:ln>
+        </p:spPr>
+        <p:style>
+          <a:lnRef idx="1">
+            <a:schemeClr val="accent1"/>
+          </a:lnRef>
+          <a:fillRef idx="0">
+            <a:schemeClr val="accent1"/>
+          </a:fillRef>
+          <a:effectRef idx="0">
+            <a:schemeClr val="accent1"/>
+          </a:effectRef>
+          <a:fontRef idx="minor">
+            <a:schemeClr val="tx1"/>
+          </a:fontRef>
+        </p:style>
+      </p:cxnSp>
+      <p:cxnSp>
+        <p:nvCxnSpPr>
+          <p:cNvPr id="43" name="Connector: Elbow 64">
+            <a:extLst>
+              <a:ext uri="{FF2B5EF4-FFF2-40B4-BE49-F238E27FC236}">
+                <a16:creationId xmlns="" xmlns:a16="http://schemas.microsoft.com/office/drawing/2014/main" id="{FA1548B7-1E76-4249-990A-94B21F79F040}"/>
+              </a:ext>
+            </a:extLst>
+          </p:cNvPr>
+          <p:cNvCxnSpPr>
+            <a:cxnSpLocks/>
+            <a:stCxn id="18" idx="1"/>
+            <a:endCxn id="4" idx="2"/>
+          </p:cNvCxnSpPr>
+          <p:nvPr/>
+        </p:nvCxnSpPr>
+        <p:spPr>
+          <a:xfrm rot="10800000">
+            <a:off x="1950077" y="3460955"/>
+            <a:ext cx="1395830" cy="818856"/>
+          </a:xfrm>
+          <a:prstGeom prst="bentConnector2">
+            <a:avLst/>
+          </a:prstGeom>
+          <a:ln w="19050">
+            <a:solidFill>
+              <a:schemeClr val="bg2">
+                <a:lumMod val="50000"/>
+              </a:schemeClr>
+            </a:solidFill>
+            <a:tailEnd type="triangle"/>
+          </a:ln>
+        </p:spPr>
+        <p:style>
+          <a:lnRef idx="1">
+            <a:schemeClr val="accent1"/>
+          </a:lnRef>
+          <a:fillRef idx="0">
+            <a:schemeClr val="accent1"/>
+          </a:fillRef>
+          <a:effectRef idx="0">
+            <a:schemeClr val="accent1"/>
+          </a:effectRef>
+          <a:fontRef idx="minor">
+            <a:schemeClr val="tx1"/>
+          </a:fontRef>
+        </p:style>
+      </p:cxnSp>
+      <p:cxnSp>
+        <p:nvCxnSpPr>
+          <p:cNvPr id="46" name="Connector: Elbow 76">
+            <a:extLst>
+              <a:ext uri="{FF2B5EF4-FFF2-40B4-BE49-F238E27FC236}">
+                <a16:creationId xmlns="" xmlns:a16="http://schemas.microsoft.com/office/drawing/2014/main" id="{0A72CD0B-8DF2-4392-80B8-725DC41220FD}"/>
+              </a:ext>
+            </a:extLst>
+          </p:cNvPr>
+          <p:cNvCxnSpPr>
+            <a:cxnSpLocks/>
+            <a:stCxn id="22" idx="0"/>
+            <a:endCxn id="19" idx="2"/>
+          </p:cNvCxnSpPr>
+          <p:nvPr/>
+        </p:nvCxnSpPr>
+        <p:spPr>
+          <a:xfrm rot="5400000" flipH="1" flipV="1">
+            <a:off x="2964262" y="5030150"/>
+            <a:ext cx="309999" cy="2358515"/>
+          </a:xfrm>
+          <a:prstGeom prst="bentConnector3">
+            <a:avLst>
+              <a:gd name="adj1" fmla="val 50000"/>
+            </a:avLst>
+          </a:prstGeom>
+          <a:ln w="19050">
+            <a:solidFill>
+              <a:schemeClr val="bg2">
+                <a:lumMod val="50000"/>
+              </a:schemeClr>
+            </a:solidFill>
+            <a:tailEnd type="triangle"/>
+          </a:ln>
+        </p:spPr>
+        <p:style>
+          <a:lnRef idx="1">
+            <a:schemeClr val="accent1"/>
+          </a:lnRef>
+          <a:fillRef idx="0">
+            <a:schemeClr val="accent1"/>
+          </a:fillRef>
+          <a:effectRef idx="0">
+            <a:schemeClr val="accent1"/>
+          </a:effectRef>
+          <a:fontRef idx="minor">
+            <a:schemeClr val="tx1"/>
+          </a:fontRef>
+        </p:style>
+      </p:cxnSp>
+      <p:cxnSp>
+        <p:nvCxnSpPr>
+          <p:cNvPr id="47" name="Connector: Elbow 79">
+            <a:extLst>
+              <a:ext uri="{FF2B5EF4-FFF2-40B4-BE49-F238E27FC236}">
+                <a16:creationId xmlns="" xmlns:a16="http://schemas.microsoft.com/office/drawing/2014/main" id="{F101C25B-2ED9-4E56-ACD8-C560EB2DB103}"/>
+              </a:ext>
+            </a:extLst>
+          </p:cNvPr>
+          <p:cNvCxnSpPr>
+            <a:cxnSpLocks/>
+            <a:stCxn id="12" idx="0"/>
+            <a:endCxn id="19" idx="2"/>
+          </p:cNvCxnSpPr>
+          <p:nvPr/>
+        </p:nvCxnSpPr>
+        <p:spPr>
+          <a:xfrm rot="5400000" flipH="1" flipV="1">
+            <a:off x="3742843" y="6413630"/>
+            <a:ext cx="914898" cy="196453"/>
+          </a:xfrm>
+          <a:prstGeom prst="bentConnector3">
+            <a:avLst>
+              <a:gd name="adj1" fmla="val 50000"/>
+            </a:avLst>
+          </a:prstGeom>
+          <a:ln w="19050">
+            <a:solidFill>
+              <a:schemeClr val="bg2">
+                <a:lumMod val="50000"/>
+              </a:schemeClr>
+            </a:solidFill>
+            <a:tailEnd type="triangle"/>
+          </a:ln>
+        </p:spPr>
+        <p:style>
+          <a:lnRef idx="1">
+            <a:schemeClr val="accent1"/>
+          </a:lnRef>
+          <a:fillRef idx="0">
+            <a:schemeClr val="accent1"/>
+          </a:fillRef>
+          <a:effectRef idx="0">
+            <a:schemeClr val="accent1"/>
+          </a:effectRef>
+          <a:fontRef idx="minor">
+            <a:schemeClr val="tx1"/>
+          </a:fontRef>
+        </p:style>
+      </p:cxnSp>
+      <p:cxnSp>
+        <p:nvCxnSpPr>
+          <p:cNvPr id="48" name="Connector: Elbow 82">
+            <a:extLst>
+              <a:ext uri="{FF2B5EF4-FFF2-40B4-BE49-F238E27FC236}">
+                <a16:creationId xmlns="" xmlns:a16="http://schemas.microsoft.com/office/drawing/2014/main" id="{C340E90F-1F63-4A4F-BCD6-900281114AC0}"/>
+              </a:ext>
+            </a:extLst>
+          </p:cNvPr>
+          <p:cNvCxnSpPr>
+            <a:cxnSpLocks/>
+            <a:stCxn id="27" idx="0"/>
+            <a:endCxn id="19" idx="2"/>
+          </p:cNvCxnSpPr>
+          <p:nvPr/>
+        </p:nvCxnSpPr>
+        <p:spPr>
+          <a:xfrm rot="16200000" flipV="1">
+            <a:off x="5064317" y="5288609"/>
+            <a:ext cx="914898" cy="2446493"/>
+          </a:xfrm>
+          <a:prstGeom prst="bentConnector3">
+            <a:avLst>
+              <a:gd name="adj1" fmla="val 50000"/>
+            </a:avLst>
+          </a:prstGeom>
+          <a:ln w="19050">
+            <a:solidFill>
+              <a:schemeClr val="bg2">
+                <a:lumMod val="50000"/>
+              </a:schemeClr>
+            </a:solidFill>
+            <a:tailEnd type="triangle"/>
+          </a:ln>
+        </p:spPr>
+        <p:style>
+          <a:lnRef idx="1">
+            <a:schemeClr val="accent1"/>
+          </a:lnRef>
+          <a:fillRef idx="0">
+            <a:schemeClr val="accent1"/>
+          </a:fillRef>
+          <a:effectRef idx="0">
+            <a:schemeClr val="accent1"/>
+          </a:effectRef>
+          <a:fontRef idx="minor">
+            <a:schemeClr val="tx1"/>
+          </a:fontRef>
+        </p:style>
+      </p:cxnSp>
+      <p:cxnSp>
+        <p:nvCxnSpPr>
+          <p:cNvPr id="49" name="Connector: Elbow 85">
+            <a:extLst>
+              <a:ext uri="{FF2B5EF4-FFF2-40B4-BE49-F238E27FC236}">
+                <a16:creationId xmlns="" xmlns:a16="http://schemas.microsoft.com/office/drawing/2014/main" id="{FA0E0C3C-3966-49E9-92F4-42FD2E469EBB}"/>
+              </a:ext>
+            </a:extLst>
+          </p:cNvPr>
+          <p:cNvCxnSpPr>
+            <a:cxnSpLocks/>
+            <a:stCxn id="32" idx="0"/>
+            <a:endCxn id="19" idx="2"/>
+          </p:cNvCxnSpPr>
+          <p:nvPr/>
+        </p:nvCxnSpPr>
+        <p:spPr>
+          <a:xfrm rot="16200000" flipV="1">
+            <a:off x="6385790" y="3967137"/>
+            <a:ext cx="914899" cy="5089439"/>
+          </a:xfrm>
+          <a:prstGeom prst="bentConnector3">
+            <a:avLst>
+              <a:gd name="adj1" fmla="val 50000"/>
+            </a:avLst>
+          </a:prstGeom>
+          <a:ln w="19050">
+            <a:solidFill>
+              <a:schemeClr val="bg2">
+                <a:lumMod val="50000"/>
+              </a:schemeClr>
+            </a:solidFill>
+            <a:tailEnd type="triangle"/>
+          </a:ln>
+        </p:spPr>
+        <p:style>
+          <a:lnRef idx="1">
+            <a:schemeClr val="accent1"/>
+          </a:lnRef>
+          <a:fillRef idx="0">
+            <a:schemeClr val="accent1"/>
+          </a:fillRef>
+          <a:effectRef idx="0">
+            <a:schemeClr val="accent1"/>
+          </a:effectRef>
+          <a:fontRef idx="minor">
+            <a:schemeClr val="tx1"/>
+          </a:fontRef>
+        </p:style>
+      </p:cxnSp>
+      <p:sp>
+        <p:nvSpPr>
+          <p:cNvPr id="52" name="TextBox 51">
+            <a:extLst>
+              <a:ext uri="{FF2B5EF4-FFF2-40B4-BE49-F238E27FC236}">
+                <a16:creationId xmlns="" xmlns:a16="http://schemas.microsoft.com/office/drawing/2014/main" id="{BEC995AE-3185-458F-A4F6-49E0E5DE03D7}"/>
+              </a:ext>
+            </a:extLst>
+          </p:cNvPr>
+          <p:cNvSpPr txBox="1"/>
+          <p:nvPr/>
+        </p:nvSpPr>
+        <p:spPr>
+          <a:xfrm>
+            <a:off x="3827903" y="1076276"/>
+            <a:ext cx="2165593" cy="307777"/>
+          </a:xfrm>
+          <a:prstGeom prst="rect">
+            <a:avLst/>
+          </a:prstGeom>
+          <a:noFill/>
+        </p:spPr>
+        <p:txBody>
+          <a:bodyPr wrap="none" rtlCol="0">
+            <a:spAutoFit/>
+          </a:bodyPr>
+          <a:lstStyle/>
+          <a:p>
+            <a:r>
+              <a:rPr lang="en-US" sz="1400" b="1" dirty="0">
+                <a:solidFill>
+                  <a:srgbClr val="A50021"/>
+                </a:solidFill>
+              </a:rPr>
+              <a:t>Add Device/ Delete Device</a:t>
+            </a:r>
+          </a:p>
+        </p:txBody>
+      </p:sp>
+      <p:sp>
+        <p:nvSpPr>
+          <p:cNvPr id="53" name="TextBox 52">
+            <a:extLst>
+              <a:ext uri="{FF2B5EF4-FFF2-40B4-BE49-F238E27FC236}">
+                <a16:creationId xmlns="" xmlns:a16="http://schemas.microsoft.com/office/drawing/2014/main" id="{FA3082AA-381E-47C1-82AA-404EECF87BB2}"/>
+              </a:ext>
+            </a:extLst>
+          </p:cNvPr>
+          <p:cNvSpPr txBox="1"/>
+          <p:nvPr/>
+        </p:nvSpPr>
+        <p:spPr>
+          <a:xfrm>
+            <a:off x="2099300" y="3947383"/>
+            <a:ext cx="962123" cy="307777"/>
+          </a:xfrm>
+          <a:prstGeom prst="rect">
+            <a:avLst/>
+          </a:prstGeom>
+          <a:noFill/>
+        </p:spPr>
+        <p:txBody>
+          <a:bodyPr wrap="none" rtlCol="0">
+            <a:spAutoFit/>
+          </a:bodyPr>
+          <a:lstStyle/>
+          <a:p>
+            <a:r>
+              <a:rPr lang="en-US" sz="1400" b="1" dirty="0">
+                <a:solidFill>
+                  <a:srgbClr val="A50021"/>
+                </a:solidFill>
+              </a:rPr>
+              <a:t>Send Alert</a:t>
+            </a:r>
+          </a:p>
+        </p:txBody>
+      </p:sp>
+      <p:cxnSp>
+        <p:nvCxnSpPr>
+          <p:cNvPr id="74" name="Straight Connector 73"/>
+          <p:cNvCxnSpPr>
+            <a:stCxn id="9" idx="2"/>
+          </p:cNvCxnSpPr>
+          <p:nvPr/>
+        </p:nvCxnSpPr>
+        <p:spPr>
+          <a:xfrm flipH="1">
+            <a:off x="7697623" y="3859559"/>
+            <a:ext cx="2" cy="2613812"/>
+          </a:xfrm>
+          <a:prstGeom prst="line">
+            <a:avLst/>
+          </a:prstGeom>
+          <a:ln w="19050">
+            <a:solidFill>
+              <a:schemeClr val="bg2">
+                <a:lumMod val="50000"/>
+              </a:schemeClr>
+            </a:solidFill>
+            <a:tailEnd type="triangle"/>
+          </a:ln>
+        </p:spPr>
+        <p:style>
+          <a:lnRef idx="1">
+            <a:schemeClr val="accent1"/>
+          </a:lnRef>
+          <a:fillRef idx="0">
+            <a:schemeClr val="accent1"/>
+          </a:fillRef>
+          <a:effectRef idx="0">
+            <a:schemeClr val="accent1"/>
+          </a:effectRef>
+          <a:fontRef idx="minor">
+            <a:schemeClr val="tx1"/>
+          </a:fontRef>
+        </p:style>
+      </p:cxnSp>
+    </p:spTree>
+    <p:extLst>
+      <p:ext uri="{BB962C8B-B14F-4D97-AF65-F5344CB8AC3E}">
+        <p14:creationId xmlns:p14="http://schemas.microsoft.com/office/powerpoint/2010/main" val="4013955763"/>
+      </p:ext>
+    </p:extLst>
+  </p:cSld>
+  <p:clrMapOvr>
+    <a:masterClrMapping/>
+  </p:clrMapOvr>
+</p:sld>
+</file>
+
+<file path=ppt/slides/slide7.xml><?xml version="1.0" encoding="utf-8"?>
+<p:sld xmlns:a="http://schemas.openxmlformats.org/drawingml/2006/main" xmlns:r="http://schemas.openxmlformats.org/officeDocument/2006/relationships" xmlns:p="http://schemas.openxmlformats.org/presentationml/2006/main">
+  <p:cSld>
+    <p:spTree>
+      <p:nvGrpSpPr>
+        <p:cNvPr id="1" name=""/>
+        <p:cNvGrpSpPr/>
+        <p:nvPr/>
+      </p:nvGrpSpPr>
+      <p:grpSpPr>
+        <a:xfrm>
+          <a:off x="0" y="0"/>
+          <a:ext cx="0" cy="0"/>
+          <a:chOff x="0" y="0"/>
+          <a:chExt cx="0" cy="0"/>
+        </a:xfrm>
+      </p:grpSpPr>
+      <p:sp>
+        <p:nvSpPr>
+          <p:cNvPr id="2" name="Rectangle 1">
+            <a:extLst>
+              <a:ext uri="{FF2B5EF4-FFF2-40B4-BE49-F238E27FC236}">
+                <a16:creationId xmlns="" xmlns:a16="http://schemas.microsoft.com/office/drawing/2014/main" id="{1752356F-8C8E-4A1D-A831-4C954F8BFBC4}"/>
+              </a:ext>
+            </a:extLst>
+          </p:cNvPr>
+          <p:cNvSpPr/>
+          <p:nvPr/>
+        </p:nvSpPr>
+        <p:spPr>
+          <a:xfrm>
+            <a:off x="997465" y="540250"/>
+            <a:ext cx="1905223" cy="431075"/>
+          </a:xfrm>
+          <a:prstGeom prst="rect">
+            <a:avLst/>
+          </a:prstGeom>
+          <a:noFill/>
+          <a:ln>
+            <a:solidFill>
+              <a:schemeClr val="accent2">
+                <a:lumMod val="75000"/>
+              </a:schemeClr>
+            </a:solidFill>
+          </a:ln>
+        </p:spPr>
+        <p:style>
+          <a:lnRef idx="2">
+            <a:schemeClr val="accent1">
+              <a:shade val="50000"/>
+            </a:schemeClr>
+          </a:lnRef>
+          <a:fillRef idx="1">
+            <a:schemeClr val="accent1"/>
+          </a:fillRef>
+          <a:effectRef idx="0">
+            <a:schemeClr val="accent1"/>
+          </a:effectRef>
+          <a:fontRef idx="minor">
+            <a:schemeClr val="lt1"/>
+          </a:fontRef>
+        </p:style>
+        <p:txBody>
+          <a:bodyPr rtlCol="0" anchor="ctr"/>
+          <a:lstStyle/>
+          <a:p>
+            <a:pPr algn="ctr"/>
+            <a:r>
+              <a:rPr lang="en-US" sz="1400" b="1" dirty="0">
+                <a:solidFill>
+                  <a:schemeClr val="tx1"/>
+                </a:solidFill>
+              </a:rPr>
+              <a:t>Administrator</a:t>
+            </a:r>
+          </a:p>
+        </p:txBody>
+      </p:sp>
+      <p:sp>
+        <p:nvSpPr>
+          <p:cNvPr id="3" name="Rectangle 2">
+            <a:extLst>
+              <a:ext uri="{FF2B5EF4-FFF2-40B4-BE49-F238E27FC236}">
+                <a16:creationId xmlns="" xmlns:a16="http://schemas.microsoft.com/office/drawing/2014/main" id="{D6997C42-1435-4A4A-AF00-CFE8799C50F8}"/>
+              </a:ext>
+            </a:extLst>
+          </p:cNvPr>
+          <p:cNvSpPr/>
+          <p:nvPr/>
+        </p:nvSpPr>
+        <p:spPr>
+          <a:xfrm>
+            <a:off x="997465" y="1010517"/>
+            <a:ext cx="1905223" cy="783765"/>
+          </a:xfrm>
+          <a:prstGeom prst="rect">
+            <a:avLst/>
+          </a:prstGeom>
+          <a:noFill/>
+          <a:ln>
+            <a:solidFill>
+              <a:schemeClr val="accent2">
+                <a:lumMod val="75000"/>
+              </a:schemeClr>
+            </a:solidFill>
+          </a:ln>
+        </p:spPr>
+        <p:style>
+          <a:lnRef idx="2">
+            <a:schemeClr val="accent1">
+              <a:shade val="50000"/>
+            </a:schemeClr>
+          </a:lnRef>
+          <a:fillRef idx="1">
+            <a:schemeClr val="accent1"/>
+          </a:fillRef>
+          <a:effectRef idx="0">
+            <a:schemeClr val="accent1"/>
+          </a:effectRef>
+          <a:fontRef idx="minor">
+            <a:schemeClr val="lt1"/>
+          </a:fontRef>
+        </p:style>
+        <p:txBody>
+          <a:bodyPr rtlCol="0" anchor="ctr"/>
+          <a:lstStyle/>
+          <a:p>
+            <a:pPr marL="342900" indent="-342900">
+              <a:buFont typeface="+mj-lt"/>
+              <a:buAutoNum type="arabicPeriod"/>
+            </a:pPr>
+            <a:r>
+              <a:rPr lang="en-US" sz="1400" dirty="0">
+                <a:solidFill>
+                  <a:schemeClr val="tx1"/>
+                </a:solidFill>
+              </a:rPr>
+              <a:t>ID: Integer</a:t>
+            </a:r>
+          </a:p>
+          <a:p>
+            <a:pPr marL="342900" indent="-342900">
+              <a:buFont typeface="+mj-lt"/>
+              <a:buAutoNum type="arabicPeriod"/>
+            </a:pPr>
+            <a:r>
+              <a:rPr lang="en-US" sz="1400" dirty="0">
+                <a:solidFill>
+                  <a:schemeClr val="tx1"/>
+                </a:solidFill>
+              </a:rPr>
+              <a:t>Name: String</a:t>
+            </a:r>
+          </a:p>
+        </p:txBody>
+      </p:sp>
+      <p:sp>
+        <p:nvSpPr>
+          <p:cNvPr id="4" name="Rectangle 3">
+            <a:extLst>
+              <a:ext uri="{FF2B5EF4-FFF2-40B4-BE49-F238E27FC236}">
+                <a16:creationId xmlns="" xmlns:a16="http://schemas.microsoft.com/office/drawing/2014/main" id="{9CC1C5C0-144B-466A-966B-316399B68337}"/>
+              </a:ext>
+            </a:extLst>
+          </p:cNvPr>
+          <p:cNvSpPr/>
+          <p:nvPr/>
+        </p:nvSpPr>
+        <p:spPr>
+          <a:xfrm>
+            <a:off x="997465" y="1820408"/>
+            <a:ext cx="1905223" cy="1640547"/>
+          </a:xfrm>
+          <a:prstGeom prst="rect">
+            <a:avLst/>
+          </a:prstGeom>
+          <a:noFill/>
+          <a:ln>
+            <a:solidFill>
+              <a:schemeClr val="accent2">
+                <a:lumMod val="75000"/>
+              </a:schemeClr>
+            </a:solidFill>
+          </a:ln>
+        </p:spPr>
+        <p:style>
+          <a:lnRef idx="2">
+            <a:schemeClr val="accent1">
+              <a:shade val="50000"/>
+            </a:schemeClr>
+          </a:lnRef>
+          <a:fillRef idx="1">
+            <a:schemeClr val="accent1"/>
+          </a:fillRef>
+          <a:effectRef idx="0">
+            <a:schemeClr val="accent1"/>
+          </a:effectRef>
+          <a:fontRef idx="minor">
+            <a:schemeClr val="lt1"/>
+          </a:fontRef>
+        </p:style>
+        <p:txBody>
+          <a:bodyPr rtlCol="0" anchor="ctr"/>
+          <a:lstStyle/>
+          <a:p>
+            <a:pPr marL="285750" indent="-285750">
+              <a:buFont typeface="Arial" panose="020B0604020202020204" pitchFamily="34" charset="0"/>
+              <a:buChar char="•"/>
+            </a:pPr>
+            <a:r>
+              <a:rPr lang="en-US" sz="1400" dirty="0">
+                <a:solidFill>
+                  <a:schemeClr val="tx1"/>
+                </a:solidFill>
+              </a:rPr>
+              <a:t>Add Device</a:t>
+            </a:r>
+          </a:p>
+          <a:p>
+            <a:pPr marL="285750" indent="-285750">
+              <a:buFont typeface="Arial" panose="020B0604020202020204" pitchFamily="34" charset="0"/>
+              <a:buChar char="•"/>
+            </a:pPr>
+            <a:r>
+              <a:rPr lang="en-US" sz="1400" dirty="0">
+                <a:solidFill>
+                  <a:schemeClr val="tx1"/>
+                </a:solidFill>
+              </a:rPr>
+              <a:t>Delete Device</a:t>
+            </a:r>
+          </a:p>
+          <a:p>
+            <a:pPr marL="285750" indent="-285750">
+              <a:buFont typeface="Arial" panose="020B0604020202020204" pitchFamily="34" charset="0"/>
+              <a:buChar char="•"/>
+            </a:pPr>
+            <a:r>
+              <a:rPr lang="en-US" sz="1400" dirty="0">
+                <a:solidFill>
+                  <a:schemeClr val="tx1"/>
+                </a:solidFill>
+              </a:rPr>
+              <a:t>Configure Alerts</a:t>
+            </a:r>
+          </a:p>
+          <a:p>
+            <a:pPr marL="285750" indent="-285750">
+              <a:buFont typeface="Arial" panose="020B0604020202020204" pitchFamily="34" charset="0"/>
+              <a:buChar char="•"/>
+            </a:pPr>
+            <a:r>
+              <a:rPr lang="en-US" sz="1400" dirty="0">
+                <a:solidFill>
+                  <a:schemeClr val="tx1"/>
+                </a:solidFill>
+              </a:rPr>
+              <a:t>Configure Contact Details</a:t>
+            </a:r>
+          </a:p>
+          <a:p>
+            <a:pPr marL="285750" indent="-285750">
+              <a:buFont typeface="Arial" panose="020B0604020202020204" pitchFamily="34" charset="0"/>
+              <a:buChar char="•"/>
+            </a:pPr>
+            <a:r>
+              <a:rPr lang="en-US" sz="1400" dirty="0">
+                <a:solidFill>
+                  <a:schemeClr val="tx1"/>
+                </a:solidFill>
+              </a:rPr>
+              <a:t>Take Access to Devices</a:t>
+            </a:r>
+          </a:p>
+        </p:txBody>
+      </p:sp>
+      <p:cxnSp>
+        <p:nvCxnSpPr>
+          <p:cNvPr id="5" name="Straight Connector 4">
+            <a:extLst>
+              <a:ext uri="{FF2B5EF4-FFF2-40B4-BE49-F238E27FC236}">
+                <a16:creationId xmlns="" xmlns:a16="http://schemas.microsoft.com/office/drawing/2014/main" id="{AA3F5828-FBC9-4AE0-81A0-0372C7F6480A}"/>
+              </a:ext>
+            </a:extLst>
+          </p:cNvPr>
+          <p:cNvCxnSpPr>
+            <a:cxnSpLocks/>
+          </p:cNvCxnSpPr>
+          <p:nvPr/>
+        </p:nvCxnSpPr>
+        <p:spPr>
+          <a:xfrm flipV="1">
+            <a:off x="997465" y="971325"/>
+            <a:ext cx="1905223" cy="2"/>
+          </a:xfrm>
+          <a:prstGeom prst="line">
+            <a:avLst/>
+          </a:prstGeom>
+          <a:ln w="101600">
+            <a:solidFill>
+              <a:schemeClr val="accent2">
+                <a:lumMod val="75000"/>
+              </a:schemeClr>
+            </a:solidFill>
+          </a:ln>
+        </p:spPr>
+        <p:style>
+          <a:lnRef idx="1">
+            <a:schemeClr val="accent1"/>
+          </a:lnRef>
+          <a:fillRef idx="0">
+            <a:schemeClr val="accent1"/>
+          </a:fillRef>
+          <a:effectRef idx="0">
+            <a:schemeClr val="accent1"/>
+          </a:effectRef>
+          <a:fontRef idx="minor">
+            <a:schemeClr val="tx1"/>
+          </a:fontRef>
+        </p:style>
+      </p:cxnSp>
+      <p:cxnSp>
+        <p:nvCxnSpPr>
+          <p:cNvPr id="6" name="Straight Connector 5">
+            <a:extLst>
+              <a:ext uri="{FF2B5EF4-FFF2-40B4-BE49-F238E27FC236}">
+                <a16:creationId xmlns="" xmlns:a16="http://schemas.microsoft.com/office/drawing/2014/main" id="{AD4EEB2D-D946-4D70-81C5-6806EDC69770}"/>
+              </a:ext>
+            </a:extLst>
+          </p:cNvPr>
+          <p:cNvCxnSpPr>
+            <a:cxnSpLocks/>
+          </p:cNvCxnSpPr>
+          <p:nvPr/>
+        </p:nvCxnSpPr>
+        <p:spPr>
+          <a:xfrm>
+            <a:off x="997465" y="1794282"/>
+            <a:ext cx="1905223" cy="0"/>
+          </a:xfrm>
+          <a:prstGeom prst="line">
+            <a:avLst/>
+          </a:prstGeom>
+          <a:ln w="101600">
+            <a:solidFill>
+              <a:schemeClr val="accent2">
+                <a:lumMod val="75000"/>
+              </a:schemeClr>
+            </a:solidFill>
+          </a:ln>
+        </p:spPr>
+        <p:style>
+          <a:lnRef idx="1">
+            <a:schemeClr val="accent1"/>
+          </a:lnRef>
+          <a:fillRef idx="0">
+            <a:schemeClr val="accent1"/>
+          </a:fillRef>
+          <a:effectRef idx="0">
+            <a:schemeClr val="accent1"/>
+          </a:effectRef>
+          <a:fontRef idx="minor">
+            <a:schemeClr val="tx1"/>
+          </a:fontRef>
+        </p:style>
+      </p:cxnSp>
+      <p:sp>
+        <p:nvSpPr>
+          <p:cNvPr id="7" name="Rectangle 6">
+            <a:extLst>
+              <a:ext uri="{FF2B5EF4-FFF2-40B4-BE49-F238E27FC236}">
+                <a16:creationId xmlns="" xmlns:a16="http://schemas.microsoft.com/office/drawing/2014/main" id="{932F75E9-AF0A-4DDD-9DD7-D7C0BED296F4}"/>
+              </a:ext>
+            </a:extLst>
+          </p:cNvPr>
+          <p:cNvSpPr/>
+          <p:nvPr/>
+        </p:nvSpPr>
+        <p:spPr>
+          <a:xfrm>
+            <a:off x="6646961" y="205888"/>
+            <a:ext cx="1905223" cy="431075"/>
+          </a:xfrm>
+          <a:prstGeom prst="rect">
+            <a:avLst/>
+          </a:prstGeom>
+          <a:noFill/>
+          <a:ln>
+            <a:solidFill>
+              <a:schemeClr val="accent2">
+                <a:lumMod val="75000"/>
+              </a:schemeClr>
+            </a:solidFill>
+          </a:ln>
+        </p:spPr>
+        <p:style>
+          <a:lnRef idx="2">
+            <a:schemeClr val="accent1">
+              <a:shade val="50000"/>
+            </a:schemeClr>
+          </a:lnRef>
+          <a:fillRef idx="1">
+            <a:schemeClr val="accent1"/>
+          </a:fillRef>
+          <a:effectRef idx="0">
+            <a:schemeClr val="accent1"/>
+          </a:effectRef>
+          <a:fontRef idx="minor">
+            <a:schemeClr val="lt1"/>
+          </a:fontRef>
+        </p:style>
+        <p:txBody>
+          <a:bodyPr rtlCol="0" anchor="ctr"/>
+          <a:lstStyle/>
+          <a:p>
+            <a:pPr algn="ctr"/>
+            <a:r>
+              <a:rPr lang="en-US" sz="1400" b="1" dirty="0">
+                <a:solidFill>
+                  <a:schemeClr val="tx1"/>
+                </a:solidFill>
+              </a:rPr>
+              <a:t>Devices</a:t>
+            </a:r>
+          </a:p>
+        </p:txBody>
+      </p:sp>
+      <p:sp>
+        <p:nvSpPr>
+          <p:cNvPr id="8" name="Rectangle 7">
+            <a:extLst>
+              <a:ext uri="{FF2B5EF4-FFF2-40B4-BE49-F238E27FC236}">
+                <a16:creationId xmlns="" xmlns:a16="http://schemas.microsoft.com/office/drawing/2014/main" id="{113C6502-D99D-4B99-B674-71E29C5F10B5}"/>
+              </a:ext>
+            </a:extLst>
+          </p:cNvPr>
+          <p:cNvSpPr/>
+          <p:nvPr/>
+        </p:nvSpPr>
+        <p:spPr>
+          <a:xfrm>
+            <a:off x="6646961" y="689220"/>
+            <a:ext cx="1905223" cy="822949"/>
+          </a:xfrm>
+          <a:prstGeom prst="rect">
+            <a:avLst/>
+          </a:prstGeom>
+          <a:noFill/>
+          <a:ln>
+            <a:solidFill>
+              <a:schemeClr val="accent2">
+                <a:lumMod val="75000"/>
+              </a:schemeClr>
+            </a:solidFill>
+          </a:ln>
+        </p:spPr>
+        <p:style>
+          <a:lnRef idx="2">
+            <a:schemeClr val="accent1">
+              <a:shade val="50000"/>
+            </a:schemeClr>
+          </a:lnRef>
+          <a:fillRef idx="1">
+            <a:schemeClr val="accent1"/>
+          </a:fillRef>
+          <a:effectRef idx="0">
+            <a:schemeClr val="accent1"/>
+          </a:effectRef>
+          <a:fontRef idx="minor">
+            <a:schemeClr val="lt1"/>
+          </a:fontRef>
+        </p:style>
+        <p:txBody>
+          <a:bodyPr rtlCol="0" anchor="ctr"/>
+          <a:lstStyle/>
+          <a:p>
+            <a:pPr marL="342900" indent="-342900">
+              <a:buFont typeface="+mj-lt"/>
+              <a:buAutoNum type="arabicPeriod"/>
+            </a:pPr>
+            <a:r>
+              <a:rPr lang="en-US" sz="1400" dirty="0">
+                <a:solidFill>
+                  <a:schemeClr val="tx1"/>
+                </a:solidFill>
+              </a:rPr>
+              <a:t>ID: Integer</a:t>
+            </a:r>
+          </a:p>
+          <a:p>
+            <a:pPr marL="342900" indent="-342900">
+              <a:buFont typeface="+mj-lt"/>
+              <a:buAutoNum type="arabicPeriod"/>
+            </a:pPr>
+            <a:r>
+              <a:rPr lang="en-US" sz="1400" dirty="0">
+                <a:solidFill>
+                  <a:schemeClr val="tx1"/>
+                </a:solidFill>
+              </a:rPr>
+              <a:t>Name: String</a:t>
+            </a:r>
+          </a:p>
+          <a:p>
+            <a:pPr marL="342900" indent="-342900">
+              <a:buFont typeface="+mj-lt"/>
+              <a:buAutoNum type="arabicPeriod"/>
+            </a:pPr>
+            <a:r>
+              <a:rPr lang="en-US" sz="1400" dirty="0">
+                <a:solidFill>
+                  <a:schemeClr val="tx1"/>
+                </a:solidFill>
+              </a:rPr>
+              <a:t>IP Address: String</a:t>
+            </a:r>
+          </a:p>
+        </p:txBody>
+      </p:sp>
+      <p:sp>
+        <p:nvSpPr>
+          <p:cNvPr id="9" name="Rectangle 8">
+            <a:extLst>
+              <a:ext uri="{FF2B5EF4-FFF2-40B4-BE49-F238E27FC236}">
+                <a16:creationId xmlns="" xmlns:a16="http://schemas.microsoft.com/office/drawing/2014/main" id="{2E3EB133-0B4C-4668-BE93-6B06A1751E2C}"/>
+              </a:ext>
+            </a:extLst>
+          </p:cNvPr>
+          <p:cNvSpPr/>
+          <p:nvPr/>
+        </p:nvSpPr>
+        <p:spPr>
+          <a:xfrm>
+            <a:off x="6646960" y="1564314"/>
+            <a:ext cx="1905223" cy="2391852"/>
+          </a:xfrm>
+          <a:prstGeom prst="rect">
+            <a:avLst/>
+          </a:prstGeom>
+          <a:noFill/>
+          <a:ln>
+            <a:solidFill>
+              <a:schemeClr val="accent2">
+                <a:lumMod val="75000"/>
+              </a:schemeClr>
+            </a:solidFill>
+          </a:ln>
+        </p:spPr>
+        <p:style>
+          <a:lnRef idx="2">
+            <a:schemeClr val="accent1">
+              <a:shade val="50000"/>
+            </a:schemeClr>
+          </a:lnRef>
+          <a:fillRef idx="1">
+            <a:schemeClr val="accent1"/>
+          </a:fillRef>
+          <a:effectRef idx="0">
+            <a:schemeClr val="accent1"/>
+          </a:effectRef>
+          <a:fontRef idx="minor">
+            <a:schemeClr val="lt1"/>
+          </a:fontRef>
+        </p:style>
+        <p:txBody>
+          <a:bodyPr rtlCol="0" anchor="ctr"/>
+          <a:lstStyle/>
+          <a:p>
+            <a:pPr marL="285750" indent="-285750">
+              <a:buFont typeface="Arial" panose="020B0604020202020204" pitchFamily="34" charset="0"/>
+              <a:buChar char="•"/>
+            </a:pPr>
+            <a:r>
+              <a:rPr lang="en-US" sz="1400" dirty="0">
+                <a:solidFill>
+                  <a:schemeClr val="tx1"/>
+                </a:solidFill>
+              </a:rPr>
+              <a:t>IP Address</a:t>
+            </a:r>
+          </a:p>
+          <a:p>
+            <a:pPr marL="285750" indent="-285750">
+              <a:buFont typeface="Arial" panose="020B0604020202020204" pitchFamily="34" charset="0"/>
+              <a:buChar char="•"/>
+            </a:pPr>
+            <a:r>
+              <a:rPr lang="en-US" sz="1400" dirty="0">
+                <a:solidFill>
+                  <a:schemeClr val="tx1"/>
+                </a:solidFill>
+              </a:rPr>
+              <a:t>MAC Address</a:t>
+            </a:r>
+          </a:p>
+          <a:p>
+            <a:pPr marL="285750" indent="-285750">
+              <a:buFont typeface="Arial" panose="020B0604020202020204" pitchFamily="34" charset="0"/>
+              <a:buChar char="•"/>
+            </a:pPr>
+            <a:r>
+              <a:rPr lang="en-US" sz="1400" dirty="0">
+                <a:solidFill>
+                  <a:schemeClr val="tx1"/>
+                </a:solidFill>
+              </a:rPr>
+              <a:t>Device ID</a:t>
+            </a:r>
+          </a:p>
+          <a:p>
+            <a:pPr marL="285750" indent="-285750">
+              <a:buFont typeface="Arial" panose="020B0604020202020204" pitchFamily="34" charset="0"/>
+              <a:buChar char="•"/>
+            </a:pPr>
+            <a:r>
+              <a:rPr lang="en-US" sz="1400" dirty="0">
+                <a:solidFill>
+                  <a:schemeClr val="tx1"/>
+                </a:solidFill>
+              </a:rPr>
+              <a:t>Device Type</a:t>
+            </a:r>
+          </a:p>
+          <a:p>
+            <a:pPr marL="285750" indent="-285750">
+              <a:buFont typeface="Arial" panose="020B0604020202020204" pitchFamily="34" charset="0"/>
+              <a:buChar char="•"/>
+            </a:pPr>
+            <a:r>
+              <a:rPr lang="en-US" sz="1400" dirty="0">
+                <a:solidFill>
+                  <a:schemeClr val="tx1"/>
+                </a:solidFill>
+              </a:rPr>
+              <a:t>Firmware Version</a:t>
+            </a:r>
+          </a:p>
+          <a:p>
+            <a:pPr marL="285750" indent="-285750">
+              <a:buFont typeface="Arial" panose="020B0604020202020204" pitchFamily="34" charset="0"/>
+              <a:buChar char="•"/>
+            </a:pPr>
+            <a:r>
+              <a:rPr lang="en-US" sz="1400" dirty="0">
+                <a:solidFill>
+                  <a:schemeClr val="tx1"/>
+                </a:solidFill>
+              </a:rPr>
+              <a:t>Reachability</a:t>
+            </a:r>
+          </a:p>
+          <a:p>
+            <a:pPr marL="285750" indent="-285750">
+              <a:buFont typeface="Arial" panose="020B0604020202020204" pitchFamily="34" charset="0"/>
+              <a:buChar char="•"/>
+            </a:pPr>
+            <a:r>
+              <a:rPr lang="en-US" sz="1400" dirty="0">
+                <a:solidFill>
+                  <a:schemeClr val="tx1"/>
+                </a:solidFill>
+              </a:rPr>
+              <a:t>Access</a:t>
+            </a:r>
+          </a:p>
+          <a:p>
+            <a:pPr marL="285750" indent="-285750">
+              <a:buFont typeface="Arial" panose="020B0604020202020204" pitchFamily="34" charset="0"/>
+              <a:buChar char="•"/>
+            </a:pPr>
+            <a:r>
+              <a:rPr lang="en-US" sz="1400" dirty="0">
+                <a:solidFill>
+                  <a:schemeClr val="tx1"/>
+                </a:solidFill>
+              </a:rPr>
+              <a:t>Bandwidth</a:t>
+            </a:r>
+          </a:p>
+          <a:p>
+            <a:pPr marL="285750" indent="-285750">
+              <a:buFont typeface="Arial" panose="020B0604020202020204" pitchFamily="34" charset="0"/>
+              <a:buChar char="•"/>
+            </a:pPr>
+            <a:r>
+              <a:rPr lang="en-US" sz="1400" dirty="0">
+                <a:solidFill>
+                  <a:schemeClr val="tx1"/>
+                </a:solidFill>
+              </a:rPr>
+              <a:t>Latency</a:t>
+            </a:r>
+          </a:p>
+          <a:p>
+            <a:pPr marL="285750" indent="-285750">
+              <a:buFont typeface="Arial" panose="020B0604020202020204" pitchFamily="34" charset="0"/>
+              <a:buChar char="•"/>
+            </a:pPr>
+            <a:r>
+              <a:rPr lang="en-US" sz="1400" dirty="0">
+                <a:solidFill>
+                  <a:schemeClr val="tx1"/>
+                </a:solidFill>
+              </a:rPr>
+              <a:t>Uptime</a:t>
+            </a:r>
+          </a:p>
+          <a:p>
+            <a:pPr marL="285750" indent="-285750">
+              <a:buFont typeface="Arial" panose="020B0604020202020204" pitchFamily="34" charset="0"/>
+              <a:buChar char="•"/>
+            </a:pPr>
+            <a:r>
+              <a:rPr lang="en-US" sz="1400" dirty="0">
+                <a:solidFill>
+                  <a:schemeClr val="tx1"/>
+                </a:solidFill>
+              </a:rPr>
+              <a:t>Traffic Statistics</a:t>
+            </a:r>
+          </a:p>
+        </p:txBody>
+      </p:sp>
+      <p:cxnSp>
+        <p:nvCxnSpPr>
+          <p:cNvPr id="10" name="Straight Connector 9">
+            <a:extLst>
+              <a:ext uri="{FF2B5EF4-FFF2-40B4-BE49-F238E27FC236}">
+                <a16:creationId xmlns="" xmlns:a16="http://schemas.microsoft.com/office/drawing/2014/main" id="{A267A6C8-0ACE-45E0-82C6-C0AA93900FD5}"/>
+              </a:ext>
+            </a:extLst>
+          </p:cNvPr>
+          <p:cNvCxnSpPr>
+            <a:cxnSpLocks/>
+          </p:cNvCxnSpPr>
+          <p:nvPr/>
+        </p:nvCxnSpPr>
+        <p:spPr>
+          <a:xfrm>
+            <a:off x="6646961" y="650027"/>
+            <a:ext cx="1905223" cy="0"/>
+          </a:xfrm>
+          <a:prstGeom prst="line">
+            <a:avLst/>
+          </a:prstGeom>
+          <a:ln w="101600">
+            <a:solidFill>
+              <a:schemeClr val="accent2">
+                <a:lumMod val="75000"/>
+              </a:schemeClr>
+            </a:solidFill>
+          </a:ln>
+        </p:spPr>
+        <p:style>
+          <a:lnRef idx="1">
+            <a:schemeClr val="accent1"/>
+          </a:lnRef>
+          <a:fillRef idx="0">
+            <a:schemeClr val="accent1"/>
+          </a:fillRef>
+          <a:effectRef idx="0">
+            <a:schemeClr val="accent1"/>
+          </a:effectRef>
+          <a:fontRef idx="minor">
+            <a:schemeClr val="tx1"/>
+          </a:fontRef>
+        </p:style>
+      </p:cxnSp>
+      <p:cxnSp>
+        <p:nvCxnSpPr>
+          <p:cNvPr id="11" name="Straight Connector 10">
+            <a:extLst>
+              <a:ext uri="{FF2B5EF4-FFF2-40B4-BE49-F238E27FC236}">
+                <a16:creationId xmlns="" xmlns:a16="http://schemas.microsoft.com/office/drawing/2014/main" id="{8C4472C0-881F-4AB2-83EC-8966652767DF}"/>
+              </a:ext>
+            </a:extLst>
+          </p:cNvPr>
+          <p:cNvCxnSpPr>
+            <a:cxnSpLocks/>
+          </p:cNvCxnSpPr>
+          <p:nvPr/>
+        </p:nvCxnSpPr>
+        <p:spPr>
+          <a:xfrm>
+            <a:off x="6646961" y="1538294"/>
+            <a:ext cx="1905223" cy="0"/>
+          </a:xfrm>
+          <a:prstGeom prst="line">
+            <a:avLst/>
+          </a:prstGeom>
+          <a:ln w="101600">
+            <a:solidFill>
+              <a:schemeClr val="accent2">
+                <a:lumMod val="75000"/>
+              </a:schemeClr>
+            </a:solidFill>
+          </a:ln>
+        </p:spPr>
+        <p:style>
+          <a:lnRef idx="1">
+            <a:schemeClr val="accent1"/>
+          </a:lnRef>
+          <a:fillRef idx="0">
+            <a:schemeClr val="accent1"/>
+          </a:fillRef>
+          <a:effectRef idx="0">
+            <a:schemeClr val="accent1"/>
+          </a:effectRef>
+          <a:fontRef idx="minor">
+            <a:schemeClr val="tx1"/>
+          </a:fontRef>
+        </p:style>
+      </p:cxnSp>
+      <p:sp>
+        <p:nvSpPr>
+          <p:cNvPr id="12" name="Rectangle 11">
+            <a:extLst>
+              <a:ext uri="{FF2B5EF4-FFF2-40B4-BE49-F238E27FC236}">
+                <a16:creationId xmlns="" xmlns:a16="http://schemas.microsoft.com/office/drawing/2014/main" id="{971E23BB-B9CB-4973-8B0E-B14948268709}"/>
+              </a:ext>
+            </a:extLst>
+          </p:cNvPr>
+          <p:cNvSpPr/>
+          <p:nvPr/>
+        </p:nvSpPr>
+        <p:spPr>
+          <a:xfrm>
+            <a:off x="5993496" y="6206762"/>
+            <a:ext cx="1905223" cy="431075"/>
+          </a:xfrm>
+          <a:prstGeom prst="rect">
+            <a:avLst/>
+          </a:prstGeom>
+          <a:noFill/>
+          <a:ln>
+            <a:solidFill>
+              <a:schemeClr val="accent2">
+                <a:lumMod val="75000"/>
+              </a:schemeClr>
+            </a:solidFill>
+          </a:ln>
+        </p:spPr>
+        <p:style>
+          <a:lnRef idx="2">
+            <a:schemeClr val="accent1">
+              <a:shade val="50000"/>
+            </a:schemeClr>
+          </a:lnRef>
+          <a:fillRef idx="1">
+            <a:schemeClr val="accent1"/>
+          </a:fillRef>
+          <a:effectRef idx="0">
+            <a:schemeClr val="accent1"/>
+          </a:effectRef>
+          <a:fontRef idx="minor">
+            <a:schemeClr val="lt1"/>
+          </a:fontRef>
+        </p:style>
+        <p:txBody>
+          <a:bodyPr rtlCol="0" anchor="ctr"/>
+          <a:lstStyle/>
+          <a:p>
+            <a:pPr algn="ctr"/>
+            <a:r>
+              <a:rPr lang="en-US" sz="1400" b="1" dirty="0">
+                <a:solidFill>
+                  <a:schemeClr val="tx1"/>
+                </a:solidFill>
+              </a:rPr>
+              <a:t>ICMP Monitoring</a:t>
+            </a:r>
+          </a:p>
+        </p:txBody>
+      </p:sp>
+      <p:sp>
+        <p:nvSpPr>
+          <p:cNvPr id="13" name="Rectangle 12">
+            <a:extLst>
+              <a:ext uri="{FF2B5EF4-FFF2-40B4-BE49-F238E27FC236}">
+                <a16:creationId xmlns="" xmlns:a16="http://schemas.microsoft.com/office/drawing/2014/main" id="{1A177BFF-BA50-43AA-8A97-B5FD219B61EA}"/>
+              </a:ext>
+            </a:extLst>
+          </p:cNvPr>
+          <p:cNvSpPr/>
+          <p:nvPr/>
+        </p:nvSpPr>
+        <p:spPr>
+          <a:xfrm>
+            <a:off x="5993496" y="6677029"/>
+            <a:ext cx="1905223" cy="783765"/>
+          </a:xfrm>
+          <a:prstGeom prst="rect">
+            <a:avLst/>
+          </a:prstGeom>
+          <a:noFill/>
+          <a:ln>
+            <a:solidFill>
+              <a:schemeClr val="accent2">
+                <a:lumMod val="75000"/>
+              </a:schemeClr>
+            </a:solidFill>
+          </a:ln>
+        </p:spPr>
+        <p:style>
+          <a:lnRef idx="2">
+            <a:schemeClr val="accent1">
+              <a:shade val="50000"/>
+            </a:schemeClr>
+          </a:lnRef>
+          <a:fillRef idx="1">
+            <a:schemeClr val="accent1"/>
+          </a:fillRef>
+          <a:effectRef idx="0">
+            <a:schemeClr val="accent1"/>
+          </a:effectRef>
+          <a:fontRef idx="minor">
+            <a:schemeClr val="lt1"/>
+          </a:fontRef>
+        </p:style>
+        <p:txBody>
+          <a:bodyPr rtlCol="0" anchor="ctr"/>
+          <a:lstStyle/>
+          <a:p>
+            <a:pPr marL="342900" indent="-342900">
+              <a:buFont typeface="+mj-lt"/>
+              <a:buAutoNum type="arabicPeriod"/>
+            </a:pPr>
+            <a:r>
+              <a:rPr lang="en-US" sz="1400" dirty="0">
+                <a:solidFill>
+                  <a:schemeClr val="tx1"/>
+                </a:solidFill>
+              </a:rPr>
+              <a:t>Socket ID</a:t>
+            </a:r>
+          </a:p>
+          <a:p>
+            <a:pPr marL="342900" indent="-342900">
+              <a:buFont typeface="+mj-lt"/>
+              <a:buAutoNum type="arabicPeriod"/>
+            </a:pPr>
+            <a:r>
+              <a:rPr lang="en-US" sz="1400" dirty="0">
+                <a:solidFill>
+                  <a:schemeClr val="tx1"/>
+                </a:solidFill>
+              </a:rPr>
+              <a:t>Send Request</a:t>
+            </a:r>
+          </a:p>
+        </p:txBody>
+      </p:sp>
+      <p:sp>
+        <p:nvSpPr>
+          <p:cNvPr id="14" name="Rectangle 13">
+            <a:extLst>
+              <a:ext uri="{FF2B5EF4-FFF2-40B4-BE49-F238E27FC236}">
+                <a16:creationId xmlns="" xmlns:a16="http://schemas.microsoft.com/office/drawing/2014/main" id="{E4DF55D0-435E-46A6-887D-858319D6DE83}"/>
+              </a:ext>
+            </a:extLst>
+          </p:cNvPr>
+          <p:cNvSpPr/>
+          <p:nvPr/>
+        </p:nvSpPr>
+        <p:spPr>
+          <a:xfrm>
+            <a:off x="5993496" y="7486921"/>
+            <a:ext cx="1905223" cy="326566"/>
+          </a:xfrm>
+          <a:prstGeom prst="rect">
+            <a:avLst/>
+          </a:prstGeom>
+          <a:noFill/>
+          <a:ln>
+            <a:solidFill>
+              <a:schemeClr val="accent2">
+                <a:lumMod val="75000"/>
+              </a:schemeClr>
+            </a:solidFill>
+          </a:ln>
+        </p:spPr>
+        <p:style>
+          <a:lnRef idx="2">
+            <a:schemeClr val="accent1">
+              <a:shade val="50000"/>
+            </a:schemeClr>
+          </a:lnRef>
+          <a:fillRef idx="1">
+            <a:schemeClr val="accent1"/>
+          </a:fillRef>
+          <a:effectRef idx="0">
+            <a:schemeClr val="accent1"/>
+          </a:effectRef>
+          <a:fontRef idx="minor">
+            <a:schemeClr val="lt1"/>
+          </a:fontRef>
+        </p:style>
+        <p:txBody>
+          <a:bodyPr rtlCol="0" anchor="ctr"/>
+          <a:lstStyle/>
+          <a:p>
+            <a:pPr marL="285750" indent="-285750">
+              <a:buFont typeface="Arial" panose="020B0604020202020204" pitchFamily="34" charset="0"/>
+              <a:buChar char="•"/>
+            </a:pPr>
+            <a:r>
+              <a:rPr lang="en-US" sz="1400" dirty="0">
+                <a:solidFill>
+                  <a:schemeClr val="tx1"/>
+                </a:solidFill>
+              </a:rPr>
+              <a:t>Reachability</a:t>
+            </a:r>
+          </a:p>
+        </p:txBody>
+      </p:sp>
+      <p:cxnSp>
+        <p:nvCxnSpPr>
+          <p:cNvPr id="15" name="Straight Connector 14">
+            <a:extLst>
+              <a:ext uri="{FF2B5EF4-FFF2-40B4-BE49-F238E27FC236}">
+                <a16:creationId xmlns="" xmlns:a16="http://schemas.microsoft.com/office/drawing/2014/main" id="{24D345A0-50F8-4776-B886-157B590DD531}"/>
+              </a:ext>
+            </a:extLst>
+          </p:cNvPr>
+          <p:cNvCxnSpPr>
+            <a:cxnSpLocks/>
+          </p:cNvCxnSpPr>
+          <p:nvPr/>
+        </p:nvCxnSpPr>
+        <p:spPr>
+          <a:xfrm>
+            <a:off x="5993496" y="6637836"/>
+            <a:ext cx="1905223" cy="0"/>
+          </a:xfrm>
+          <a:prstGeom prst="line">
+            <a:avLst/>
+          </a:prstGeom>
+          <a:ln w="101600">
+            <a:solidFill>
+              <a:schemeClr val="accent2">
+                <a:lumMod val="75000"/>
+              </a:schemeClr>
+            </a:solidFill>
+          </a:ln>
+        </p:spPr>
+        <p:style>
+          <a:lnRef idx="1">
+            <a:schemeClr val="accent1"/>
+          </a:lnRef>
+          <a:fillRef idx="0">
+            <a:schemeClr val="accent1"/>
+          </a:fillRef>
+          <a:effectRef idx="0">
+            <a:schemeClr val="accent1"/>
+          </a:effectRef>
+          <a:fontRef idx="minor">
+            <a:schemeClr val="tx1"/>
+          </a:fontRef>
+        </p:style>
+      </p:cxnSp>
+      <p:cxnSp>
+        <p:nvCxnSpPr>
+          <p:cNvPr id="16" name="Straight Connector 15">
+            <a:extLst>
+              <a:ext uri="{FF2B5EF4-FFF2-40B4-BE49-F238E27FC236}">
+                <a16:creationId xmlns="" xmlns:a16="http://schemas.microsoft.com/office/drawing/2014/main" id="{5C99EE0B-F264-49E6-8519-1136FB92653A}"/>
+              </a:ext>
+            </a:extLst>
+          </p:cNvPr>
+          <p:cNvCxnSpPr>
+            <a:cxnSpLocks/>
+          </p:cNvCxnSpPr>
+          <p:nvPr/>
+        </p:nvCxnSpPr>
+        <p:spPr>
+          <a:xfrm>
+            <a:off x="5993496" y="7460793"/>
+            <a:ext cx="1905223" cy="0"/>
+          </a:xfrm>
+          <a:prstGeom prst="line">
+            <a:avLst/>
+          </a:prstGeom>
+          <a:ln w="101600">
+            <a:solidFill>
+              <a:schemeClr val="accent2">
+                <a:lumMod val="75000"/>
+              </a:schemeClr>
+            </a:solidFill>
+          </a:ln>
+        </p:spPr>
+        <p:style>
+          <a:lnRef idx="1">
+            <a:schemeClr val="accent1"/>
+          </a:lnRef>
+          <a:fillRef idx="0">
+            <a:schemeClr val="accent1"/>
+          </a:fillRef>
+          <a:effectRef idx="0">
+            <a:schemeClr val="accent1"/>
+          </a:effectRef>
+          <a:fontRef idx="minor">
+            <a:schemeClr val="tx1"/>
+          </a:fontRef>
+        </p:style>
+      </p:cxnSp>
+      <p:sp>
+        <p:nvSpPr>
+          <p:cNvPr id="17" name="Rectangle 16">
+            <a:extLst>
+              <a:ext uri="{FF2B5EF4-FFF2-40B4-BE49-F238E27FC236}">
+                <a16:creationId xmlns="" xmlns:a16="http://schemas.microsoft.com/office/drawing/2014/main" id="{03547A26-B4B5-479D-9203-D502CDE04AE6}"/>
+              </a:ext>
+            </a:extLst>
+          </p:cNvPr>
+          <p:cNvSpPr/>
+          <p:nvPr/>
+        </p:nvSpPr>
+        <p:spPr>
+          <a:xfrm>
+            <a:off x="3167019" y="5148723"/>
+            <a:ext cx="1905223" cy="431075"/>
+          </a:xfrm>
+          <a:prstGeom prst="rect">
+            <a:avLst/>
+          </a:prstGeom>
+          <a:noFill/>
+          <a:ln>
+            <a:solidFill>
+              <a:schemeClr val="accent2">
+                <a:lumMod val="75000"/>
+              </a:schemeClr>
+            </a:solidFill>
+          </a:ln>
+        </p:spPr>
+        <p:style>
+          <a:lnRef idx="2">
+            <a:schemeClr val="accent1">
+              <a:shade val="50000"/>
+            </a:schemeClr>
+          </a:lnRef>
+          <a:fillRef idx="1">
+            <a:schemeClr val="accent1"/>
+          </a:fillRef>
+          <a:effectRef idx="0">
+            <a:schemeClr val="accent1"/>
+          </a:effectRef>
+          <a:fontRef idx="minor">
+            <a:schemeClr val="lt1"/>
+          </a:fontRef>
+        </p:style>
+        <p:txBody>
+          <a:bodyPr rtlCol="0" anchor="ctr"/>
+          <a:lstStyle/>
+          <a:p>
+            <a:pPr algn="ctr"/>
+            <a:r>
+              <a:rPr lang="en-US" sz="1400" b="1" dirty="0">
+                <a:solidFill>
+                  <a:schemeClr val="tx1"/>
+                </a:solidFill>
+              </a:rPr>
+              <a:t>Alerts</a:t>
+            </a:r>
+          </a:p>
+        </p:txBody>
+      </p:sp>
+      <p:sp>
+        <p:nvSpPr>
+          <p:cNvPr id="18" name="Rectangle 17">
+            <a:extLst>
+              <a:ext uri="{FF2B5EF4-FFF2-40B4-BE49-F238E27FC236}">
+                <a16:creationId xmlns="" xmlns:a16="http://schemas.microsoft.com/office/drawing/2014/main" id="{94071722-4914-41C3-8E9D-3A50AA90A718}"/>
+              </a:ext>
+            </a:extLst>
+          </p:cNvPr>
+          <p:cNvSpPr/>
+          <p:nvPr/>
+        </p:nvSpPr>
+        <p:spPr>
+          <a:xfrm>
+            <a:off x="3167019" y="5618990"/>
+            <a:ext cx="1905223" cy="892155"/>
+          </a:xfrm>
+          <a:prstGeom prst="rect">
+            <a:avLst/>
+          </a:prstGeom>
+          <a:noFill/>
+          <a:ln>
+            <a:solidFill>
+              <a:schemeClr val="accent2">
+                <a:lumMod val="75000"/>
+              </a:schemeClr>
+            </a:solidFill>
+          </a:ln>
+        </p:spPr>
+        <p:style>
+          <a:lnRef idx="2">
+            <a:schemeClr val="accent1">
+              <a:shade val="50000"/>
+            </a:schemeClr>
+          </a:lnRef>
+          <a:fillRef idx="1">
+            <a:schemeClr val="accent1"/>
+          </a:fillRef>
+          <a:effectRef idx="0">
+            <a:schemeClr val="accent1"/>
+          </a:effectRef>
+          <a:fontRef idx="minor">
+            <a:schemeClr val="lt1"/>
+          </a:fontRef>
+        </p:style>
+        <p:txBody>
+          <a:bodyPr rtlCol="0" anchor="ctr"/>
+          <a:lstStyle/>
+          <a:p>
+            <a:pPr marL="342900" indent="-342900">
+              <a:buFont typeface="+mj-lt"/>
+              <a:buAutoNum type="arabicPeriod"/>
+            </a:pPr>
+            <a:r>
+              <a:rPr lang="en-US" sz="1400" dirty="0">
+                <a:solidFill>
+                  <a:schemeClr val="tx1"/>
+                </a:solidFill>
+              </a:rPr>
+              <a:t>Start Time: Timestamp</a:t>
+            </a:r>
+          </a:p>
+          <a:p>
+            <a:pPr marL="342900" indent="-342900">
+              <a:buFont typeface="+mj-lt"/>
+              <a:buAutoNum type="arabicPeriod"/>
+            </a:pPr>
+            <a:r>
+              <a:rPr lang="en-US" sz="1400" dirty="0">
+                <a:solidFill>
+                  <a:schemeClr val="tx1"/>
+                </a:solidFill>
+              </a:rPr>
+              <a:t>End Time: Timestamp</a:t>
+            </a:r>
+          </a:p>
+        </p:txBody>
+      </p:sp>
+      <p:sp>
+        <p:nvSpPr>
+          <p:cNvPr id="19" name="Rectangle 18">
+            <a:extLst>
+              <a:ext uri="{FF2B5EF4-FFF2-40B4-BE49-F238E27FC236}">
+                <a16:creationId xmlns="" xmlns:a16="http://schemas.microsoft.com/office/drawing/2014/main" id="{EA3F1FEF-DC9E-4AC6-BE06-0E79BE3FEF92}"/>
+              </a:ext>
+            </a:extLst>
+          </p:cNvPr>
+          <p:cNvSpPr/>
+          <p:nvPr/>
+        </p:nvSpPr>
+        <p:spPr>
+          <a:xfrm>
+            <a:off x="3167019" y="6560231"/>
+            <a:ext cx="1905223" cy="1279433"/>
+          </a:xfrm>
+          <a:prstGeom prst="rect">
+            <a:avLst/>
+          </a:prstGeom>
+          <a:noFill/>
+          <a:ln>
+            <a:solidFill>
+              <a:schemeClr val="accent2">
+                <a:lumMod val="75000"/>
+              </a:schemeClr>
+            </a:solidFill>
+          </a:ln>
+        </p:spPr>
+        <p:style>
+          <a:lnRef idx="2">
+            <a:schemeClr val="accent1">
+              <a:shade val="50000"/>
+            </a:schemeClr>
+          </a:lnRef>
+          <a:fillRef idx="1">
+            <a:schemeClr val="accent1"/>
+          </a:fillRef>
+          <a:effectRef idx="0">
+            <a:schemeClr val="accent1"/>
+          </a:effectRef>
+          <a:fontRef idx="minor">
+            <a:schemeClr val="lt1"/>
+          </a:fontRef>
+        </p:style>
+        <p:txBody>
+          <a:bodyPr rtlCol="0" anchor="ctr"/>
+          <a:lstStyle/>
+          <a:p>
+            <a:pPr marL="285750" indent="-285750">
+              <a:buFont typeface="Arial" panose="020B0604020202020204" pitchFamily="34" charset="0"/>
+              <a:buChar char="•"/>
+            </a:pPr>
+            <a:r>
+              <a:rPr lang="en-US" sz="1400" dirty="0">
+                <a:solidFill>
+                  <a:schemeClr val="tx1"/>
+                </a:solidFill>
+              </a:rPr>
+              <a:t>Subject</a:t>
+            </a:r>
+          </a:p>
+          <a:p>
+            <a:pPr marL="285750" indent="-285750">
+              <a:buFont typeface="Arial" panose="020B0604020202020204" pitchFamily="34" charset="0"/>
+              <a:buChar char="•"/>
+            </a:pPr>
+            <a:r>
+              <a:rPr lang="en-US" sz="1400" dirty="0">
+                <a:solidFill>
+                  <a:schemeClr val="tx1"/>
+                </a:solidFill>
+              </a:rPr>
+              <a:t>Criticality level</a:t>
+            </a:r>
+          </a:p>
+          <a:p>
+            <a:pPr marL="285750" indent="-285750">
+              <a:buFont typeface="Arial" panose="020B0604020202020204" pitchFamily="34" charset="0"/>
+              <a:buChar char="•"/>
+            </a:pPr>
+            <a:r>
+              <a:rPr lang="en-US" sz="1400" dirty="0">
+                <a:solidFill>
+                  <a:schemeClr val="tx1"/>
+                </a:solidFill>
+              </a:rPr>
+              <a:t>Log Level</a:t>
+            </a:r>
+          </a:p>
+          <a:p>
+            <a:pPr marL="285750" indent="-285750">
+              <a:buFont typeface="Arial" panose="020B0604020202020204" pitchFamily="34" charset="0"/>
+              <a:buChar char="•"/>
+            </a:pPr>
+            <a:r>
+              <a:rPr lang="en-US" sz="1400" dirty="0">
+                <a:solidFill>
+                  <a:schemeClr val="tx1"/>
+                </a:solidFill>
+              </a:rPr>
+              <a:t>Body of the Alert</a:t>
+            </a:r>
+          </a:p>
+          <a:p>
+            <a:pPr marL="285750" indent="-285750">
+              <a:buFont typeface="Arial" panose="020B0604020202020204" pitchFamily="34" charset="0"/>
+              <a:buChar char="•"/>
+            </a:pPr>
+            <a:r>
+              <a:rPr lang="en-US" sz="1400" dirty="0">
+                <a:solidFill>
+                  <a:schemeClr val="tx1"/>
+                </a:solidFill>
+              </a:rPr>
+              <a:t>Send Email</a:t>
+            </a:r>
+          </a:p>
+        </p:txBody>
+      </p:sp>
+      <p:cxnSp>
+        <p:nvCxnSpPr>
+          <p:cNvPr id="20" name="Straight Connector 19">
+            <a:extLst>
+              <a:ext uri="{FF2B5EF4-FFF2-40B4-BE49-F238E27FC236}">
+                <a16:creationId xmlns="" xmlns:a16="http://schemas.microsoft.com/office/drawing/2014/main" id="{6CED28F0-98EC-4FC0-BD08-B804AFB7E67F}"/>
+              </a:ext>
+            </a:extLst>
+          </p:cNvPr>
+          <p:cNvCxnSpPr>
+            <a:cxnSpLocks/>
+          </p:cNvCxnSpPr>
+          <p:nvPr/>
+        </p:nvCxnSpPr>
+        <p:spPr>
+          <a:xfrm>
+            <a:off x="3167019" y="5579797"/>
+            <a:ext cx="1905223" cy="1"/>
+          </a:xfrm>
+          <a:prstGeom prst="line">
+            <a:avLst/>
+          </a:prstGeom>
+          <a:ln w="101600">
+            <a:solidFill>
+              <a:schemeClr val="accent2">
+                <a:lumMod val="75000"/>
+              </a:schemeClr>
+            </a:solidFill>
+          </a:ln>
+        </p:spPr>
+        <p:style>
+          <a:lnRef idx="1">
+            <a:schemeClr val="accent1"/>
+          </a:lnRef>
+          <a:fillRef idx="0">
+            <a:schemeClr val="accent1"/>
+          </a:fillRef>
+          <a:effectRef idx="0">
+            <a:schemeClr val="accent1"/>
+          </a:effectRef>
+          <a:fontRef idx="minor">
+            <a:schemeClr val="tx1"/>
+          </a:fontRef>
+        </p:style>
+      </p:cxnSp>
+      <p:cxnSp>
+        <p:nvCxnSpPr>
+          <p:cNvPr id="21" name="Straight Connector 20">
+            <a:extLst>
+              <a:ext uri="{FF2B5EF4-FFF2-40B4-BE49-F238E27FC236}">
+                <a16:creationId xmlns="" xmlns:a16="http://schemas.microsoft.com/office/drawing/2014/main" id="{46FB8398-D3BC-4D0A-95BF-492D1B133959}"/>
+              </a:ext>
+            </a:extLst>
+          </p:cNvPr>
+          <p:cNvCxnSpPr>
+            <a:cxnSpLocks/>
+          </p:cNvCxnSpPr>
+          <p:nvPr/>
+        </p:nvCxnSpPr>
+        <p:spPr>
+          <a:xfrm>
+            <a:off x="3179843" y="6546544"/>
+            <a:ext cx="1892400" cy="1831"/>
+          </a:xfrm>
+          <a:prstGeom prst="line">
+            <a:avLst/>
+          </a:prstGeom>
+          <a:ln w="101600">
+            <a:solidFill>
+              <a:schemeClr val="accent2">
+                <a:lumMod val="75000"/>
+              </a:schemeClr>
+            </a:solidFill>
+          </a:ln>
+        </p:spPr>
+        <p:style>
+          <a:lnRef idx="1">
+            <a:schemeClr val="accent1"/>
+          </a:lnRef>
+          <a:fillRef idx="0">
+            <a:schemeClr val="accent1"/>
+          </a:fillRef>
+          <a:effectRef idx="0">
+            <a:schemeClr val="accent1"/>
+          </a:effectRef>
+          <a:fontRef idx="minor">
+            <a:schemeClr val="tx1"/>
+          </a:fontRef>
+        </p:style>
+      </p:cxnSp>
+      <p:sp>
+        <p:nvSpPr>
+          <p:cNvPr id="22" name="Rectangle 21">
+            <a:extLst>
+              <a:ext uri="{FF2B5EF4-FFF2-40B4-BE49-F238E27FC236}">
+                <a16:creationId xmlns="" xmlns:a16="http://schemas.microsoft.com/office/drawing/2014/main" id="{5FAA41A9-C704-4753-994E-85629042DFBB}"/>
+              </a:ext>
+            </a:extLst>
+          </p:cNvPr>
+          <p:cNvSpPr/>
+          <p:nvPr/>
+        </p:nvSpPr>
+        <p:spPr>
+          <a:xfrm>
+            <a:off x="987392" y="6364406"/>
+            <a:ext cx="1905223" cy="431075"/>
+          </a:xfrm>
+          <a:prstGeom prst="rect">
+            <a:avLst/>
+          </a:prstGeom>
+          <a:noFill/>
+          <a:ln>
+            <a:solidFill>
+              <a:schemeClr val="accent2">
+                <a:lumMod val="75000"/>
+              </a:schemeClr>
+            </a:solidFill>
+          </a:ln>
+        </p:spPr>
+        <p:style>
+          <a:lnRef idx="2">
+            <a:schemeClr val="accent1">
+              <a:shade val="50000"/>
+            </a:schemeClr>
+          </a:lnRef>
+          <a:fillRef idx="1">
+            <a:schemeClr val="accent1"/>
+          </a:fillRef>
+          <a:effectRef idx="0">
+            <a:schemeClr val="accent1"/>
+          </a:effectRef>
+          <a:fontRef idx="minor">
+            <a:schemeClr val="lt1"/>
+          </a:fontRef>
+        </p:style>
+        <p:txBody>
+          <a:bodyPr rtlCol="0" anchor="ctr"/>
+          <a:lstStyle/>
+          <a:p>
+            <a:pPr algn="ctr"/>
+            <a:r>
+              <a:rPr lang="en-US" sz="1400" b="1" dirty="0">
+                <a:solidFill>
+                  <a:schemeClr val="tx1"/>
+                </a:solidFill>
+              </a:rPr>
+              <a:t>SNMP Monitoring</a:t>
+            </a:r>
+          </a:p>
+        </p:txBody>
+      </p:sp>
+      <p:sp>
+        <p:nvSpPr>
+          <p:cNvPr id="23" name="Rectangle 22">
+            <a:extLst>
+              <a:ext uri="{FF2B5EF4-FFF2-40B4-BE49-F238E27FC236}">
+                <a16:creationId xmlns="" xmlns:a16="http://schemas.microsoft.com/office/drawing/2014/main" id="{CBC38FF1-96BB-4979-AC7C-5452AC55E93D}"/>
+              </a:ext>
+            </a:extLst>
+          </p:cNvPr>
+          <p:cNvSpPr/>
+          <p:nvPr/>
+        </p:nvSpPr>
+        <p:spPr>
+          <a:xfrm>
+            <a:off x="987392" y="6834673"/>
+            <a:ext cx="1905223" cy="783765"/>
+          </a:xfrm>
+          <a:prstGeom prst="rect">
+            <a:avLst/>
+          </a:prstGeom>
+          <a:noFill/>
+          <a:ln>
+            <a:solidFill>
+              <a:schemeClr val="accent2">
+                <a:lumMod val="75000"/>
+              </a:schemeClr>
+            </a:solidFill>
+          </a:ln>
+        </p:spPr>
+        <p:style>
+          <a:lnRef idx="2">
+            <a:schemeClr val="accent1">
+              <a:shade val="50000"/>
+            </a:schemeClr>
+          </a:lnRef>
+          <a:fillRef idx="1">
+            <a:schemeClr val="accent1"/>
+          </a:fillRef>
+          <a:effectRef idx="0">
+            <a:schemeClr val="accent1"/>
+          </a:effectRef>
+          <a:fontRef idx="minor">
+            <a:schemeClr val="lt1"/>
+          </a:fontRef>
+        </p:style>
+        <p:txBody>
+          <a:bodyPr rtlCol="0" anchor="ctr"/>
+          <a:lstStyle/>
+          <a:p>
+            <a:pPr marL="342900" indent="-342900">
+              <a:buFont typeface="+mj-lt"/>
+              <a:buAutoNum type="arabicPeriod"/>
+            </a:pPr>
+            <a:r>
+              <a:rPr lang="en-US" sz="1400" dirty="0">
+                <a:solidFill>
+                  <a:schemeClr val="tx1"/>
+                </a:solidFill>
+              </a:rPr>
+              <a:t>Socket ID</a:t>
+            </a:r>
+          </a:p>
+          <a:p>
+            <a:pPr marL="342900" indent="-342900">
+              <a:buFont typeface="+mj-lt"/>
+              <a:buAutoNum type="arabicPeriod"/>
+            </a:pPr>
+            <a:r>
+              <a:rPr lang="en-US" sz="1400" dirty="0">
+                <a:solidFill>
+                  <a:schemeClr val="tx1"/>
+                </a:solidFill>
+              </a:rPr>
+              <a:t>Send Request</a:t>
+            </a:r>
+          </a:p>
+        </p:txBody>
+      </p:sp>
+      <p:sp>
+        <p:nvSpPr>
+          <p:cNvPr id="24" name="Rectangle 23">
+            <a:extLst>
+              <a:ext uri="{FF2B5EF4-FFF2-40B4-BE49-F238E27FC236}">
+                <a16:creationId xmlns="" xmlns:a16="http://schemas.microsoft.com/office/drawing/2014/main" id="{A83E8CA2-55BE-42C6-9C35-B678EBEBDFD1}"/>
+              </a:ext>
+            </a:extLst>
+          </p:cNvPr>
+          <p:cNvSpPr/>
+          <p:nvPr/>
+        </p:nvSpPr>
+        <p:spPr>
+          <a:xfrm>
+            <a:off x="987392" y="7598823"/>
+            <a:ext cx="1905223" cy="1310195"/>
+          </a:xfrm>
+          <a:prstGeom prst="rect">
+            <a:avLst/>
+          </a:prstGeom>
+          <a:noFill/>
+          <a:ln>
+            <a:solidFill>
+              <a:schemeClr val="accent2">
+                <a:lumMod val="75000"/>
+              </a:schemeClr>
+            </a:solidFill>
+          </a:ln>
+        </p:spPr>
+        <p:style>
+          <a:lnRef idx="2">
+            <a:schemeClr val="accent1">
+              <a:shade val="50000"/>
+            </a:schemeClr>
+          </a:lnRef>
+          <a:fillRef idx="1">
+            <a:schemeClr val="accent1"/>
+          </a:fillRef>
+          <a:effectRef idx="0">
+            <a:schemeClr val="accent1"/>
+          </a:effectRef>
+          <a:fontRef idx="minor">
+            <a:schemeClr val="lt1"/>
+          </a:fontRef>
+        </p:style>
+        <p:txBody>
+          <a:bodyPr rtlCol="0" anchor="ctr"/>
+          <a:lstStyle/>
+          <a:p>
+            <a:pPr marL="285750" indent="-285750">
+              <a:buFont typeface="Arial" panose="020B0604020202020204" pitchFamily="34" charset="0"/>
+              <a:buChar char="•"/>
+            </a:pPr>
+            <a:r>
+              <a:rPr lang="en-US" sz="1400" dirty="0">
+                <a:solidFill>
+                  <a:schemeClr val="tx1"/>
+                </a:solidFill>
+              </a:rPr>
+              <a:t>Bandwidth</a:t>
+            </a:r>
+          </a:p>
+          <a:p>
+            <a:pPr marL="285750" indent="-285750">
+              <a:buFont typeface="Arial" panose="020B0604020202020204" pitchFamily="34" charset="0"/>
+              <a:buChar char="•"/>
+            </a:pPr>
+            <a:r>
+              <a:rPr lang="en-US" sz="1400" dirty="0">
+                <a:solidFill>
+                  <a:schemeClr val="tx1"/>
+                </a:solidFill>
+              </a:rPr>
+              <a:t>Latency</a:t>
+            </a:r>
+          </a:p>
+          <a:p>
+            <a:pPr marL="285750" indent="-285750">
+              <a:buFont typeface="Arial" panose="020B0604020202020204" pitchFamily="34" charset="0"/>
+              <a:buChar char="•"/>
+            </a:pPr>
+            <a:r>
+              <a:rPr lang="en-US" sz="1400" dirty="0">
+                <a:solidFill>
+                  <a:schemeClr val="tx1"/>
+                </a:solidFill>
+              </a:rPr>
+              <a:t>Uptime</a:t>
+            </a:r>
+          </a:p>
+          <a:p>
+            <a:pPr marL="285750" indent="-285750">
+              <a:buFont typeface="Arial" panose="020B0604020202020204" pitchFamily="34" charset="0"/>
+              <a:buChar char="•"/>
+            </a:pPr>
+            <a:r>
+              <a:rPr lang="en-US" sz="1400" dirty="0">
+                <a:solidFill>
+                  <a:schemeClr val="tx1"/>
+                </a:solidFill>
+              </a:rPr>
+              <a:t>Traffic Statistics</a:t>
+            </a:r>
+          </a:p>
+          <a:p>
+            <a:pPr marL="285750" indent="-285750">
+              <a:buFont typeface="Arial" panose="020B0604020202020204" pitchFamily="34" charset="0"/>
+              <a:buChar char="•"/>
+            </a:pPr>
+            <a:r>
+              <a:rPr lang="en-US" sz="1400" dirty="0">
+                <a:solidFill>
+                  <a:schemeClr val="tx1"/>
+                </a:solidFill>
+              </a:rPr>
+              <a:t>Device Info</a:t>
+            </a:r>
+          </a:p>
+        </p:txBody>
+      </p:sp>
+      <p:cxnSp>
+        <p:nvCxnSpPr>
+          <p:cNvPr id="25" name="Straight Connector 24">
+            <a:extLst>
+              <a:ext uri="{FF2B5EF4-FFF2-40B4-BE49-F238E27FC236}">
+                <a16:creationId xmlns="" xmlns:a16="http://schemas.microsoft.com/office/drawing/2014/main" id="{CA741914-7D44-45A0-ACF5-CA088EF4DC6E}"/>
+              </a:ext>
+            </a:extLst>
+          </p:cNvPr>
+          <p:cNvCxnSpPr>
+            <a:cxnSpLocks/>
+          </p:cNvCxnSpPr>
+          <p:nvPr/>
+        </p:nvCxnSpPr>
+        <p:spPr>
+          <a:xfrm flipV="1">
+            <a:off x="987392" y="6795479"/>
+            <a:ext cx="1905223" cy="1"/>
+          </a:xfrm>
+          <a:prstGeom prst="line">
+            <a:avLst/>
+          </a:prstGeom>
+          <a:ln w="101600">
+            <a:solidFill>
+              <a:schemeClr val="accent2">
+                <a:lumMod val="75000"/>
+              </a:schemeClr>
+            </a:solidFill>
+          </a:ln>
+        </p:spPr>
+        <p:style>
+          <a:lnRef idx="1">
+            <a:schemeClr val="accent1"/>
+          </a:lnRef>
+          <a:fillRef idx="0">
+            <a:schemeClr val="accent1"/>
+          </a:fillRef>
+          <a:effectRef idx="0">
+            <a:schemeClr val="accent1"/>
+          </a:effectRef>
+          <a:fontRef idx="minor">
+            <a:schemeClr val="tx1"/>
+          </a:fontRef>
+        </p:style>
+      </p:cxnSp>
+      <p:cxnSp>
+        <p:nvCxnSpPr>
+          <p:cNvPr id="26" name="Straight Connector 25">
+            <a:extLst>
+              <a:ext uri="{FF2B5EF4-FFF2-40B4-BE49-F238E27FC236}">
+                <a16:creationId xmlns="" xmlns:a16="http://schemas.microsoft.com/office/drawing/2014/main" id="{676AB45C-A261-4EE6-80C4-7BECB9E93B1B}"/>
+              </a:ext>
+            </a:extLst>
+          </p:cNvPr>
+          <p:cNvCxnSpPr>
+            <a:cxnSpLocks/>
+          </p:cNvCxnSpPr>
+          <p:nvPr/>
+        </p:nvCxnSpPr>
+        <p:spPr>
+          <a:xfrm>
+            <a:off x="987392" y="7618437"/>
+            <a:ext cx="1862216" cy="0"/>
+          </a:xfrm>
+          <a:prstGeom prst="line">
+            <a:avLst/>
+          </a:prstGeom>
+          <a:ln w="101600">
+            <a:solidFill>
+              <a:schemeClr val="accent2">
+                <a:lumMod val="75000"/>
+              </a:schemeClr>
+            </a:solidFill>
+          </a:ln>
+        </p:spPr>
+        <p:style>
+          <a:lnRef idx="1">
+            <a:schemeClr val="accent1"/>
+          </a:lnRef>
+          <a:fillRef idx="0">
+            <a:schemeClr val="accent1"/>
+          </a:fillRef>
+          <a:effectRef idx="0">
+            <a:schemeClr val="accent1"/>
+          </a:effectRef>
+          <a:fontRef idx="minor">
+            <a:schemeClr val="tx1"/>
+          </a:fontRef>
+        </p:style>
+      </p:cxnSp>
+      <p:cxnSp>
+        <p:nvCxnSpPr>
+          <p:cNvPr id="42" name="Connector: Elbow 62">
+            <a:extLst>
+              <a:ext uri="{FF2B5EF4-FFF2-40B4-BE49-F238E27FC236}">
+                <a16:creationId xmlns="" xmlns:a16="http://schemas.microsoft.com/office/drawing/2014/main" id="{3A553496-FCDA-411A-8EE5-ED4F0D547DD5}"/>
+              </a:ext>
+            </a:extLst>
+          </p:cNvPr>
+          <p:cNvCxnSpPr>
+            <a:cxnSpLocks/>
+            <a:stCxn id="3" idx="3"/>
+            <a:endCxn id="7" idx="1"/>
+          </p:cNvCxnSpPr>
+          <p:nvPr/>
+        </p:nvCxnSpPr>
+        <p:spPr>
+          <a:xfrm flipV="1">
+            <a:off x="2902688" y="421426"/>
+            <a:ext cx="3744273" cy="980974"/>
+          </a:xfrm>
+          <a:prstGeom prst="bentConnector3">
+            <a:avLst>
+              <a:gd name="adj1" fmla="val 50000"/>
+            </a:avLst>
+          </a:prstGeom>
+          <a:ln w="19050">
+            <a:solidFill>
+              <a:schemeClr val="bg2">
+                <a:lumMod val="50000"/>
+              </a:schemeClr>
+            </a:solidFill>
+            <a:tailEnd type="triangle"/>
+          </a:ln>
+        </p:spPr>
+        <p:style>
+          <a:lnRef idx="1">
+            <a:schemeClr val="accent1"/>
+          </a:lnRef>
+          <a:fillRef idx="0">
+            <a:schemeClr val="accent1"/>
+          </a:fillRef>
+          <a:effectRef idx="0">
+            <a:schemeClr val="accent1"/>
+          </a:effectRef>
+          <a:fontRef idx="minor">
+            <a:schemeClr val="tx1"/>
+          </a:fontRef>
+        </p:style>
+      </p:cxnSp>
+      <p:cxnSp>
+        <p:nvCxnSpPr>
+          <p:cNvPr id="43" name="Connector: Elbow 64">
+            <a:extLst>
+              <a:ext uri="{FF2B5EF4-FFF2-40B4-BE49-F238E27FC236}">
+                <a16:creationId xmlns="" xmlns:a16="http://schemas.microsoft.com/office/drawing/2014/main" id="{FA1548B7-1E76-4249-990A-94B21F79F040}"/>
+              </a:ext>
+            </a:extLst>
+          </p:cNvPr>
+          <p:cNvCxnSpPr>
+            <a:cxnSpLocks/>
+            <a:stCxn id="18" idx="1"/>
+            <a:endCxn id="4" idx="2"/>
+          </p:cNvCxnSpPr>
+          <p:nvPr/>
+        </p:nvCxnSpPr>
+        <p:spPr>
+          <a:xfrm rot="10800000">
+            <a:off x="1950077" y="3460956"/>
+            <a:ext cx="1216942" cy="2604113"/>
+          </a:xfrm>
+          <a:prstGeom prst="bentConnector2">
+            <a:avLst/>
+          </a:prstGeom>
+          <a:ln w="19050">
+            <a:solidFill>
+              <a:schemeClr val="bg2">
+                <a:lumMod val="50000"/>
+              </a:schemeClr>
+            </a:solidFill>
+            <a:tailEnd type="triangle"/>
+          </a:ln>
+        </p:spPr>
+        <p:style>
+          <a:lnRef idx="1">
+            <a:schemeClr val="accent1"/>
+          </a:lnRef>
+          <a:fillRef idx="0">
+            <a:schemeClr val="accent1"/>
+          </a:fillRef>
+          <a:effectRef idx="0">
+            <a:schemeClr val="accent1"/>
+          </a:effectRef>
+          <a:fontRef idx="minor">
+            <a:schemeClr val="tx1"/>
+          </a:fontRef>
+        </p:style>
+      </p:cxnSp>
+      <p:cxnSp>
+        <p:nvCxnSpPr>
+          <p:cNvPr id="46" name="Connector: Elbow 76">
+            <a:extLst>
+              <a:ext uri="{FF2B5EF4-FFF2-40B4-BE49-F238E27FC236}">
+                <a16:creationId xmlns="" xmlns:a16="http://schemas.microsoft.com/office/drawing/2014/main" id="{0A72CD0B-8DF2-4392-80B8-725DC41220FD}"/>
+              </a:ext>
+            </a:extLst>
+          </p:cNvPr>
+          <p:cNvCxnSpPr>
+            <a:cxnSpLocks/>
+            <a:stCxn id="22" idx="0"/>
+            <a:endCxn id="19" idx="2"/>
+          </p:cNvCxnSpPr>
+          <p:nvPr/>
+        </p:nvCxnSpPr>
+        <p:spPr>
+          <a:xfrm rot="16200000" flipH="1">
+            <a:off x="2292188" y="6012222"/>
+            <a:ext cx="1475258" cy="2179627"/>
+          </a:xfrm>
+          <a:prstGeom prst="bentConnector5">
+            <a:avLst>
+              <a:gd name="adj1" fmla="val -15496"/>
+              <a:gd name="adj2" fmla="val 50000"/>
+              <a:gd name="adj3" fmla="val 115496"/>
+            </a:avLst>
+          </a:prstGeom>
+          <a:ln w="19050">
+            <a:solidFill>
+              <a:schemeClr val="bg2">
+                <a:lumMod val="50000"/>
+              </a:schemeClr>
+            </a:solidFill>
+            <a:tailEnd type="triangle"/>
+          </a:ln>
+        </p:spPr>
+        <p:style>
+          <a:lnRef idx="1">
+            <a:schemeClr val="accent1"/>
+          </a:lnRef>
+          <a:fillRef idx="0">
+            <a:schemeClr val="accent1"/>
+          </a:fillRef>
+          <a:effectRef idx="0">
+            <a:schemeClr val="accent1"/>
+          </a:effectRef>
+          <a:fontRef idx="minor">
+            <a:schemeClr val="tx1"/>
+          </a:fontRef>
+        </p:style>
+      </p:cxnSp>
+      <p:sp>
+        <p:nvSpPr>
+          <p:cNvPr id="50" name="TextBox 49">
+            <a:extLst>
+              <a:ext uri="{FF2B5EF4-FFF2-40B4-BE49-F238E27FC236}">
+                <a16:creationId xmlns="" xmlns:a16="http://schemas.microsoft.com/office/drawing/2014/main" id="{45F958E5-084B-44A0-B709-AB1DF69E2B72}"/>
+              </a:ext>
+            </a:extLst>
+          </p:cNvPr>
+          <p:cNvSpPr txBox="1"/>
+          <p:nvPr/>
+        </p:nvSpPr>
+        <p:spPr>
+          <a:xfrm>
+            <a:off x="1918500" y="3409726"/>
+            <a:ext cx="288862" cy="338554"/>
+          </a:xfrm>
+          <a:prstGeom prst="rect">
+            <a:avLst/>
+          </a:prstGeom>
+          <a:noFill/>
+        </p:spPr>
+        <p:txBody>
+          <a:bodyPr wrap="none" rtlCol="0">
+            <a:spAutoFit/>
+          </a:bodyPr>
+          <a:lstStyle/>
+          <a:p>
+            <a:r>
+              <a:rPr lang="en-US" sz="1600" b="1" dirty="0"/>
+              <a:t>1</a:t>
+            </a:r>
+          </a:p>
+        </p:txBody>
+      </p:sp>
+      <p:sp>
+        <p:nvSpPr>
+          <p:cNvPr id="52" name="TextBox 51">
+            <a:extLst>
+              <a:ext uri="{FF2B5EF4-FFF2-40B4-BE49-F238E27FC236}">
+                <a16:creationId xmlns="" xmlns:a16="http://schemas.microsoft.com/office/drawing/2014/main" id="{BEC995AE-3185-458F-A4F6-49E0E5DE03D7}"/>
+              </a:ext>
+            </a:extLst>
+          </p:cNvPr>
+          <p:cNvSpPr txBox="1"/>
+          <p:nvPr/>
+        </p:nvSpPr>
+        <p:spPr>
+          <a:xfrm>
+            <a:off x="3827903" y="1076276"/>
+            <a:ext cx="2165593" cy="307777"/>
+          </a:xfrm>
+          <a:prstGeom prst="rect">
+            <a:avLst/>
+          </a:prstGeom>
+          <a:noFill/>
+        </p:spPr>
+        <p:txBody>
+          <a:bodyPr wrap="none" rtlCol="0">
+            <a:spAutoFit/>
+          </a:bodyPr>
+          <a:lstStyle/>
+          <a:p>
+            <a:r>
+              <a:rPr lang="en-US" sz="1400" b="1" dirty="0">
+                <a:solidFill>
+                  <a:srgbClr val="A50021"/>
+                </a:solidFill>
+              </a:rPr>
+              <a:t>Add Device/ Delete Device</a:t>
+            </a:r>
+          </a:p>
+        </p:txBody>
+      </p:sp>
+      <p:sp>
+        <p:nvSpPr>
+          <p:cNvPr id="53" name="TextBox 52">
+            <a:extLst>
+              <a:ext uri="{FF2B5EF4-FFF2-40B4-BE49-F238E27FC236}">
+                <a16:creationId xmlns="" xmlns:a16="http://schemas.microsoft.com/office/drawing/2014/main" id="{FA3082AA-381E-47C1-82AA-404EECF87BB2}"/>
+              </a:ext>
+            </a:extLst>
+          </p:cNvPr>
+          <p:cNvSpPr txBox="1"/>
+          <p:nvPr/>
+        </p:nvSpPr>
+        <p:spPr>
+          <a:xfrm>
+            <a:off x="2099300" y="3947383"/>
+            <a:ext cx="962123" cy="307777"/>
+          </a:xfrm>
+          <a:prstGeom prst="rect">
+            <a:avLst/>
+          </a:prstGeom>
+          <a:noFill/>
+        </p:spPr>
+        <p:txBody>
+          <a:bodyPr wrap="none" rtlCol="0">
+            <a:spAutoFit/>
+          </a:bodyPr>
+          <a:lstStyle/>
+          <a:p>
+            <a:r>
+              <a:rPr lang="en-US" sz="1400" b="1" dirty="0">
+                <a:solidFill>
+                  <a:srgbClr val="A50021"/>
+                </a:solidFill>
+              </a:rPr>
+              <a:t>Send Alert</a:t>
+            </a:r>
+          </a:p>
+        </p:txBody>
+      </p:sp>
+      <p:sp>
+        <p:nvSpPr>
+          <p:cNvPr id="59" name="TextBox 58">
+            <a:extLst>
+              <a:ext uri="{FF2B5EF4-FFF2-40B4-BE49-F238E27FC236}">
+                <a16:creationId xmlns="" xmlns:a16="http://schemas.microsoft.com/office/drawing/2014/main" id="{F1C84C11-D6C5-47B5-905A-A07DF5E08D4E}"/>
+              </a:ext>
+            </a:extLst>
+          </p:cNvPr>
+          <p:cNvSpPr txBox="1"/>
+          <p:nvPr/>
+        </p:nvSpPr>
+        <p:spPr>
+          <a:xfrm>
+            <a:off x="2878157" y="1114839"/>
+            <a:ext cx="288862" cy="338554"/>
+          </a:xfrm>
+          <a:prstGeom prst="rect">
+            <a:avLst/>
+          </a:prstGeom>
+          <a:noFill/>
+        </p:spPr>
+        <p:txBody>
+          <a:bodyPr wrap="none" rtlCol="0">
+            <a:spAutoFit/>
+          </a:bodyPr>
+          <a:lstStyle/>
+          <a:p>
+            <a:r>
+              <a:rPr lang="en-US" sz="1600" b="1" dirty="0"/>
+              <a:t>1</a:t>
+            </a:r>
+          </a:p>
+        </p:txBody>
+      </p:sp>
+      <p:sp>
+        <p:nvSpPr>
+          <p:cNvPr id="74" name="Rectangle 73">
+            <a:extLst>
+              <a:ext uri="{FF2B5EF4-FFF2-40B4-BE49-F238E27FC236}">
+                <a16:creationId xmlns="" xmlns:a16="http://schemas.microsoft.com/office/drawing/2014/main" id="{944962D8-659F-4886-A55D-473557C100DC}"/>
+              </a:ext>
+            </a:extLst>
+          </p:cNvPr>
+          <p:cNvSpPr/>
+          <p:nvPr/>
+        </p:nvSpPr>
+        <p:spPr>
+          <a:xfrm>
+            <a:off x="8392747" y="6221356"/>
+            <a:ext cx="1905223" cy="431075"/>
+          </a:xfrm>
+          <a:prstGeom prst="rect">
+            <a:avLst/>
+          </a:prstGeom>
+          <a:noFill/>
+          <a:ln>
+            <a:solidFill>
+              <a:schemeClr val="accent2">
+                <a:lumMod val="75000"/>
+              </a:schemeClr>
+            </a:solidFill>
+          </a:ln>
+        </p:spPr>
+        <p:style>
+          <a:lnRef idx="2">
+            <a:schemeClr val="accent1">
+              <a:shade val="50000"/>
+            </a:schemeClr>
+          </a:lnRef>
+          <a:fillRef idx="1">
+            <a:schemeClr val="accent1"/>
+          </a:fillRef>
+          <a:effectRef idx="0">
+            <a:schemeClr val="accent1"/>
+          </a:effectRef>
+          <a:fontRef idx="minor">
+            <a:schemeClr val="lt1"/>
+          </a:fontRef>
+        </p:style>
+        <p:txBody>
+          <a:bodyPr rtlCol="0" anchor="ctr"/>
+          <a:lstStyle/>
+          <a:p>
+            <a:pPr algn="ctr"/>
+            <a:r>
+              <a:rPr lang="en-US" sz="1400" b="1" dirty="0">
+                <a:solidFill>
+                  <a:schemeClr val="tx1"/>
+                </a:solidFill>
+              </a:rPr>
+              <a:t>ARP Population</a:t>
+            </a:r>
+          </a:p>
+        </p:txBody>
+      </p:sp>
+      <p:sp>
+        <p:nvSpPr>
+          <p:cNvPr id="75" name="Rectangle 74">
+            <a:extLst>
+              <a:ext uri="{FF2B5EF4-FFF2-40B4-BE49-F238E27FC236}">
+                <a16:creationId xmlns="" xmlns:a16="http://schemas.microsoft.com/office/drawing/2014/main" id="{4A91B56F-89B0-4592-8F63-04FCC9B1552F}"/>
+              </a:ext>
+            </a:extLst>
+          </p:cNvPr>
+          <p:cNvSpPr/>
+          <p:nvPr/>
+        </p:nvSpPr>
+        <p:spPr>
+          <a:xfrm>
+            <a:off x="8392747" y="6691624"/>
+            <a:ext cx="1905223" cy="545894"/>
+          </a:xfrm>
+          <a:prstGeom prst="rect">
+            <a:avLst/>
+          </a:prstGeom>
+          <a:noFill/>
+          <a:ln>
+            <a:solidFill>
+              <a:schemeClr val="accent2">
+                <a:lumMod val="75000"/>
+              </a:schemeClr>
+            </a:solidFill>
+          </a:ln>
+        </p:spPr>
+        <p:style>
+          <a:lnRef idx="2">
+            <a:schemeClr val="accent1">
+              <a:shade val="50000"/>
+            </a:schemeClr>
+          </a:lnRef>
+          <a:fillRef idx="1">
+            <a:schemeClr val="accent1"/>
+          </a:fillRef>
+          <a:effectRef idx="0">
+            <a:schemeClr val="accent1"/>
+          </a:effectRef>
+          <a:fontRef idx="minor">
+            <a:schemeClr val="lt1"/>
+          </a:fontRef>
+        </p:style>
+        <p:txBody>
+          <a:bodyPr rtlCol="0" anchor="ctr"/>
+          <a:lstStyle/>
+          <a:p>
+            <a:pPr marL="342900" indent="-342900">
+              <a:buFont typeface="+mj-lt"/>
+              <a:buAutoNum type="arabicPeriod"/>
+            </a:pPr>
+            <a:r>
+              <a:rPr lang="en-US" sz="1400" dirty="0">
+                <a:solidFill>
+                  <a:schemeClr val="tx1"/>
+                </a:solidFill>
+              </a:rPr>
+              <a:t>Socket ID</a:t>
+            </a:r>
+          </a:p>
+          <a:p>
+            <a:pPr marL="342900" indent="-342900">
+              <a:buFont typeface="+mj-lt"/>
+              <a:buAutoNum type="arabicPeriod"/>
+            </a:pPr>
+            <a:r>
+              <a:rPr lang="en-US" sz="1400" dirty="0">
+                <a:solidFill>
+                  <a:schemeClr val="tx1"/>
+                </a:solidFill>
+              </a:rPr>
+              <a:t>Send Request</a:t>
+            </a:r>
+          </a:p>
+        </p:txBody>
+      </p:sp>
+      <p:sp>
+        <p:nvSpPr>
+          <p:cNvPr id="76" name="Rectangle 75">
+            <a:extLst>
+              <a:ext uri="{FF2B5EF4-FFF2-40B4-BE49-F238E27FC236}">
+                <a16:creationId xmlns="" xmlns:a16="http://schemas.microsoft.com/office/drawing/2014/main" id="{35BE5ECD-B18B-4FDF-B6AD-CC80C7546180}"/>
+              </a:ext>
+            </a:extLst>
+          </p:cNvPr>
+          <p:cNvSpPr/>
+          <p:nvPr/>
+        </p:nvSpPr>
+        <p:spPr>
+          <a:xfrm>
+            <a:off x="8392747" y="7237517"/>
+            <a:ext cx="1905223" cy="698184"/>
+          </a:xfrm>
+          <a:prstGeom prst="rect">
+            <a:avLst/>
+          </a:prstGeom>
+          <a:noFill/>
+          <a:ln>
+            <a:solidFill>
+              <a:schemeClr val="accent2">
+                <a:lumMod val="75000"/>
+              </a:schemeClr>
+            </a:solidFill>
+          </a:ln>
+        </p:spPr>
+        <p:style>
+          <a:lnRef idx="2">
+            <a:schemeClr val="accent1">
+              <a:shade val="50000"/>
+            </a:schemeClr>
+          </a:lnRef>
+          <a:fillRef idx="1">
+            <a:schemeClr val="accent1"/>
+          </a:fillRef>
+          <a:effectRef idx="0">
+            <a:schemeClr val="accent1"/>
+          </a:effectRef>
+          <a:fontRef idx="minor">
+            <a:schemeClr val="lt1"/>
+          </a:fontRef>
+        </p:style>
+        <p:txBody>
+          <a:bodyPr rtlCol="0" anchor="ctr"/>
+          <a:lstStyle/>
+          <a:p>
+            <a:pPr marL="285750" indent="-285750">
+              <a:buFont typeface="Arial" panose="020B0604020202020204" pitchFamily="34" charset="0"/>
+              <a:buChar char="•"/>
+            </a:pPr>
+            <a:r>
+              <a:rPr lang="en-US" sz="1400" dirty="0">
+                <a:solidFill>
+                  <a:schemeClr val="tx1"/>
+                </a:solidFill>
+              </a:rPr>
+              <a:t>IP Address</a:t>
+            </a:r>
+          </a:p>
+          <a:p>
+            <a:pPr marL="285750" indent="-285750">
+              <a:buFont typeface="Arial" panose="020B0604020202020204" pitchFamily="34" charset="0"/>
+              <a:buChar char="•"/>
+            </a:pPr>
+            <a:r>
+              <a:rPr lang="en-US" sz="1400" dirty="0">
+                <a:solidFill>
+                  <a:schemeClr val="tx1"/>
+                </a:solidFill>
+              </a:rPr>
+              <a:t>MAC Address</a:t>
+            </a:r>
+          </a:p>
+          <a:p>
+            <a:pPr marL="285750" indent="-285750">
+              <a:buFont typeface="Arial" panose="020B0604020202020204" pitchFamily="34" charset="0"/>
+              <a:buChar char="•"/>
+            </a:pPr>
+            <a:r>
+              <a:rPr lang="en-US" sz="1400" dirty="0">
+                <a:solidFill>
+                  <a:schemeClr val="tx1"/>
+                </a:solidFill>
+              </a:rPr>
+              <a:t>RARP Resolution</a:t>
+            </a:r>
+          </a:p>
+        </p:txBody>
+      </p:sp>
+      <p:cxnSp>
+        <p:nvCxnSpPr>
+          <p:cNvPr id="77" name="Straight Connector 76">
+            <a:extLst>
+              <a:ext uri="{FF2B5EF4-FFF2-40B4-BE49-F238E27FC236}">
+                <a16:creationId xmlns="" xmlns:a16="http://schemas.microsoft.com/office/drawing/2014/main" id="{1A49C732-15E8-4E08-B49C-CF3570176A3E}"/>
+              </a:ext>
+            </a:extLst>
+          </p:cNvPr>
+          <p:cNvCxnSpPr>
+            <a:cxnSpLocks/>
+          </p:cNvCxnSpPr>
+          <p:nvPr/>
+        </p:nvCxnSpPr>
+        <p:spPr>
+          <a:xfrm flipV="1">
+            <a:off x="8392747" y="6652429"/>
+            <a:ext cx="1905223" cy="1"/>
+          </a:xfrm>
+          <a:prstGeom prst="line">
+            <a:avLst/>
+          </a:prstGeom>
+          <a:ln w="101600">
+            <a:solidFill>
+              <a:schemeClr val="accent2">
+                <a:lumMod val="75000"/>
+              </a:schemeClr>
+            </a:solidFill>
+          </a:ln>
+        </p:spPr>
+        <p:style>
+          <a:lnRef idx="1">
+            <a:schemeClr val="accent1"/>
+          </a:lnRef>
+          <a:fillRef idx="0">
+            <a:schemeClr val="accent1"/>
+          </a:fillRef>
+          <a:effectRef idx="0">
+            <a:schemeClr val="accent1"/>
+          </a:effectRef>
+          <a:fontRef idx="minor">
+            <a:schemeClr val="tx1"/>
+          </a:fontRef>
+        </p:style>
+      </p:cxnSp>
+      <p:cxnSp>
+        <p:nvCxnSpPr>
+          <p:cNvPr id="78" name="Straight Connector 77">
+            <a:extLst>
+              <a:ext uri="{FF2B5EF4-FFF2-40B4-BE49-F238E27FC236}">
+                <a16:creationId xmlns="" xmlns:a16="http://schemas.microsoft.com/office/drawing/2014/main" id="{5C2071BA-36E3-4128-865F-6BC35A88914E}"/>
+              </a:ext>
+            </a:extLst>
+          </p:cNvPr>
+          <p:cNvCxnSpPr>
+            <a:cxnSpLocks/>
+          </p:cNvCxnSpPr>
+          <p:nvPr/>
+        </p:nvCxnSpPr>
+        <p:spPr>
+          <a:xfrm>
+            <a:off x="8388294" y="7237517"/>
+            <a:ext cx="1909676" cy="0"/>
+          </a:xfrm>
+          <a:prstGeom prst="line">
+            <a:avLst/>
+          </a:prstGeom>
+          <a:ln w="101600">
+            <a:solidFill>
+              <a:schemeClr val="accent2">
+                <a:lumMod val="75000"/>
+              </a:schemeClr>
+            </a:solidFill>
+          </a:ln>
+        </p:spPr>
+        <p:style>
+          <a:lnRef idx="1">
+            <a:schemeClr val="accent1"/>
+          </a:lnRef>
+          <a:fillRef idx="0">
+            <a:schemeClr val="accent1"/>
+          </a:fillRef>
+          <a:effectRef idx="0">
+            <a:schemeClr val="accent1"/>
+          </a:effectRef>
+          <a:fontRef idx="minor">
+            <a:schemeClr val="tx1"/>
+          </a:fontRef>
+        </p:style>
+      </p:cxnSp>
+      <p:sp>
+        <p:nvSpPr>
+          <p:cNvPr id="79" name="Rectangle 78">
+            <a:extLst>
+              <a:ext uri="{FF2B5EF4-FFF2-40B4-BE49-F238E27FC236}">
+                <a16:creationId xmlns="" xmlns:a16="http://schemas.microsoft.com/office/drawing/2014/main" id="{26C93BF6-B952-40CD-B075-0E5DE7BDBA0D}"/>
+              </a:ext>
+            </a:extLst>
+          </p:cNvPr>
+          <p:cNvSpPr/>
+          <p:nvPr/>
+        </p:nvSpPr>
+        <p:spPr>
+          <a:xfrm>
+            <a:off x="10999600" y="6056646"/>
+            <a:ext cx="1905223" cy="431075"/>
+          </a:xfrm>
+          <a:prstGeom prst="rect">
+            <a:avLst/>
+          </a:prstGeom>
+          <a:noFill/>
+          <a:ln>
+            <a:solidFill>
+              <a:schemeClr val="accent2">
+                <a:lumMod val="75000"/>
+              </a:schemeClr>
+            </a:solidFill>
+          </a:ln>
+        </p:spPr>
+        <p:style>
+          <a:lnRef idx="2">
+            <a:schemeClr val="accent1">
+              <a:shade val="50000"/>
+            </a:schemeClr>
+          </a:lnRef>
+          <a:fillRef idx="1">
+            <a:schemeClr val="accent1"/>
+          </a:fillRef>
+          <a:effectRef idx="0">
+            <a:schemeClr val="accent1"/>
+          </a:effectRef>
+          <a:fontRef idx="minor">
+            <a:schemeClr val="lt1"/>
+          </a:fontRef>
+        </p:style>
+        <p:txBody>
+          <a:bodyPr rtlCol="0" anchor="ctr"/>
+          <a:lstStyle/>
+          <a:p>
+            <a:pPr algn="ctr"/>
+            <a:r>
+              <a:rPr lang="en-US" sz="1400" b="1" dirty="0">
+                <a:solidFill>
+                  <a:schemeClr val="tx1"/>
+                </a:solidFill>
+              </a:rPr>
+              <a:t>LLDP Population</a:t>
+            </a:r>
+          </a:p>
+        </p:txBody>
+      </p:sp>
+      <p:sp>
+        <p:nvSpPr>
+          <p:cNvPr id="80" name="Rectangle 79">
+            <a:extLst>
+              <a:ext uri="{FF2B5EF4-FFF2-40B4-BE49-F238E27FC236}">
+                <a16:creationId xmlns="" xmlns:a16="http://schemas.microsoft.com/office/drawing/2014/main" id="{31BA9F69-4BFE-4EAB-8D67-161E3554DFB8}"/>
+              </a:ext>
+            </a:extLst>
+          </p:cNvPr>
+          <p:cNvSpPr/>
+          <p:nvPr/>
+        </p:nvSpPr>
+        <p:spPr>
+          <a:xfrm>
+            <a:off x="10999600" y="6487720"/>
+            <a:ext cx="1905223" cy="681210"/>
+          </a:xfrm>
+          <a:prstGeom prst="rect">
+            <a:avLst/>
+          </a:prstGeom>
+          <a:noFill/>
+          <a:ln>
+            <a:solidFill>
+              <a:schemeClr val="accent2">
+                <a:lumMod val="75000"/>
+              </a:schemeClr>
+            </a:solidFill>
+          </a:ln>
+        </p:spPr>
+        <p:style>
+          <a:lnRef idx="2">
+            <a:schemeClr val="accent1">
+              <a:shade val="50000"/>
+            </a:schemeClr>
+          </a:lnRef>
+          <a:fillRef idx="1">
+            <a:schemeClr val="accent1"/>
+          </a:fillRef>
+          <a:effectRef idx="0">
+            <a:schemeClr val="accent1"/>
+          </a:effectRef>
+          <a:fontRef idx="minor">
+            <a:schemeClr val="lt1"/>
+          </a:fontRef>
+        </p:style>
+        <p:txBody>
+          <a:bodyPr rtlCol="0" anchor="ctr"/>
+          <a:lstStyle/>
+          <a:p>
+            <a:pPr marL="342900" indent="-342900">
+              <a:buFont typeface="+mj-lt"/>
+              <a:buAutoNum type="arabicPeriod"/>
+            </a:pPr>
+            <a:r>
+              <a:rPr lang="en-US" sz="1400" dirty="0">
+                <a:solidFill>
+                  <a:schemeClr val="tx1"/>
+                </a:solidFill>
+              </a:rPr>
+              <a:t>Socket ID</a:t>
+            </a:r>
+          </a:p>
+          <a:p>
+            <a:pPr marL="342900" indent="-342900">
+              <a:buFont typeface="+mj-lt"/>
+              <a:buAutoNum type="arabicPeriod"/>
+            </a:pPr>
+            <a:r>
+              <a:rPr lang="en-US" sz="1400" dirty="0">
+                <a:solidFill>
+                  <a:schemeClr val="tx1"/>
+                </a:solidFill>
+              </a:rPr>
+              <a:t>Send Request</a:t>
+            </a:r>
+          </a:p>
+        </p:txBody>
+      </p:sp>
+      <p:sp>
+        <p:nvSpPr>
+          <p:cNvPr id="81" name="Rectangle 80">
+            <a:extLst>
+              <a:ext uri="{FF2B5EF4-FFF2-40B4-BE49-F238E27FC236}">
+                <a16:creationId xmlns="" xmlns:a16="http://schemas.microsoft.com/office/drawing/2014/main" id="{70A3DEE7-C90F-479F-BDBA-BEB6312D5DE5}"/>
+              </a:ext>
+            </a:extLst>
+          </p:cNvPr>
+          <p:cNvSpPr/>
+          <p:nvPr/>
+        </p:nvSpPr>
+        <p:spPr>
+          <a:xfrm>
+            <a:off x="10999600" y="7168931"/>
+            <a:ext cx="1905223" cy="783759"/>
+          </a:xfrm>
+          <a:prstGeom prst="rect">
+            <a:avLst/>
+          </a:prstGeom>
+          <a:noFill/>
+          <a:ln>
+            <a:solidFill>
+              <a:schemeClr val="accent2">
+                <a:lumMod val="75000"/>
+              </a:schemeClr>
+            </a:solidFill>
+          </a:ln>
+        </p:spPr>
+        <p:style>
+          <a:lnRef idx="2">
+            <a:schemeClr val="accent1">
+              <a:shade val="50000"/>
+            </a:schemeClr>
+          </a:lnRef>
+          <a:fillRef idx="1">
+            <a:schemeClr val="accent1"/>
+          </a:fillRef>
+          <a:effectRef idx="0">
+            <a:schemeClr val="accent1"/>
+          </a:effectRef>
+          <a:fontRef idx="minor">
+            <a:schemeClr val="lt1"/>
+          </a:fontRef>
+        </p:style>
+        <p:txBody>
+          <a:bodyPr rtlCol="0" anchor="ctr"/>
+          <a:lstStyle/>
+          <a:p>
+            <a:pPr marL="285750" indent="-285750">
+              <a:buFont typeface="Arial" panose="020B0604020202020204" pitchFamily="34" charset="0"/>
+              <a:buChar char="•"/>
+            </a:pPr>
+            <a:r>
+              <a:rPr lang="en-US" sz="1400" dirty="0">
+                <a:solidFill>
+                  <a:schemeClr val="tx1"/>
+                </a:solidFill>
+              </a:rPr>
+              <a:t>Firmware Version</a:t>
+            </a:r>
+          </a:p>
+          <a:p>
+            <a:pPr marL="285750" indent="-285750">
+              <a:buFont typeface="Arial" panose="020B0604020202020204" pitchFamily="34" charset="0"/>
+              <a:buChar char="•"/>
+            </a:pPr>
+            <a:r>
+              <a:rPr lang="en-US" sz="1400" dirty="0">
+                <a:solidFill>
+                  <a:schemeClr val="tx1"/>
+                </a:solidFill>
+              </a:rPr>
+              <a:t>Serial Number</a:t>
+            </a:r>
+          </a:p>
+          <a:p>
+            <a:pPr marL="285750" indent="-285750">
+              <a:buFont typeface="Arial" panose="020B0604020202020204" pitchFamily="34" charset="0"/>
+              <a:buChar char="•"/>
+            </a:pPr>
+            <a:r>
+              <a:rPr lang="en-US" sz="1400" dirty="0">
+                <a:solidFill>
+                  <a:schemeClr val="tx1"/>
+                </a:solidFill>
+              </a:rPr>
+              <a:t>Chassis Number</a:t>
+            </a:r>
+          </a:p>
+        </p:txBody>
+      </p:sp>
+      <p:cxnSp>
+        <p:nvCxnSpPr>
+          <p:cNvPr id="82" name="Straight Connector 81">
+            <a:extLst>
+              <a:ext uri="{FF2B5EF4-FFF2-40B4-BE49-F238E27FC236}">
+                <a16:creationId xmlns="" xmlns:a16="http://schemas.microsoft.com/office/drawing/2014/main" id="{BEE45044-4F6D-48C1-90BC-593EB42CB4D6}"/>
+              </a:ext>
+            </a:extLst>
+          </p:cNvPr>
+          <p:cNvCxnSpPr>
+            <a:cxnSpLocks/>
+          </p:cNvCxnSpPr>
+          <p:nvPr/>
+        </p:nvCxnSpPr>
+        <p:spPr>
+          <a:xfrm>
+            <a:off x="10999600" y="6487720"/>
+            <a:ext cx="1905223" cy="0"/>
+          </a:xfrm>
+          <a:prstGeom prst="line">
+            <a:avLst/>
+          </a:prstGeom>
+          <a:ln w="101600">
+            <a:solidFill>
+              <a:schemeClr val="accent2">
+                <a:lumMod val="75000"/>
+              </a:schemeClr>
+            </a:solidFill>
+          </a:ln>
+        </p:spPr>
+        <p:style>
+          <a:lnRef idx="1">
+            <a:schemeClr val="accent1"/>
+          </a:lnRef>
+          <a:fillRef idx="0">
+            <a:schemeClr val="accent1"/>
+          </a:fillRef>
+          <a:effectRef idx="0">
+            <a:schemeClr val="accent1"/>
+          </a:effectRef>
+          <a:fontRef idx="minor">
+            <a:schemeClr val="tx1"/>
+          </a:fontRef>
+        </p:style>
+      </p:cxnSp>
+      <p:cxnSp>
+        <p:nvCxnSpPr>
+          <p:cNvPr id="83" name="Straight Connector 82">
+            <a:extLst>
+              <a:ext uri="{FF2B5EF4-FFF2-40B4-BE49-F238E27FC236}">
+                <a16:creationId xmlns="" xmlns:a16="http://schemas.microsoft.com/office/drawing/2014/main" id="{CEAED347-7E5F-4358-BD5D-63C0B3DBA9D0}"/>
+              </a:ext>
+            </a:extLst>
+          </p:cNvPr>
+          <p:cNvCxnSpPr>
+            <a:cxnSpLocks/>
+          </p:cNvCxnSpPr>
+          <p:nvPr/>
+        </p:nvCxnSpPr>
+        <p:spPr>
+          <a:xfrm>
+            <a:off x="10999600" y="7168930"/>
+            <a:ext cx="1905223" cy="0"/>
+          </a:xfrm>
+          <a:prstGeom prst="line">
+            <a:avLst/>
+          </a:prstGeom>
+          <a:ln w="101600">
+            <a:solidFill>
+              <a:schemeClr val="accent2">
+                <a:lumMod val="75000"/>
+              </a:schemeClr>
+            </a:solidFill>
+          </a:ln>
+        </p:spPr>
+        <p:style>
+          <a:lnRef idx="1">
+            <a:schemeClr val="accent1"/>
+          </a:lnRef>
+          <a:fillRef idx="0">
+            <a:schemeClr val="accent1"/>
+          </a:fillRef>
+          <a:effectRef idx="0">
+            <a:schemeClr val="accent1"/>
+          </a:effectRef>
+          <a:fontRef idx="minor">
+            <a:schemeClr val="tx1"/>
+          </a:fontRef>
+        </p:style>
+      </p:cxnSp>
+      <p:sp>
+        <p:nvSpPr>
+          <p:cNvPr id="93" name="TextBox 92">
+            <a:extLst>
+              <a:ext uri="{FF2B5EF4-FFF2-40B4-BE49-F238E27FC236}">
+                <a16:creationId xmlns="" xmlns:a16="http://schemas.microsoft.com/office/drawing/2014/main" id="{54966375-B113-4421-A8CB-F8822995D74A}"/>
+              </a:ext>
+            </a:extLst>
+          </p:cNvPr>
+          <p:cNvSpPr txBox="1"/>
+          <p:nvPr/>
+        </p:nvSpPr>
+        <p:spPr>
+          <a:xfrm>
+            <a:off x="10429344" y="8875721"/>
+            <a:ext cx="288862" cy="338554"/>
+          </a:xfrm>
+          <a:prstGeom prst="rect">
+            <a:avLst/>
+          </a:prstGeom>
+          <a:noFill/>
+        </p:spPr>
+        <p:txBody>
+          <a:bodyPr wrap="none" rtlCol="0">
+            <a:spAutoFit/>
+          </a:bodyPr>
+          <a:lstStyle/>
+          <a:p>
+            <a:r>
+              <a:rPr lang="en-US" sz="1600" b="1" dirty="0"/>
+              <a:t>1</a:t>
+            </a:r>
+          </a:p>
+        </p:txBody>
+      </p:sp>
+    </p:spTree>
+    <p:extLst>
+      <p:ext uri="{BB962C8B-B14F-4D97-AF65-F5344CB8AC3E}">
+        <p14:creationId xmlns:p14="http://schemas.microsoft.com/office/powerpoint/2010/main" val="3202271863"/>
+      </p:ext>
+    </p:extLst>
+  </p:cSld>
+  <p:clrMapOvr>
+    <a:masterClrMapping/>
+  </p:clrMapOvr>
+</p:sld>
+</file>
+
+<file path=ppt/slides/slide8.xml><?xml version="1.0" encoding="utf-8"?>
+<p:sld xmlns:a="http://schemas.openxmlformats.org/drawingml/2006/main" xmlns:r="http://schemas.openxmlformats.org/officeDocument/2006/relationships" xmlns:p="http://schemas.openxmlformats.org/presentationml/2006/main">
+  <p:cSld>
+    <p:spTree>
+      <p:nvGrpSpPr>
+        <p:cNvPr id="1" name=""/>
+        <p:cNvGrpSpPr/>
+        <p:nvPr/>
+      </p:nvGrpSpPr>
+      <p:grpSpPr>
+        <a:xfrm>
+          <a:off x="0" y="0"/>
+          <a:ext cx="0" cy="0"/>
+          <a:chOff x="0" y="0"/>
+          <a:chExt cx="0" cy="0"/>
+        </a:xfrm>
+      </p:grpSpPr>
+      <p:sp>
+        <p:nvSpPr>
           <p:cNvPr id="4" name="Oval 3">
             <a:extLst>
               <a:ext uri="{FF2B5EF4-FFF2-40B4-BE49-F238E27FC236}">
-                <a16:creationId xmlns:a16="http://schemas.microsoft.com/office/drawing/2014/main" id="{D271BEAF-4150-4440-8FF0-F419F4212F56}"/>
+                <a16:creationId xmlns="" xmlns:a16="http://schemas.microsoft.com/office/drawing/2014/main" id="{D271BEAF-4150-4440-8FF0-F419F4212F56}"/>
               </a:ext>
             </a:extLst>
           </p:cNvPr>
@@ -14615,7 +20252,7 @@
           <p:cNvPr id="5" name="Oval 4">
             <a:extLst>
               <a:ext uri="{FF2B5EF4-FFF2-40B4-BE49-F238E27FC236}">
-                <a16:creationId xmlns:a16="http://schemas.microsoft.com/office/drawing/2014/main" id="{1644320F-2DEE-4FF3-8ED2-A031905A198D}"/>
+                <a16:creationId xmlns="" xmlns:a16="http://schemas.microsoft.com/office/drawing/2014/main" id="{1644320F-2DEE-4FF3-8ED2-A031905A198D}"/>
               </a:ext>
             </a:extLst>
           </p:cNvPr>
@@ -14673,7 +20310,7 @@
           <p:cNvPr id="6" name="Oval 5">
             <a:extLst>
               <a:ext uri="{FF2B5EF4-FFF2-40B4-BE49-F238E27FC236}">
-                <a16:creationId xmlns:a16="http://schemas.microsoft.com/office/drawing/2014/main" id="{042A37D1-8A53-4060-800C-44D68FF0998D}"/>
+                <a16:creationId xmlns="" xmlns:a16="http://schemas.microsoft.com/office/drawing/2014/main" id="{042A37D1-8A53-4060-800C-44D68FF0998D}"/>
               </a:ext>
             </a:extLst>
           </p:cNvPr>
@@ -14731,7 +20368,7 @@
           <p:cNvPr id="7" name="Oval 6">
             <a:extLst>
               <a:ext uri="{FF2B5EF4-FFF2-40B4-BE49-F238E27FC236}">
-                <a16:creationId xmlns:a16="http://schemas.microsoft.com/office/drawing/2014/main" id="{96BBADFA-3159-4B9C-900C-7EDACAC73F99}"/>
+                <a16:creationId xmlns="" xmlns:a16="http://schemas.microsoft.com/office/drawing/2014/main" id="{96BBADFA-3159-4B9C-900C-7EDACAC73F99}"/>
               </a:ext>
             </a:extLst>
           </p:cNvPr>
@@ -14789,7 +20426,7 @@
           <p:cNvPr id="8" name="Rectangle: Rounded Corners 7">
             <a:extLst>
               <a:ext uri="{FF2B5EF4-FFF2-40B4-BE49-F238E27FC236}">
-                <a16:creationId xmlns:a16="http://schemas.microsoft.com/office/drawing/2014/main" id="{32902E0E-AC38-411B-B27A-C15E70CA4144}"/>
+                <a16:creationId xmlns="" xmlns:a16="http://schemas.microsoft.com/office/drawing/2014/main" id="{32902E0E-AC38-411B-B27A-C15E70CA4144}"/>
               </a:ext>
             </a:extLst>
           </p:cNvPr>
@@ -14846,7 +20483,7 @@
           <p:cNvPr id="9" name="Rectangle: Rounded Corners 8">
             <a:extLst>
               <a:ext uri="{FF2B5EF4-FFF2-40B4-BE49-F238E27FC236}">
-                <a16:creationId xmlns:a16="http://schemas.microsoft.com/office/drawing/2014/main" id="{B19E3631-2819-4432-8353-4E914E686194}"/>
+                <a16:creationId xmlns="" xmlns:a16="http://schemas.microsoft.com/office/drawing/2014/main" id="{B19E3631-2819-4432-8353-4E914E686194}"/>
               </a:ext>
             </a:extLst>
           </p:cNvPr>
@@ -14903,7 +20540,7 @@
           <p:cNvPr id="10" name="Rectangle: Rounded Corners 9">
             <a:extLst>
               <a:ext uri="{FF2B5EF4-FFF2-40B4-BE49-F238E27FC236}">
-                <a16:creationId xmlns:a16="http://schemas.microsoft.com/office/drawing/2014/main" id="{A09040D4-AA98-489C-AD75-93594FFF648A}"/>
+                <a16:creationId xmlns="" xmlns:a16="http://schemas.microsoft.com/office/drawing/2014/main" id="{A09040D4-AA98-489C-AD75-93594FFF648A}"/>
               </a:ext>
             </a:extLst>
           </p:cNvPr>
@@ -14960,7 +20597,7 @@
           <p:cNvPr id="12" name="Connector: Curved 11">
             <a:extLst>
               <a:ext uri="{FF2B5EF4-FFF2-40B4-BE49-F238E27FC236}">
-                <a16:creationId xmlns:a16="http://schemas.microsoft.com/office/drawing/2014/main" id="{4B0CC4F1-2EE2-42E3-992D-8CB0D72903AC}"/>
+                <a16:creationId xmlns="" xmlns:a16="http://schemas.microsoft.com/office/drawing/2014/main" id="{4B0CC4F1-2EE2-42E3-992D-8CB0D72903AC}"/>
               </a:ext>
             </a:extLst>
           </p:cNvPr>
@@ -15008,7 +20645,7 @@
           <p:cNvPr id="13" name="Connector: Curved 12">
             <a:extLst>
               <a:ext uri="{FF2B5EF4-FFF2-40B4-BE49-F238E27FC236}">
-                <a16:creationId xmlns:a16="http://schemas.microsoft.com/office/drawing/2014/main" id="{5C4A6D9D-508D-4A2B-AFD6-806A92916AA3}"/>
+                <a16:creationId xmlns="" xmlns:a16="http://schemas.microsoft.com/office/drawing/2014/main" id="{5C4A6D9D-508D-4A2B-AFD6-806A92916AA3}"/>
               </a:ext>
             </a:extLst>
           </p:cNvPr>
@@ -15059,7 +20696,7 @@
           <p:cNvPr id="16" name="Connector: Curved 15">
             <a:extLst>
               <a:ext uri="{FF2B5EF4-FFF2-40B4-BE49-F238E27FC236}">
-                <a16:creationId xmlns:a16="http://schemas.microsoft.com/office/drawing/2014/main" id="{89D04D13-2E3E-4DE9-A653-5BDEA124A5A0}"/>
+                <a16:creationId xmlns="" xmlns:a16="http://schemas.microsoft.com/office/drawing/2014/main" id="{89D04D13-2E3E-4DE9-A653-5BDEA124A5A0}"/>
               </a:ext>
             </a:extLst>
           </p:cNvPr>
@@ -15107,7 +20744,7 @@
           <p:cNvPr id="23" name="Connector: Curved 22">
             <a:extLst>
               <a:ext uri="{FF2B5EF4-FFF2-40B4-BE49-F238E27FC236}">
-                <a16:creationId xmlns:a16="http://schemas.microsoft.com/office/drawing/2014/main" id="{0002CFC0-6307-4169-B5ED-63432263DABE}"/>
+                <a16:creationId xmlns="" xmlns:a16="http://schemas.microsoft.com/office/drawing/2014/main" id="{0002CFC0-6307-4169-B5ED-63432263DABE}"/>
               </a:ext>
             </a:extLst>
           </p:cNvPr>
@@ -15157,7 +20794,7 @@
           <p:cNvPr id="26" name="Connector: Curved 25">
             <a:extLst>
               <a:ext uri="{FF2B5EF4-FFF2-40B4-BE49-F238E27FC236}">
-                <a16:creationId xmlns:a16="http://schemas.microsoft.com/office/drawing/2014/main" id="{7B0D06A8-AA7F-441E-BC98-44653BDE642F}"/>
+                <a16:creationId xmlns="" xmlns:a16="http://schemas.microsoft.com/office/drawing/2014/main" id="{7B0D06A8-AA7F-441E-BC98-44653BDE642F}"/>
               </a:ext>
             </a:extLst>
           </p:cNvPr>
@@ -15207,7 +20844,7 @@
           <p:cNvPr id="30" name="Connector: Curved 29">
             <a:extLst>
               <a:ext uri="{FF2B5EF4-FFF2-40B4-BE49-F238E27FC236}">
-                <a16:creationId xmlns:a16="http://schemas.microsoft.com/office/drawing/2014/main" id="{FDF8DB5A-ABFC-4F14-B9D4-E4458DBC3732}"/>
+                <a16:creationId xmlns="" xmlns:a16="http://schemas.microsoft.com/office/drawing/2014/main" id="{FDF8DB5A-ABFC-4F14-B9D4-E4458DBC3732}"/>
               </a:ext>
             </a:extLst>
           </p:cNvPr>
@@ -15255,7 +20892,7 @@
           <p:cNvPr id="33" name="Connector: Curved 32">
             <a:extLst>
               <a:ext uri="{FF2B5EF4-FFF2-40B4-BE49-F238E27FC236}">
-                <a16:creationId xmlns:a16="http://schemas.microsoft.com/office/drawing/2014/main" id="{37896E4E-6C93-4395-85F0-A036AA89CE8F}"/>
+                <a16:creationId xmlns="" xmlns:a16="http://schemas.microsoft.com/office/drawing/2014/main" id="{37896E4E-6C93-4395-85F0-A036AA89CE8F}"/>
               </a:ext>
             </a:extLst>
           </p:cNvPr>
@@ -15305,7 +20942,7 @@
           <p:cNvPr id="37" name="Connector: Curved 36">
             <a:extLst>
               <a:ext uri="{FF2B5EF4-FFF2-40B4-BE49-F238E27FC236}">
-                <a16:creationId xmlns:a16="http://schemas.microsoft.com/office/drawing/2014/main" id="{27DE47F1-1C31-4322-83C5-9C3EABF0949E}"/>
+                <a16:creationId xmlns="" xmlns:a16="http://schemas.microsoft.com/office/drawing/2014/main" id="{27DE47F1-1C31-4322-83C5-9C3EABF0949E}"/>
               </a:ext>
             </a:extLst>
           </p:cNvPr>
@@ -15355,7 +20992,7 @@
           <p:cNvPr id="42" name="Connector: Curved 41">
             <a:extLst>
               <a:ext uri="{FF2B5EF4-FFF2-40B4-BE49-F238E27FC236}">
-                <a16:creationId xmlns:a16="http://schemas.microsoft.com/office/drawing/2014/main" id="{369682C6-5AF1-462F-8E27-6D620E1A79C0}"/>
+                <a16:creationId xmlns="" xmlns:a16="http://schemas.microsoft.com/office/drawing/2014/main" id="{369682C6-5AF1-462F-8E27-6D620E1A79C0}"/>
               </a:ext>
             </a:extLst>
           </p:cNvPr>
@@ -15405,7 +21042,7 @@
           <p:cNvPr id="43" name="Oval 42">
             <a:extLst>
               <a:ext uri="{FF2B5EF4-FFF2-40B4-BE49-F238E27FC236}">
-                <a16:creationId xmlns:a16="http://schemas.microsoft.com/office/drawing/2014/main" id="{DDF524BF-1D1C-4E8E-9530-508A976AFC98}"/>
+                <a16:creationId xmlns="" xmlns:a16="http://schemas.microsoft.com/office/drawing/2014/main" id="{DDF524BF-1D1C-4E8E-9530-508A976AFC98}"/>
               </a:ext>
             </a:extLst>
           </p:cNvPr>
@@ -15463,7 +21100,7 @@
           <p:cNvPr id="46" name="Connector: Curved 45">
             <a:extLst>
               <a:ext uri="{FF2B5EF4-FFF2-40B4-BE49-F238E27FC236}">
-                <a16:creationId xmlns:a16="http://schemas.microsoft.com/office/drawing/2014/main" id="{620B7E69-53B2-46EB-B310-D3C9FA96E6E9}"/>
+                <a16:creationId xmlns="" xmlns:a16="http://schemas.microsoft.com/office/drawing/2014/main" id="{620B7E69-53B2-46EB-B310-D3C9FA96E6E9}"/>
               </a:ext>
             </a:extLst>
           </p:cNvPr>
@@ -15513,7 +21150,7 @@
           <p:cNvPr id="49" name="Connector: Curved 48">
             <a:extLst>
               <a:ext uri="{FF2B5EF4-FFF2-40B4-BE49-F238E27FC236}">
-                <a16:creationId xmlns:a16="http://schemas.microsoft.com/office/drawing/2014/main" id="{C58095C5-281C-40DA-ACE9-44891A2F8C86}"/>
+                <a16:creationId xmlns="" xmlns:a16="http://schemas.microsoft.com/office/drawing/2014/main" id="{C58095C5-281C-40DA-ACE9-44891A2F8C86}"/>
               </a:ext>
             </a:extLst>
           </p:cNvPr>
@@ -15563,7 +21200,7 @@
           <p:cNvPr id="52" name="Connector: Curved 51">
             <a:extLst>
               <a:ext uri="{FF2B5EF4-FFF2-40B4-BE49-F238E27FC236}">
-                <a16:creationId xmlns:a16="http://schemas.microsoft.com/office/drawing/2014/main" id="{1D475C31-7043-48F3-9F0E-2F11CCE0BFEC}"/>
+                <a16:creationId xmlns="" xmlns:a16="http://schemas.microsoft.com/office/drawing/2014/main" id="{1D475C31-7043-48F3-9F0E-2F11CCE0BFEC}"/>
               </a:ext>
             </a:extLst>
           </p:cNvPr>
@@ -15613,7 +21250,7 @@
           <p:cNvPr id="73" name="Rectangle: Rounded Corners 72">
             <a:extLst>
               <a:ext uri="{FF2B5EF4-FFF2-40B4-BE49-F238E27FC236}">
-                <a16:creationId xmlns:a16="http://schemas.microsoft.com/office/drawing/2014/main" id="{F7C2FBDC-DBD6-4BD7-9093-A7C7A16E4202}"/>
+                <a16:creationId xmlns="" xmlns:a16="http://schemas.microsoft.com/office/drawing/2014/main" id="{F7C2FBDC-DBD6-4BD7-9093-A7C7A16E4202}"/>
               </a:ext>
             </a:extLst>
           </p:cNvPr>
@@ -15670,7 +21307,7 @@
           <p:cNvPr id="74" name="Rectangle: Rounded Corners 73">
             <a:extLst>
               <a:ext uri="{FF2B5EF4-FFF2-40B4-BE49-F238E27FC236}">
-                <a16:creationId xmlns:a16="http://schemas.microsoft.com/office/drawing/2014/main" id="{885761E2-7931-4486-8895-16F743DD534B}"/>
+                <a16:creationId xmlns="" xmlns:a16="http://schemas.microsoft.com/office/drawing/2014/main" id="{885761E2-7931-4486-8895-16F743DD534B}"/>
               </a:ext>
             </a:extLst>
           </p:cNvPr>
@@ -15727,7 +21364,7 @@
           <p:cNvPr id="89" name="Rectangle: Rounded Corners 88">
             <a:extLst>
               <a:ext uri="{FF2B5EF4-FFF2-40B4-BE49-F238E27FC236}">
-                <a16:creationId xmlns:a16="http://schemas.microsoft.com/office/drawing/2014/main" id="{7B2B5A8A-E8FA-4C43-AB58-FD2CFBD43F95}"/>
+                <a16:creationId xmlns="" xmlns:a16="http://schemas.microsoft.com/office/drawing/2014/main" id="{7B2B5A8A-E8FA-4C43-AB58-FD2CFBD43F95}"/>
               </a:ext>
             </a:extLst>
           </p:cNvPr>
@@ -15784,7 +21421,7 @@
           <p:cNvPr id="116" name="TextBox 115">
             <a:extLst>
               <a:ext uri="{FF2B5EF4-FFF2-40B4-BE49-F238E27FC236}">
-                <a16:creationId xmlns:a16="http://schemas.microsoft.com/office/drawing/2014/main" id="{040F4228-451E-4C6C-A8DB-654D2DFC7899}"/>
+                <a16:creationId xmlns="" xmlns:a16="http://schemas.microsoft.com/office/drawing/2014/main" id="{040F4228-451E-4C6C-A8DB-654D2DFC7899}"/>
               </a:ext>
             </a:extLst>
           </p:cNvPr>
@@ -15827,7 +21464,7 @@
           <p:cNvPr id="118" name="Connector: Curved 117">
             <a:extLst>
               <a:ext uri="{FF2B5EF4-FFF2-40B4-BE49-F238E27FC236}">
-                <a16:creationId xmlns:a16="http://schemas.microsoft.com/office/drawing/2014/main" id="{E7390689-FDA1-4A7A-9673-0E84A8BFABA5}"/>
+                <a16:creationId xmlns="" xmlns:a16="http://schemas.microsoft.com/office/drawing/2014/main" id="{E7390689-FDA1-4A7A-9673-0E84A8BFABA5}"/>
               </a:ext>
             </a:extLst>
           </p:cNvPr>
@@ -15875,7 +21512,7 @@
           <p:cNvPr id="127" name="TextBox 126">
             <a:extLst>
               <a:ext uri="{FF2B5EF4-FFF2-40B4-BE49-F238E27FC236}">
-                <a16:creationId xmlns:a16="http://schemas.microsoft.com/office/drawing/2014/main" id="{81FAB2FF-6208-44E4-8BD7-9FB7D32A7535}"/>
+                <a16:creationId xmlns="" xmlns:a16="http://schemas.microsoft.com/office/drawing/2014/main" id="{81FAB2FF-6208-44E4-8BD7-9FB7D32A7535}"/>
               </a:ext>
             </a:extLst>
           </p:cNvPr>
@@ -15918,7 +21555,7 @@
           <p:cNvPr id="128" name="TextBox 127">
             <a:extLst>
               <a:ext uri="{FF2B5EF4-FFF2-40B4-BE49-F238E27FC236}">
-                <a16:creationId xmlns:a16="http://schemas.microsoft.com/office/drawing/2014/main" id="{33A89E42-576D-4526-AA7E-71BC9C70C1A1}"/>
+                <a16:creationId xmlns="" xmlns:a16="http://schemas.microsoft.com/office/drawing/2014/main" id="{33A89E42-576D-4526-AA7E-71BC9C70C1A1}"/>
               </a:ext>
             </a:extLst>
           </p:cNvPr>
@@ -15961,7 +21598,7 @@
           <p:cNvPr id="134" name="Connector: Curved 133">
             <a:extLst>
               <a:ext uri="{FF2B5EF4-FFF2-40B4-BE49-F238E27FC236}">
-                <a16:creationId xmlns:a16="http://schemas.microsoft.com/office/drawing/2014/main" id="{4929B015-6C7F-4F61-A0A2-D9C677928CEE}"/>
+                <a16:creationId xmlns="" xmlns:a16="http://schemas.microsoft.com/office/drawing/2014/main" id="{4929B015-6C7F-4F61-A0A2-D9C677928CEE}"/>
               </a:ext>
             </a:extLst>
           </p:cNvPr>
@@ -16009,7 +21646,7 @@
           <p:cNvPr id="161" name="Connector: Curved 160">
             <a:extLst>
               <a:ext uri="{FF2B5EF4-FFF2-40B4-BE49-F238E27FC236}">
-                <a16:creationId xmlns:a16="http://schemas.microsoft.com/office/drawing/2014/main" id="{5755E191-E101-4F3A-9439-D493CEDA2F00}"/>
+                <a16:creationId xmlns="" xmlns:a16="http://schemas.microsoft.com/office/drawing/2014/main" id="{5755E191-E101-4F3A-9439-D493CEDA2F00}"/>
               </a:ext>
             </a:extLst>
           </p:cNvPr>
@@ -16059,7 +21696,7 @@
           <p:cNvPr id="193" name="Rectangle: Rounded Corners 192">
             <a:extLst>
               <a:ext uri="{FF2B5EF4-FFF2-40B4-BE49-F238E27FC236}">
-                <a16:creationId xmlns:a16="http://schemas.microsoft.com/office/drawing/2014/main" id="{890FDDEB-D36A-49DB-AF7D-1D4539E29D3C}"/>
+                <a16:creationId xmlns="" xmlns:a16="http://schemas.microsoft.com/office/drawing/2014/main" id="{890FDDEB-D36A-49DB-AF7D-1D4539E29D3C}"/>
               </a:ext>
             </a:extLst>
           </p:cNvPr>
@@ -16116,7 +21753,7 @@
           <p:cNvPr id="195" name="Connector: Curved 194">
             <a:extLst>
               <a:ext uri="{FF2B5EF4-FFF2-40B4-BE49-F238E27FC236}">
-                <a16:creationId xmlns:a16="http://schemas.microsoft.com/office/drawing/2014/main" id="{4502B3FD-897D-4691-840D-6DB93C503BC6}"/>
+                <a16:creationId xmlns="" xmlns:a16="http://schemas.microsoft.com/office/drawing/2014/main" id="{4502B3FD-897D-4691-840D-6DB93C503BC6}"/>
               </a:ext>
             </a:extLst>
           </p:cNvPr>
@@ -16166,7 +21803,7 @@
           <p:cNvPr id="201" name="Rectangle: Rounded Corners 200">
             <a:extLst>
               <a:ext uri="{FF2B5EF4-FFF2-40B4-BE49-F238E27FC236}">
-                <a16:creationId xmlns:a16="http://schemas.microsoft.com/office/drawing/2014/main" id="{FBB7021F-A67A-4B2D-8CBB-CD5AFFCF55A3}"/>
+                <a16:creationId xmlns="" xmlns:a16="http://schemas.microsoft.com/office/drawing/2014/main" id="{FBB7021F-A67A-4B2D-8CBB-CD5AFFCF55A3}"/>
               </a:ext>
             </a:extLst>
           </p:cNvPr>
@@ -16223,7 +21860,7 @@
           <p:cNvPr id="202" name="Connector: Curved 201">
             <a:extLst>
               <a:ext uri="{FF2B5EF4-FFF2-40B4-BE49-F238E27FC236}">
-                <a16:creationId xmlns:a16="http://schemas.microsoft.com/office/drawing/2014/main" id="{5EED42AB-4A22-4D31-93D7-6CCCAB237F13}"/>
+                <a16:creationId xmlns="" xmlns:a16="http://schemas.microsoft.com/office/drawing/2014/main" id="{5EED42AB-4A22-4D31-93D7-6CCCAB237F13}"/>
               </a:ext>
             </a:extLst>
           </p:cNvPr>
@@ -16271,7 +21908,7 @@
           <p:cNvPr id="305" name="Rectangle: Rounded Corners 304">
             <a:extLst>
               <a:ext uri="{FF2B5EF4-FFF2-40B4-BE49-F238E27FC236}">
-                <a16:creationId xmlns:a16="http://schemas.microsoft.com/office/drawing/2014/main" id="{FC1ADAC6-BECD-4574-8892-240FB0801344}"/>
+                <a16:creationId xmlns="" xmlns:a16="http://schemas.microsoft.com/office/drawing/2014/main" id="{FC1ADAC6-BECD-4574-8892-240FB0801344}"/>
               </a:ext>
             </a:extLst>
           </p:cNvPr>
@@ -16328,7 +21965,7 @@
           <p:cNvPr id="307" name="Connector: Curved 306">
             <a:extLst>
               <a:ext uri="{FF2B5EF4-FFF2-40B4-BE49-F238E27FC236}">
-                <a16:creationId xmlns:a16="http://schemas.microsoft.com/office/drawing/2014/main" id="{15C1DD81-F783-43AD-A272-BD18C231BF67}"/>
+                <a16:creationId xmlns="" xmlns:a16="http://schemas.microsoft.com/office/drawing/2014/main" id="{15C1DD81-F783-43AD-A272-BD18C231BF67}"/>
               </a:ext>
             </a:extLst>
           </p:cNvPr>
@@ -16376,7 +22013,7 @@
           <p:cNvPr id="399" name="TextBox 398">
             <a:extLst>
               <a:ext uri="{FF2B5EF4-FFF2-40B4-BE49-F238E27FC236}">
-                <a16:creationId xmlns:a16="http://schemas.microsoft.com/office/drawing/2014/main" id="{A6A9B65D-8892-41CA-B711-42A1528FDFC6}"/>
+                <a16:creationId xmlns="" xmlns:a16="http://schemas.microsoft.com/office/drawing/2014/main" id="{A6A9B65D-8892-41CA-B711-42A1528FDFC6}"/>
               </a:ext>
             </a:extLst>
           </p:cNvPr>
@@ -16418,6 +22055,58 @@
     <p:extLst>
       <p:ext uri="{BB962C8B-B14F-4D97-AF65-F5344CB8AC3E}">
         <p14:creationId xmlns:p14="http://schemas.microsoft.com/office/powerpoint/2010/main" val="1415391595"/>
+      </p:ext>
+    </p:extLst>
+  </p:cSld>
+  <p:clrMapOvr>
+    <a:masterClrMapping/>
+  </p:clrMapOvr>
+</p:sld>
+</file>
+
+<file path=ppt/slides/slide9.xml><?xml version="1.0" encoding="utf-8"?>
+<p:sld xmlns:a="http://schemas.openxmlformats.org/drawingml/2006/main" xmlns:r="http://schemas.openxmlformats.org/officeDocument/2006/relationships" xmlns:p="http://schemas.openxmlformats.org/presentationml/2006/main">
+  <p:cSld>
+    <p:spTree>
+      <p:nvGrpSpPr>
+        <p:cNvPr id="1" name=""/>
+        <p:cNvGrpSpPr/>
+        <p:nvPr/>
+      </p:nvGrpSpPr>
+      <p:grpSpPr>
+        <a:xfrm>
+          <a:off x="0" y="0"/>
+          <a:ext cx="0" cy="0"/>
+          <a:chOff x="0" y="0"/>
+          <a:chExt cx="0" cy="0"/>
+        </a:xfrm>
+      </p:grpSpPr>
+      <p:pic>
+        <p:nvPicPr>
+          <p:cNvPr id="2" name="image5.png"/>
+          <p:cNvPicPr/>
+          <p:nvPr/>
+        </p:nvPicPr>
+        <p:blipFill>
+          <a:blip r:embed="rId2" cstate="print"/>
+          <a:stretch>
+            <a:fillRect/>
+          </a:stretch>
+        </p:blipFill>
+        <p:spPr>
+          <a:xfrm>
+            <a:off x="1790443" y="861844"/>
+            <a:ext cx="6264059" cy="5500045"/>
+          </a:xfrm>
+          <a:prstGeom prst="rect">
+            <a:avLst/>
+          </a:prstGeom>
+        </p:spPr>
+      </p:pic>
+    </p:spTree>
+    <p:extLst>
+      <p:ext uri="{BB962C8B-B14F-4D97-AF65-F5344CB8AC3E}">
+        <p14:creationId xmlns:p14="http://schemas.microsoft.com/office/powerpoint/2010/main" val="28964836"/>
       </p:ext>
     </p:extLst>
   </p:cSld>
